--- a/phase01/immortals_repo/docs/PostJuly2016Discussion/IMMoRTALS_ ComponentTechnologies.pptx
+++ b/phase01/immortals_repo/docs/PostJuly2016Discussion/IMMoRTALS_ ComponentTechnologies.pptx
@@ -3,40 +3,40 @@
 <p:presentation xmlns:a="http://schemas.openxmlformats.org/drawingml/2006/main" xmlns:r="http://schemas.openxmlformats.org/officeDocument/2006/relationships" xmlns:p="http://schemas.openxmlformats.org/presentationml/2006/main" saveSubsetFonts="1" autoCompressPictures="0">
   <p:sldMasterIdLst>
     <p:sldMasterId id="2147483648" r:id="rId1"/>
-    <p:sldMasterId id="2147483660" r:id="rId2"/>
+    <p:sldMasterId id="2147483661" r:id="rId3"/>
   </p:sldMasterIdLst>
   <p:notesMasterIdLst>
-    <p:notesMasterId r:id="rId28"/>
+    <p:notesMasterId r:id="rId5"/>
   </p:notesMasterIdLst>
   <p:handoutMasterIdLst>
-    <p:handoutMasterId r:id="rId29"/>
+    <p:handoutMasterId r:id="rId30"/>
   </p:handoutMasterIdLst>
   <p:sldIdLst>
-    <p:sldId id="256" r:id="rId3"/>
-    <p:sldId id="258" r:id="rId4"/>
-    <p:sldId id="259" r:id="rId5"/>
-    <p:sldId id="260" r:id="rId6"/>
-    <p:sldId id="261" r:id="rId7"/>
-    <p:sldId id="262" r:id="rId8"/>
-    <p:sldId id="263" r:id="rId9"/>
-    <p:sldId id="264" r:id="rId10"/>
-    <p:sldId id="265" r:id="rId11"/>
-    <p:sldId id="266" r:id="rId12"/>
-    <p:sldId id="267" r:id="rId13"/>
-    <p:sldId id="268" r:id="rId14"/>
-    <p:sldId id="269" r:id="rId15"/>
-    <p:sldId id="270" r:id="rId16"/>
-    <p:sldId id="271" r:id="rId17"/>
-    <p:sldId id="272" r:id="rId18"/>
-    <p:sldId id="273" r:id="rId19"/>
-    <p:sldId id="274" r:id="rId20"/>
-    <p:sldId id="275" r:id="rId21"/>
-    <p:sldId id="279" r:id="rId22"/>
-    <p:sldId id="276" r:id="rId23"/>
-    <p:sldId id="277" r:id="rId24"/>
-    <p:sldId id="278" r:id="rId25"/>
-    <p:sldId id="280" r:id="rId26"/>
-    <p:sldId id="257" r:id="rId27"/>
+    <p:sldId id="256" r:id="rId4"/>
+    <p:sldId id="258" r:id="rId6"/>
+    <p:sldId id="259" r:id="rId7"/>
+    <p:sldId id="260" r:id="rId8"/>
+    <p:sldId id="261" r:id="rId9"/>
+    <p:sldId id="262" r:id="rId10"/>
+    <p:sldId id="263" r:id="rId11"/>
+    <p:sldId id="264" r:id="rId12"/>
+    <p:sldId id="265" r:id="rId13"/>
+    <p:sldId id="266" r:id="rId14"/>
+    <p:sldId id="267" r:id="rId15"/>
+    <p:sldId id="268" r:id="rId16"/>
+    <p:sldId id="269" r:id="rId17"/>
+    <p:sldId id="270" r:id="rId18"/>
+    <p:sldId id="271" r:id="rId19"/>
+    <p:sldId id="272" r:id="rId20"/>
+    <p:sldId id="273" r:id="rId21"/>
+    <p:sldId id="274" r:id="rId22"/>
+    <p:sldId id="275" r:id="rId23"/>
+    <p:sldId id="279" r:id="rId24"/>
+    <p:sldId id="276" r:id="rId25"/>
+    <p:sldId id="277" r:id="rId26"/>
+    <p:sldId id="278" r:id="rId27"/>
+    <p:sldId id="280" r:id="rId28"/>
+    <p:sldId id="257" r:id="rId29"/>
   </p:sldIdLst>
   <p:sldSz cx="9144000" cy="6858000" type="screen4x3"/>
   <p:notesSz cx="6985000" cy="9283700"/>
@@ -63,7 +63,7 @@
         <a:solidFill>
           <a:schemeClr val="tx1"/>
         </a:solidFill>
-        <a:latin typeface="Arial" charset="0"/>
+        <a:latin typeface="Arial" panose="02080604020202020204" charset="0"/>
         <a:ea typeface="ＭＳ Ｐゴシック" charset="-128"/>
         <a:cs typeface="+mn-cs"/>
       </a:defRPr>
@@ -79,7 +79,7 @@
         <a:solidFill>
           <a:schemeClr val="tx1"/>
         </a:solidFill>
-        <a:latin typeface="Arial" charset="0"/>
+        <a:latin typeface="Arial" panose="02080604020202020204" charset="0"/>
         <a:ea typeface="ＭＳ Ｐゴシック" charset="-128"/>
         <a:cs typeface="+mn-cs"/>
       </a:defRPr>
@@ -95,7 +95,7 @@
         <a:solidFill>
           <a:schemeClr val="tx1"/>
         </a:solidFill>
-        <a:latin typeface="Arial" charset="0"/>
+        <a:latin typeface="Arial" panose="02080604020202020204" charset="0"/>
         <a:ea typeface="ＭＳ Ｐゴシック" charset="-128"/>
         <a:cs typeface="+mn-cs"/>
       </a:defRPr>
@@ -111,7 +111,7 @@
         <a:solidFill>
           <a:schemeClr val="tx1"/>
         </a:solidFill>
-        <a:latin typeface="Arial" charset="0"/>
+        <a:latin typeface="Arial" panose="02080604020202020204" charset="0"/>
         <a:ea typeface="ＭＳ Ｐゴシック" charset="-128"/>
         <a:cs typeface="+mn-cs"/>
       </a:defRPr>
@@ -127,7 +127,7 @@
         <a:solidFill>
           <a:schemeClr val="tx1"/>
         </a:solidFill>
-        <a:latin typeface="Arial" charset="0"/>
+        <a:latin typeface="Arial" panose="02080604020202020204" charset="0"/>
         <a:ea typeface="ＭＳ Ｐゴシック" charset="-128"/>
         <a:cs typeface="+mn-cs"/>
       </a:defRPr>
@@ -137,7 +137,7 @@
         <a:solidFill>
           <a:schemeClr val="tx1"/>
         </a:solidFill>
-        <a:latin typeface="Arial" charset="0"/>
+        <a:latin typeface="Arial" panose="02080604020202020204" charset="0"/>
         <a:ea typeface="ＭＳ Ｐゴシック" charset="-128"/>
         <a:cs typeface="+mn-cs"/>
       </a:defRPr>
@@ -147,7 +147,7 @@
         <a:solidFill>
           <a:schemeClr val="tx1"/>
         </a:solidFill>
-        <a:latin typeface="Arial" charset="0"/>
+        <a:latin typeface="Arial" panose="02080604020202020204" charset="0"/>
         <a:ea typeface="ＭＳ Ｐゴシック" charset="-128"/>
         <a:cs typeface="+mn-cs"/>
       </a:defRPr>
@@ -157,7 +157,7 @@
         <a:solidFill>
           <a:schemeClr val="tx1"/>
         </a:solidFill>
-        <a:latin typeface="Arial" charset="0"/>
+        <a:latin typeface="Arial" panose="02080604020202020204" charset="0"/>
         <a:ea typeface="ＭＳ Ｐゴシック" charset="-128"/>
         <a:cs typeface="+mn-cs"/>
       </a:defRPr>
@@ -167,40 +167,18 @@
         <a:solidFill>
           <a:schemeClr val="tx1"/>
         </a:solidFill>
-        <a:latin typeface="Arial" charset="0"/>
+        <a:latin typeface="Arial" panose="02080604020202020204" charset="0"/>
         <a:ea typeface="ＭＳ Ｐゴシック" charset="-128"/>
         <a:cs typeface="+mn-cs"/>
       </a:defRPr>
     </a:lvl9pPr>
   </p:defaultTextStyle>
-  <p:extLst>
-    <p:ext uri="{EFAFB233-063F-42B5-8137-9DF3F51BA10A}">
-      <p15:sldGuideLst xmlns:p15="http://schemas.microsoft.com/office/powerpoint/2012/main">
-        <p15:guide id="1" orient="horz" pos="2160">
-          <p15:clr>
-            <a:srgbClr val="A4A3A4"/>
-          </p15:clr>
-        </p15:guide>
-        <p15:guide id="2" pos="2880">
-          <p15:clr>
-            <a:srgbClr val="A4A3A4"/>
-          </p15:clr>
-        </p15:guide>
-      </p15:sldGuideLst>
-    </p:ext>
-  </p:extLst>
 </p:presentation>
 </file>
 
 <file path=ppt/commentAuthors.xml><?xml version="1.0" encoding="utf-8"?>
 <p:cmAuthorLst xmlns:a="http://schemas.openxmlformats.org/drawingml/2006/main" xmlns:r="http://schemas.openxmlformats.org/officeDocument/2006/relationships" xmlns:p="http://schemas.openxmlformats.org/presentationml/2006/main">
-  <p:cmAuthor id="1" name="ppal" initials="p" lastIdx="19" clrIdx="0">
-    <p:extLst>
-      <p:ext uri="{19B8F6BF-5375-455C-9EA6-DF929625EA0E}">
-        <p15:presenceInfo xmlns:p15="http://schemas.microsoft.com/office/powerpoint/2012/main" userId="ppal" providerId="None"/>
-      </p:ext>
-    </p:extLst>
-  </p:cmAuthor>
+  <p:cmAuthor id="1" name="ppal" initials="p" lastIdx="19" clrIdx="0"/>
 </p:cmAuthorLst>
 </file>
 
@@ -209,89 +187,41 @@
   <p:cm authorId="1" dt="2016-11-21T22:33:17.946" idx="1">
     <p:pos x="3246" y="1500"/>
     <p:text>So this part is saying that a "mission" is a crosscut of various models. This diagram is showing how various concepts are related-- but kind of begs the so what question. Is manage and monitor runtime the only consequent of this modeling?</p:text>
-    <p:extLst mod="1">
-      <p:ext uri="{C676402C-5697-4E1C-873F-D02D1690AC5C}">
-        <p15:threadingInfo xmlns:p15="http://schemas.microsoft.com/office/powerpoint/2012/main" timeZoneBias="300"/>
-      </p:ext>
-    </p:extLst>
   </p:cm>
   <p:cm authorId="1" dt="2016-11-21T22:40:29.413" idx="2">
     <p:pos x="3246" y="1596"/>
     <p:text>BTW, what does Manage and Monitior runtime refer to? The TA4 perturbation interface/script only? Does it bleed into runtime adaptation/program evolution as well?</p:text>
-    <p:extLst mod="1">
-      <p:ext uri="{C676402C-5697-4E1C-873F-D02D1690AC5C}">
-        <p15:threadingInfo xmlns:p15="http://schemas.microsoft.com/office/powerpoint/2012/main" timeZoneBias="300">
-          <p15:parentCm authorId="1" idx="1"/>
-        </p15:threadingInfo>
-      </p:ext>
-    </p:extLst>
   </p:cm>
 </p:cmLst>
 </file>
 
 <file path=ppt/comments/comment2.xml><?xml version="1.0" encoding="utf-8"?>
 <p:cmLst xmlns:a="http://schemas.openxmlformats.org/drawingml/2006/main" xmlns:r="http://schemas.openxmlformats.org/officeDocument/2006/relationships" xmlns:p="http://schemas.openxmlformats.org/presentationml/2006/main">
-  <p:cm authorId="1" dt="2016-11-21T22:40:36.398" idx="3">
-    <p:pos x="1373" y="196"/>
-    <p:text>This needs explanation</p:text>
-    <p:extLst mod="1">
-      <p:ext uri="{C676402C-5697-4E1C-873F-D02D1690AC5C}">
-        <p15:threadingInfo xmlns:p15="http://schemas.microsoft.com/office/powerpoint/2012/main" timeZoneBias="300"/>
-      </p:ext>
-    </p:extLst>
+  <p:cm authorId="1" dt="2016-11-22T09:27:44.871" idx="9">
+    <p:pos x="5563" y="707"/>
+    <p:text>Indicate how this is linked to the KR-- KR/triple store is the authortitative representation of facts and knowledge, we (automatically) translate what is needed for the type analysis into the DSL</p:text>
+  </p:cm>
+  <p:cm authorId="1" dt="2016-11-22T09:29:37.416" idx="10">
+    <p:pos x="5563" y="803"/>
+    <p:text>And, also indicate why type system is a better tool - things like soundness, completeness, safety-- may be? Where do we gain the efficiency compared to the brute force exhaustive search that one might do against the triple store?</p:text>
   </p:cm>
 </p:cmLst>
 </file>
 
 <file path=ppt/comments/comment3.xml><?xml version="1.0" encoding="utf-8"?>
 <p:cmLst xmlns:a="http://schemas.openxmlformats.org/drawingml/2006/main" xmlns:r="http://schemas.openxmlformats.org/officeDocument/2006/relationships" xmlns:p="http://schemas.openxmlformats.org/presentationml/2006/main">
-  <p:cm authorId="1" dt="2016-11-22T09:27:44.871" idx="9">
-    <p:pos x="5563" y="707"/>
-    <p:text>Indicate how this is linked to the KR-- KR/triple store is the authortitative representation of facts and knowledge, we (automatically) translate what is needed for the type analysis into the DSL</p:text>
-    <p:extLst>
-      <p:ext uri="{C676402C-5697-4E1C-873F-D02D1690AC5C}">
-        <p15:threadingInfo xmlns:p15="http://schemas.microsoft.com/office/powerpoint/2012/main" timeZoneBias="300"/>
-      </p:ext>
-    </p:extLst>
-  </p:cm>
-  <p:cm authorId="1" dt="2016-11-22T09:29:37.416" idx="10">
-    <p:pos x="5563" y="803"/>
-    <p:text>And, also indicate why type system is a better tool - things like soundness, completeness, safety-- may be? Where do we gain the efficiency compared to the brute force exhaustive search that one might do against the triple store?</p:text>
-    <p:extLst>
-      <p:ext uri="{C676402C-5697-4E1C-873F-D02D1690AC5C}">
-        <p15:threadingInfo xmlns:p15="http://schemas.microsoft.com/office/powerpoint/2012/main" timeZoneBias="300">
-          <p15:parentCm authorId="1" idx="9"/>
-        </p15:threadingInfo>
-      </p:ext>
-    </p:extLst>
+  <p:cm authorId="1" dt="2016-11-28T15:42:18.902" idx="19">
+    <p:pos x="3090" y="2881"/>
+    <p:text>Field/Fast? what does it mean?</p:text>
   </p:cm>
 </p:cmLst>
 </file>
 
 <file path=ppt/comments/comment4.xml><?xml version="1.0" encoding="utf-8"?>
 <p:cmLst xmlns:a="http://schemas.openxmlformats.org/drawingml/2006/main" xmlns:r="http://schemas.openxmlformats.org/officeDocument/2006/relationships" xmlns:p="http://schemas.openxmlformats.org/presentationml/2006/main">
-  <p:cm authorId="1" dt="2016-11-28T15:42:18.902" idx="19">
-    <p:pos x="2600" y="3096"/>
-    <p:text>Field/Fast? what does it mean?</p:text>
-    <p:extLst>
-      <p:ext uri="{C676402C-5697-4E1C-873F-D02D1690AC5C}">
-        <p15:threadingInfo xmlns:p15="http://schemas.microsoft.com/office/powerpoint/2012/main" timeZoneBias="300"/>
-      </p:ext>
-    </p:extLst>
-  </p:cm>
-</p:cmLst>
-</file>
-
-<file path=ppt/comments/comment5.xml><?xml version="1.0" encoding="utf-8"?>
-<p:cmLst xmlns:a="http://schemas.openxmlformats.org/drawingml/2006/main" xmlns:r="http://schemas.openxmlformats.org/officeDocument/2006/relationships" xmlns:p="http://schemas.openxmlformats.org/presentationml/2006/main">
   <p:cm authorId="1" dt="2016-11-22T09:37:20.521" idx="15">
     <p:pos x="2543" y="605"/>
     <p:text>Modified the wordings a bit</p:text>
-    <p:extLst>
-      <p:ext uri="{C676402C-5697-4E1C-873F-D02D1690AC5C}">
-        <p15:threadingInfo xmlns:p15="http://schemas.microsoft.com/office/powerpoint/2012/main" timeZoneBias="300"/>
-      </p:ext>
-    </p:extLst>
   </p:cm>
 </p:cmLst>
 </file>
@@ -378,8 +308,6 @@
           <a:p>
             <a:fld id="{5BCC3BE5-7C0B-48D8-AA9C-758E2C87D26E}" type="datetimeFigureOut">
               <a:rPr lang="en-US" smtClean="0"/>
-              <a:pPr/>
-              <a:t>11/28/2016</a:t>
             </a:fld>
             <a:endParaRPr lang="en-US"/>
           </a:p>
@@ -445,19 +373,12 @@
           <a:p>
             <a:fld id="{80E4D5FB-D3AB-4653-BEF0-A15876D55F25}" type="slidenum">
               <a:rPr lang="en-US" smtClean="0"/>
-              <a:pPr/>
-              <a:t>‹#›</a:t>
             </a:fld>
             <a:endParaRPr lang="en-US"/>
           </a:p>
         </p:txBody>
       </p:sp>
     </p:spTree>
-    <p:extLst>
-      <p:ext uri="{BB962C8B-B14F-4D97-AF65-F5344CB8AC3E}">
-        <p14:creationId xmlns:p14="http://schemas.microsoft.com/office/powerpoint/2010/main" val="1163460602"/>
-      </p:ext>
-    </p:extLst>
   </p:cSld>
   <p:clrMap bg1="lt1" tx1="dk1" bg2="lt2" tx2="dk2" accent1="accent1" accent2="accent2" accent3="accent3" accent4="accent4" accent5="accent5" accent6="accent6" hlink="hlink" folHlink="folHlink"/>
 </p:handoutMaster>
@@ -549,11 +470,7 @@
           </a:prstGeom>
         </p:spPr>
         <p:txBody>
-          <a:bodyPr vert="horz" wrap="square" lIns="91440" tIns="45720" rIns="91440" bIns="45720" numCol="1" anchor="t" anchorCtr="0" compatLnSpc="1">
-            <a:prstTxWarp prst="textNoShape">
-              <a:avLst/>
-            </a:prstTxWarp>
-          </a:bodyPr>
+          <a:bodyPr vert="horz" wrap="square" lIns="91440" tIns="45720" rIns="91440" bIns="45720" numCol="1" anchor="t" anchorCtr="0" compatLnSpc="1"/>
           <a:lstStyle>
             <a:lvl1pPr algn="r">
               <a:defRPr sz="1200"/>
@@ -562,8 +479,6 @@
           <a:p>
             <a:fld id="{FAE200BF-5E88-4F80-A965-989E962435C2}" type="datetime1">
               <a:rPr lang="en-US"/>
-              <a:pPr/>
-              <a:t>11/28/2016</a:t>
             </a:fld>
             <a:endParaRPr lang="en-US"/>
           </a:p>
@@ -633,6 +548,7 @@
               <a:rPr lang="en-US" noProof="0" dirty="0" smtClean="0"/>
               <a:t>Click to edit Master text styles</a:t>
             </a:r>
+            <a:endParaRPr lang="en-US" noProof="0" dirty="0" smtClean="0"/>
           </a:p>
           <a:p>
             <a:pPr lvl="1"/>
@@ -640,6 +556,7 @@
               <a:rPr lang="en-US" noProof="0" dirty="0" smtClean="0"/>
               <a:t>Second level</a:t>
             </a:r>
+            <a:endParaRPr lang="en-US" noProof="0" dirty="0" smtClean="0"/>
           </a:p>
           <a:p>
             <a:pPr lvl="2"/>
@@ -647,6 +564,7 @@
               <a:rPr lang="en-US" noProof="0" dirty="0" smtClean="0"/>
               <a:t>Third level</a:t>
             </a:r>
+            <a:endParaRPr lang="en-US" noProof="0" dirty="0" smtClean="0"/>
           </a:p>
           <a:p>
             <a:pPr lvl="3"/>
@@ -654,6 +572,7 @@
               <a:rPr lang="en-US" noProof="0" dirty="0" smtClean="0"/>
               <a:t>Fourth level</a:t>
             </a:r>
+            <a:endParaRPr lang="en-US" noProof="0" dirty="0" smtClean="0"/>
           </a:p>
           <a:p>
             <a:pPr lvl="4"/>
@@ -729,11 +648,7 @@
           </a:prstGeom>
         </p:spPr>
         <p:txBody>
-          <a:bodyPr vert="horz" wrap="square" lIns="91440" tIns="45720" rIns="91440" bIns="45720" numCol="1" anchor="b" anchorCtr="0" compatLnSpc="1">
-            <a:prstTxWarp prst="textNoShape">
-              <a:avLst/>
-            </a:prstTxWarp>
-          </a:bodyPr>
+          <a:bodyPr vert="horz" wrap="square" lIns="91440" tIns="45720" rIns="91440" bIns="45720" numCol="1" anchor="b" anchorCtr="0" compatLnSpc="1"/>
           <a:lstStyle>
             <a:lvl1pPr algn="r">
               <a:defRPr sz="1200"/>
@@ -742,19 +657,12 @@
           <a:p>
             <a:fld id="{C2035D20-666A-4D58-B2B9-83ED2AC52B6B}" type="slidenum">
               <a:rPr lang="en-US"/>
-              <a:pPr/>
-              <a:t>‹#›</a:t>
             </a:fld>
             <a:endParaRPr lang="en-US"/>
           </a:p>
         </p:txBody>
       </p:sp>
     </p:spTree>
-    <p:extLst>
-      <p:ext uri="{BB962C8B-B14F-4D97-AF65-F5344CB8AC3E}">
-        <p14:creationId xmlns:p14="http://schemas.microsoft.com/office/powerpoint/2010/main" val="1498208076"/>
-      </p:ext>
-    </p:extLst>
   </p:cSld>
   <p:clrMap bg1="lt1" tx1="dk1" bg2="lt2" tx2="dk2" accent1="accent1" accent2="accent2" accent3="accent3" accent4="accent4" accent5="accent5" accent6="accent6" hlink="hlink" folHlink="folHlink"/>
   <p:notesStyle>
@@ -947,19 +855,213 @@
           <a:p>
             <a:fld id="{C2035D20-666A-4D58-B2B9-83ED2AC52B6B}" type="slidenum">
               <a:rPr lang="en-US" smtClean="0"/>
-              <a:pPr/>
-              <a:t>1</a:t>
             </a:fld>
             <a:endParaRPr lang="en-US"/>
           </a:p>
         </p:txBody>
       </p:sp>
     </p:spTree>
-    <p:extLst>
-      <p:ext uri="{BB962C8B-B14F-4D97-AF65-F5344CB8AC3E}">
-        <p14:creationId xmlns:p14="http://schemas.microsoft.com/office/powerpoint/2010/main" val="1958115289"/>
-      </p:ext>
-    </p:extLst>
+  </p:cSld>
+  <p:clrMapOvr>
+    <a:masterClrMapping/>
+  </p:clrMapOvr>
+</p:notes>
+</file>
+
+<file path=ppt/notesSlides/notesSlide10.xml><?xml version="1.0" encoding="utf-8"?>
+<p:notes xmlns:a="http://schemas.openxmlformats.org/drawingml/2006/main" xmlns:r="http://schemas.openxmlformats.org/officeDocument/2006/relationships" xmlns:p="http://schemas.openxmlformats.org/presentationml/2006/main">
+  <p:cSld>
+    <p:spTree>
+      <p:nvGrpSpPr>
+        <p:cNvPr id="1" name=""/>
+        <p:cNvGrpSpPr/>
+        <p:nvPr/>
+      </p:nvGrpSpPr>
+      <p:grpSpPr>
+        <a:xfrm>
+          <a:off x="0" y="0"/>
+          <a:ext cx="0" cy="0"/>
+          <a:chOff x="0" y="0"/>
+          <a:chExt cx="0" cy="0"/>
+        </a:xfrm>
+      </p:grpSpPr>
+      <p:sp>
+        <p:nvSpPr>
+          <p:cNvPr id="2" name="Slide Image Placeholder 1"/>
+          <p:cNvSpPr>
+            <a:spLocks noGrp="1" noRot="1" noChangeAspect="1"/>
+          </p:cNvSpPr>
+          <p:nvPr>
+            <p:ph type="sldImg"/>
+          </p:nvPr>
+        </p:nvSpPr>
+        <p:spPr/>
+      </p:sp>
+      <p:sp>
+        <p:nvSpPr>
+          <p:cNvPr id="3" name="Notes Placeholder 2"/>
+          <p:cNvSpPr>
+            <a:spLocks noGrp="1"/>
+          </p:cNvSpPr>
+          <p:nvPr>
+            <p:ph type="body" idx="1"/>
+          </p:nvPr>
+        </p:nvSpPr>
+        <p:spPr/>
+        <p:txBody>
+          <a:bodyPr/>
+          <a:lstStyle/>
+          <a:p>
+            <a:endParaRPr lang="en-US" dirty="0" smtClean="0"/>
+          </a:p>
+          <a:p>
+            <a:r>
+              <a:rPr lang="en-US" sz="1200" dirty="0" smtClean="0"/>
+              <a:t>Relying </a:t>
+            </a:r>
+            <a:r>
+              <a:rPr lang="en-US" sz="1200" b="1" dirty="0" smtClean="0"/>
+              <a:t>exclusively</a:t>
+            </a:r>
+            <a:r>
+              <a:rPr lang="en-US" sz="1200" dirty="0" smtClean="0"/>
+              <a:t> on annotations/DFU-based approach limits ability to discover/adapt non-critical resource </a:t>
+            </a:r>
+            <a:r>
+              <a:rPr lang="en-US" sz="1200" b="1" dirty="0" smtClean="0"/>
+              <a:t>uses</a:t>
+            </a:r>
+            <a:r>
+              <a:rPr lang="en-US" sz="1200" dirty="0" smtClean="0"/>
+              <a:t> in legacy/non-annotated code</a:t>
+            </a:r>
+            <a:endParaRPr lang="en-US" sz="1200" dirty="0" smtClean="0"/>
+          </a:p>
+          <a:p>
+            <a:r>
+              <a:rPr lang="en-US" sz="1200" b="1" dirty="0" smtClean="0"/>
+              <a:t>Solution</a:t>
+            </a:r>
+            <a:r>
+              <a:rPr lang="en-US" sz="1200" dirty="0" smtClean="0"/>
+              <a:t>:  use high quality annotated </a:t>
+            </a:r>
+            <a:r>
+              <a:rPr lang="en-US" sz="1200" b="1" dirty="0" smtClean="0"/>
+              <a:t>test suite </a:t>
+            </a:r>
+            <a:r>
+              <a:rPr lang="en-US" sz="1200" dirty="0" smtClean="0"/>
+              <a:t>to automatically identify non-critical functionality, map removal units to reclaimable resources</a:t>
+            </a:r>
+            <a:endParaRPr lang="en-US" sz="1200" dirty="0" smtClean="0"/>
+          </a:p>
+          <a:p>
+            <a:endParaRPr lang="en-US" dirty="0"/>
+          </a:p>
+        </p:txBody>
+      </p:sp>
+      <p:sp>
+        <p:nvSpPr>
+          <p:cNvPr id="4" name="Slide Number Placeholder 3"/>
+          <p:cNvSpPr>
+            <a:spLocks noGrp="1"/>
+          </p:cNvSpPr>
+          <p:nvPr>
+            <p:ph type="sldNum" sz="quarter" idx="10"/>
+          </p:nvPr>
+        </p:nvSpPr>
+        <p:spPr/>
+        <p:txBody>
+          <a:bodyPr/>
+          <a:lstStyle/>
+          <a:p>
+            <a:fld id="{C2035D20-666A-4D58-B2B9-83ED2AC52B6B}" type="slidenum">
+              <a:rPr lang="en-US" smtClean="0"/>
+            </a:fld>
+            <a:endParaRPr lang="en-US"/>
+          </a:p>
+        </p:txBody>
+      </p:sp>
+    </p:spTree>
+  </p:cSld>
+  <p:clrMapOvr>
+    <a:masterClrMapping/>
+  </p:clrMapOvr>
+</p:notes>
+</file>
+
+<file path=ppt/notesSlides/notesSlide11.xml><?xml version="1.0" encoding="utf-8"?>
+<p:notes xmlns:a="http://schemas.openxmlformats.org/drawingml/2006/main" xmlns:r="http://schemas.openxmlformats.org/officeDocument/2006/relationships" xmlns:p="http://schemas.openxmlformats.org/presentationml/2006/main">
+  <p:cSld>
+    <p:spTree>
+      <p:nvGrpSpPr>
+        <p:cNvPr id="1" name=""/>
+        <p:cNvGrpSpPr/>
+        <p:nvPr/>
+      </p:nvGrpSpPr>
+      <p:grpSpPr>
+        <a:xfrm>
+          <a:off x="0" y="0"/>
+          <a:ext cx="0" cy="0"/>
+          <a:chOff x="0" y="0"/>
+          <a:chExt cx="0" cy="0"/>
+        </a:xfrm>
+      </p:grpSpPr>
+      <p:sp>
+        <p:nvSpPr>
+          <p:cNvPr id="2" name="Slide Image Placeholder 1"/>
+          <p:cNvSpPr>
+            <a:spLocks noGrp="1" noRot="1" noChangeAspect="1"/>
+          </p:cNvSpPr>
+          <p:nvPr>
+            <p:ph type="sldImg"/>
+          </p:nvPr>
+        </p:nvSpPr>
+        <p:spPr/>
+      </p:sp>
+      <p:sp>
+        <p:nvSpPr>
+          <p:cNvPr id="3" name="Notes Placeholder 2"/>
+          <p:cNvSpPr>
+            <a:spLocks noGrp="1"/>
+          </p:cNvSpPr>
+          <p:nvPr>
+            <p:ph type="body" idx="1"/>
+          </p:nvPr>
+        </p:nvSpPr>
+        <p:spPr/>
+        <p:txBody>
+          <a:bodyPr/>
+          <a:lstStyle/>
+          <a:p>
+            <a:endParaRPr lang="en-US" dirty="0"/>
+          </a:p>
+        </p:txBody>
+      </p:sp>
+      <p:sp>
+        <p:nvSpPr>
+          <p:cNvPr id="4" name="Slide Number Placeholder 3"/>
+          <p:cNvSpPr>
+            <a:spLocks noGrp="1"/>
+          </p:cNvSpPr>
+          <p:nvPr>
+            <p:ph type="sldNum" sz="quarter" idx="10"/>
+          </p:nvPr>
+        </p:nvSpPr>
+        <p:spPr/>
+        <p:txBody>
+          <a:bodyPr/>
+          <a:lstStyle/>
+          <a:p>
+            <a:fld id="{C2035D20-666A-4D58-B2B9-83ED2AC52B6B}" type="slidenum">
+              <a:rPr lang="en-US" smtClean="0"/>
+            </a:fld>
+            <a:endParaRPr lang="en-US"/>
+          </a:p>
+        </p:txBody>
+      </p:sp>
+    </p:spTree>
   </p:cSld>
   <p:clrMapOvr>
     <a:masterClrMapping/>
@@ -1013,11 +1115,56 @@
           <a:p>
             <a:r>
               <a:rPr lang="en-US" dirty="0" smtClean="0"/>
-              <a:t>Vocabulary provides</a:t>
+              <a:t>Open models– we will have facts</a:t>
             </a:r>
             <a:r>
               <a:rPr lang="en-US" baseline="0" dirty="0" smtClean="0"/>
-              <a:t> us with the building blocks with which we can represent  facts/knowledge about the application and its environment.   The facts/knowledge is essentially what we reason with or about– we have been calling this knowledge/representation of the application and its environment the “model”. </a:t>
+              <a:t> and data that were not “fully modeled” before -  For example,</a:t>
+            </a:r>
+            <a:endParaRPr lang="en-US" baseline="0" dirty="0" smtClean="0"/>
+          </a:p>
+          <a:p>
+            <a:r>
+              <a:rPr lang="en-US" baseline="0" dirty="0" smtClean="0"/>
+              <a:t>Expandable/re-</a:t>
+            </a:r>
+            <a:r>
+              <a:rPr lang="en-US" baseline="0" dirty="0" err="1" smtClean="0"/>
+              <a:t>purposable</a:t>
+            </a:r>
+            <a:r>
+              <a:rPr lang="en-US" baseline="0" dirty="0" smtClean="0"/>
+              <a:t>/evolvable models: there must be enough foundational stuff and rules to govern the evolution </a:t>
+            </a:r>
+            <a:endParaRPr lang="en-US" baseline="0" dirty="0" smtClean="0"/>
+          </a:p>
+          <a:p>
+            <a:r>
+              <a:rPr lang="en-US" baseline="0" dirty="0" smtClean="0"/>
+              <a:t>  </a:t>
+            </a:r>
+            <a:endParaRPr lang="en-US" baseline="0" dirty="0" smtClean="0"/>
+          </a:p>
+          <a:p>
+            <a:r>
+              <a:rPr lang="en-US" baseline="0" dirty="0" smtClean="0"/>
+              <a:t>Models </a:t>
+            </a:r>
+            <a:r>
+              <a:rPr lang="en-US" baseline="0" dirty="0" smtClean="0">
+                <a:sym typeface="Wingdings" panose="05000000000000000000" pitchFamily="2" charset="2"/>
+              </a:rPr>
+              <a:t> </a:t>
+            </a:r>
+            <a:r>
+              <a:rPr lang="en-US" baseline="0" dirty="0" smtClean="0"/>
+              <a:t>(generate) </a:t>
+            </a:r>
+            <a:r>
+              <a:rPr lang="en-US" baseline="0" dirty="0" smtClean="0">
+                <a:sym typeface="Wingdings" panose="05000000000000000000" pitchFamily="2" charset="2"/>
+              </a:rPr>
+              <a:t> Code   vs Code  (infer) Models? </a:t>
             </a:r>
             <a:endParaRPr lang="en-US" dirty="0"/>
           </a:p>
@@ -1040,19 +1187,12 @@
           <a:p>
             <a:fld id="{C2035D20-666A-4D58-B2B9-83ED2AC52B6B}" type="slidenum">
               <a:rPr lang="en-US" smtClean="0"/>
-              <a:pPr/>
-              <a:t>5</a:t>
             </a:fld>
             <a:endParaRPr lang="en-US"/>
           </a:p>
         </p:txBody>
       </p:sp>
     </p:spTree>
-    <p:extLst>
-      <p:ext uri="{BB962C8B-B14F-4D97-AF65-F5344CB8AC3E}">
-        <p14:creationId xmlns:p14="http://schemas.microsoft.com/office/powerpoint/2010/main" val="3301997682"/>
-      </p:ext>
-    </p:extLst>
   </p:cSld>
   <p:clrMapOvr>
     <a:masterClrMapping/>
@@ -1061,7 +1201,189 @@
 </file>
 
 <file path=ppt/notesSlides/notesSlide3.xml><?xml version="1.0" encoding="utf-8"?>
-<p:notes xmlns:a="http://schemas.openxmlformats.org/drawingml/2006/main" xmlns:r="http://schemas.openxmlformats.org/officeDocument/2006/relationships" xmlns:p="http://schemas.openxmlformats.org/presentationml/2006/main" showMasterSp="0" showMasterPhAnim="0">
+<p:notes xmlns:a="http://schemas.openxmlformats.org/drawingml/2006/main" xmlns:r="http://schemas.openxmlformats.org/officeDocument/2006/relationships" xmlns:p="http://schemas.openxmlformats.org/presentationml/2006/main">
+  <p:cSld>
+    <p:spTree>
+      <p:nvGrpSpPr>
+        <p:cNvPr id="1" name=""/>
+        <p:cNvGrpSpPr/>
+        <p:nvPr/>
+      </p:nvGrpSpPr>
+      <p:grpSpPr>
+        <a:xfrm>
+          <a:off x="0" y="0"/>
+          <a:ext cx="0" cy="0"/>
+          <a:chOff x="0" y="0"/>
+          <a:chExt cx="0" cy="0"/>
+        </a:xfrm>
+      </p:grpSpPr>
+      <p:sp>
+        <p:nvSpPr>
+          <p:cNvPr id="2" name="Slide Image Placeholder 1"/>
+          <p:cNvSpPr>
+            <a:spLocks noGrp="1" noRot="1" noChangeAspect="1"/>
+          </p:cNvSpPr>
+          <p:nvPr>
+            <p:ph type="sldImg"/>
+          </p:nvPr>
+        </p:nvSpPr>
+        <p:spPr/>
+      </p:sp>
+      <p:sp>
+        <p:nvSpPr>
+          <p:cNvPr id="3" name="Notes Placeholder 2"/>
+          <p:cNvSpPr>
+            <a:spLocks noGrp="1"/>
+          </p:cNvSpPr>
+          <p:nvPr>
+            <p:ph type="body" idx="1"/>
+          </p:nvPr>
+        </p:nvSpPr>
+        <p:spPr/>
+        <p:txBody>
+          <a:bodyPr/>
+          <a:lstStyle/>
+          <a:p>
+            <a:r>
+              <a:rPr lang="en-US" dirty="0" smtClean="0"/>
+              <a:t>Treat code as model, visualization</a:t>
+            </a:r>
+            <a:r>
+              <a:rPr lang="en-US" baseline="0" dirty="0" smtClean="0"/>
+              <a:t> is also kind of a model</a:t>
+            </a:r>
+            <a:endParaRPr lang="en-US" baseline="0" dirty="0" smtClean="0"/>
+          </a:p>
+          <a:p>
+            <a:r>
+              <a:rPr lang="en-US" baseline="0" dirty="0" smtClean="0"/>
+              <a:t>Note about the term model– model vs facts…</a:t>
+            </a:r>
+            <a:endParaRPr lang="en-US" baseline="0" dirty="0" smtClean="0"/>
+          </a:p>
+          <a:p>
+            <a:endParaRPr lang="en-US" dirty="0"/>
+          </a:p>
+        </p:txBody>
+      </p:sp>
+      <p:sp>
+        <p:nvSpPr>
+          <p:cNvPr id="4" name="Slide Number Placeholder 3"/>
+          <p:cNvSpPr>
+            <a:spLocks noGrp="1"/>
+          </p:cNvSpPr>
+          <p:nvPr>
+            <p:ph type="sldNum" sz="quarter" idx="10"/>
+          </p:nvPr>
+        </p:nvSpPr>
+        <p:spPr/>
+        <p:txBody>
+          <a:bodyPr/>
+          <a:lstStyle/>
+          <a:p>
+            <a:fld id="{C2035D20-666A-4D58-B2B9-83ED2AC52B6B}" type="slidenum">
+              <a:rPr lang="en-US" smtClean="0"/>
+            </a:fld>
+            <a:endParaRPr lang="en-US"/>
+          </a:p>
+        </p:txBody>
+      </p:sp>
+    </p:spTree>
+  </p:cSld>
+  <p:clrMapOvr>
+    <a:masterClrMapping/>
+  </p:clrMapOvr>
+</p:notes>
+</file>
+
+<file path=ppt/notesSlides/notesSlide4.xml><?xml version="1.0" encoding="utf-8"?>
+<p:notes xmlns:a="http://schemas.openxmlformats.org/drawingml/2006/main" xmlns:r="http://schemas.openxmlformats.org/officeDocument/2006/relationships" xmlns:p="http://schemas.openxmlformats.org/presentationml/2006/main">
+  <p:cSld>
+    <p:spTree>
+      <p:nvGrpSpPr>
+        <p:cNvPr id="1" name=""/>
+        <p:cNvGrpSpPr/>
+        <p:nvPr/>
+      </p:nvGrpSpPr>
+      <p:grpSpPr>
+        <a:xfrm>
+          <a:off x="0" y="0"/>
+          <a:ext cx="0" cy="0"/>
+          <a:chOff x="0" y="0"/>
+          <a:chExt cx="0" cy="0"/>
+        </a:xfrm>
+      </p:grpSpPr>
+      <p:sp>
+        <p:nvSpPr>
+          <p:cNvPr id="2" name="Slide Image Placeholder 1"/>
+          <p:cNvSpPr>
+            <a:spLocks noGrp="1" noRot="1" noChangeAspect="1"/>
+          </p:cNvSpPr>
+          <p:nvPr>
+            <p:ph type="sldImg"/>
+          </p:nvPr>
+        </p:nvSpPr>
+        <p:spPr/>
+      </p:sp>
+      <p:sp>
+        <p:nvSpPr>
+          <p:cNvPr id="3" name="Notes Placeholder 2"/>
+          <p:cNvSpPr>
+            <a:spLocks noGrp="1"/>
+          </p:cNvSpPr>
+          <p:nvPr>
+            <p:ph type="body" idx="1"/>
+          </p:nvPr>
+        </p:nvSpPr>
+        <p:spPr/>
+        <p:txBody>
+          <a:bodyPr/>
+          <a:lstStyle/>
+          <a:p>
+            <a:r>
+              <a:rPr lang="en-US" dirty="0" smtClean="0"/>
+              <a:t>Vocabulary provides</a:t>
+            </a:r>
+            <a:r>
+              <a:rPr lang="en-US" baseline="0" dirty="0" smtClean="0"/>
+              <a:t> us with the building blocks with which we can represent  facts/knowledge about the application and its environment.   The facts/knowledge is essentially what we reason with or about– we have been calling this knowledge/representation of the application and its environment the “model”. </a:t>
+            </a:r>
+            <a:endParaRPr lang="en-US" dirty="0"/>
+          </a:p>
+        </p:txBody>
+      </p:sp>
+      <p:sp>
+        <p:nvSpPr>
+          <p:cNvPr id="4" name="Slide Number Placeholder 3"/>
+          <p:cNvSpPr>
+            <a:spLocks noGrp="1"/>
+          </p:cNvSpPr>
+          <p:nvPr>
+            <p:ph type="sldNum" sz="quarter" idx="10"/>
+          </p:nvPr>
+        </p:nvSpPr>
+        <p:spPr/>
+        <p:txBody>
+          <a:bodyPr/>
+          <a:lstStyle/>
+          <a:p>
+            <a:fld id="{C2035D20-666A-4D58-B2B9-83ED2AC52B6B}" type="slidenum">
+              <a:rPr lang="en-US" smtClean="0"/>
+            </a:fld>
+            <a:endParaRPr lang="en-US"/>
+          </a:p>
+        </p:txBody>
+      </p:sp>
+    </p:spTree>
+  </p:cSld>
+  <p:clrMapOvr>
+    <a:masterClrMapping/>
+  </p:clrMapOvr>
+</p:notes>
+</file>
+
+<file path=ppt/notesSlides/notesSlide5.xml><?xml version="1.0" encoding="utf-8"?>
+<p:notes xmlns:a="http://schemas.openxmlformats.org/drawingml/2006/main" xmlns:r="http://schemas.openxmlformats.org/officeDocument/2006/relationships" xmlns:p="http://schemas.openxmlformats.org/presentationml/2006/main" showMasterPhAnim="0" showMasterSp="0">
   <p:cSld>
     <p:spTree>
       <p:nvGrpSpPr>
@@ -1201,7 +1523,6 @@
               </a:spcBef>
               <a:buNone/>
             </a:pPr>
-            <a:endParaRPr/>
           </a:p>
           <a:p>
             <a:pPr lvl="0" rtl="0">
@@ -1210,7 +1531,6 @@
               </a:spcBef>
               <a:buNone/>
             </a:pPr>
-            <a:endParaRPr/>
           </a:p>
           <a:p>
             <a:pPr lvl="0" rtl="0">
@@ -1219,16 +1539,10 @@
               </a:spcBef>
               <a:buNone/>
             </a:pPr>
-            <a:endParaRPr/>
           </a:p>
         </p:txBody>
       </p:sp>
     </p:spTree>
-    <p:extLst>
-      <p:ext uri="{BB962C8B-B14F-4D97-AF65-F5344CB8AC3E}">
-        <p14:creationId xmlns:p14="http://schemas.microsoft.com/office/powerpoint/2010/main" val="4025892733"/>
-      </p:ext>
-    </p:extLst>
   </p:cSld>
   <p:clrMapOvr>
     <a:masterClrMapping/>
@@ -1236,8 +1550,8 @@
 </p:notes>
 </file>
 
-<file path=ppt/notesSlides/notesSlide4.xml><?xml version="1.0" encoding="utf-8"?>
-<p:notes xmlns:a="http://schemas.openxmlformats.org/drawingml/2006/main" xmlns:r="http://schemas.openxmlformats.org/officeDocument/2006/relationships" xmlns:p="http://schemas.openxmlformats.org/presentationml/2006/main" showMasterSp="0" showMasterPhAnim="0">
+<file path=ppt/notesSlides/notesSlide6.xml><?xml version="1.0" encoding="utf-8"?>
+<p:notes xmlns:a="http://schemas.openxmlformats.org/drawingml/2006/main" xmlns:r="http://schemas.openxmlformats.org/officeDocument/2006/relationships" xmlns:p="http://schemas.openxmlformats.org/presentationml/2006/main" showMasterPhAnim="0" showMasterSp="0">
   <p:cSld>
     <p:spTree>
       <p:nvGrpSpPr>
@@ -1326,13 +1640,18 @@
               <a:buNone/>
             </a:pPr>
             <a:r>
-              <a:rPr lang="en">
+              <a:rPr lang="en-GB" dirty="0">
                 <a:solidFill>
                   <a:schemeClr val="dk1"/>
                 </a:solidFill>
               </a:rPr>
               <a:t>The bulk of the work will involve:</a:t>
             </a:r>
+            <a:endParaRPr lang="en-GB" dirty="0">
+              <a:solidFill>
+                <a:schemeClr val="dk1"/>
+              </a:solidFill>
+            </a:endParaRPr>
           </a:p>
           <a:p>
             <a:pPr marL="457200" lvl="0" indent="-228600" rtl="0">
@@ -1345,13 +1664,18 @@
               <a:buChar char="●"/>
             </a:pPr>
             <a:r>
-              <a:rPr lang="en">
+              <a:rPr lang="en-GB" dirty="0">
                 <a:solidFill>
                   <a:schemeClr val="dk1"/>
                 </a:solidFill>
               </a:rPr>
               <a:t>Ongoing reconciliation of models : first reconcile manually then automatically</a:t>
             </a:r>
+            <a:endParaRPr lang="en-GB" dirty="0">
+              <a:solidFill>
+                <a:schemeClr val="dk1"/>
+              </a:solidFill>
+            </a:endParaRPr>
           </a:p>
           <a:p>
             <a:pPr marL="457200" lvl="0" indent="-228600" rtl="0">
@@ -1364,13 +1688,18 @@
               <a:buChar char="●"/>
             </a:pPr>
             <a:r>
-              <a:rPr lang="en">
+              <a:rPr lang="en-GB" dirty="0">
                 <a:solidFill>
                   <a:schemeClr val="dk1"/>
                 </a:solidFill>
               </a:rPr>
               <a:t>Ongoing development of domain specific languages in sub-domains : </a:t>
             </a:r>
+            <a:endParaRPr lang="en-GB" dirty="0">
+              <a:solidFill>
+                <a:schemeClr val="dk1"/>
+              </a:solidFill>
+            </a:endParaRPr>
           </a:p>
           <a:p>
             <a:pPr marL="457200" lvl="0" indent="-228600" rtl="0">
@@ -1383,22 +1712,14 @@
               <a:buChar char="●"/>
             </a:pPr>
             <a:r>
-              <a:rPr lang="en">
+              <a:rPr lang="en-GB" dirty="0">
                 <a:solidFill>
                   <a:schemeClr val="dk1"/>
                 </a:solidFill>
               </a:rPr>
               <a:t>Construction of analysis tools to automate system evolution : first evolve manually then automatically</a:t>
             </a:r>
-          </a:p>
-          <a:p>
-            <a:pPr lvl="0" rtl="0">
-              <a:spcBef>
-                <a:spcPts val="0"/>
-              </a:spcBef>
-              <a:buNone/>
-            </a:pPr>
-            <a:endParaRPr>
+            <a:endParaRPr lang="en-GB" dirty="0">
               <a:solidFill>
                 <a:schemeClr val="dk1"/>
               </a:solidFill>
@@ -1411,7 +1732,7 @@
               </a:spcBef>
               <a:buNone/>
             </a:pPr>
-            <a:endParaRPr>
+            <a:endParaRPr dirty="0">
               <a:solidFill>
                 <a:schemeClr val="dk1"/>
               </a:solidFill>
@@ -1424,7 +1745,7 @@
               </a:spcBef>
               <a:buNone/>
             </a:pPr>
-            <a:endParaRPr>
+            <a:endParaRPr dirty="0">
               <a:solidFill>
                 <a:schemeClr val="dk1"/>
               </a:solidFill>
@@ -1437,7 +1758,11 @@
               </a:spcBef>
               <a:buNone/>
             </a:pPr>
-            <a:endParaRPr/>
+            <a:endParaRPr dirty="0">
+              <a:solidFill>
+                <a:schemeClr val="dk1"/>
+              </a:solidFill>
+            </a:endParaRPr>
           </a:p>
           <a:p>
             <a:pPr lvl="0" rtl="0">
@@ -1446,7 +1771,7 @@
               </a:spcBef>
               <a:buNone/>
             </a:pPr>
-            <a:endParaRPr/>
+            <a:endParaRPr dirty="0"/>
           </a:p>
           <a:p>
             <a:pPr lvl="0" rtl="0">
@@ -1455,16 +1780,20 @@
               </a:spcBef>
               <a:buNone/>
             </a:pPr>
-            <a:endParaRPr/>
+            <a:endParaRPr dirty="0"/>
+          </a:p>
+          <a:p>
+            <a:pPr lvl="0" rtl="0">
+              <a:spcBef>
+                <a:spcPts val="0"/>
+              </a:spcBef>
+              <a:buNone/>
+            </a:pPr>
+            <a:endParaRPr dirty="0"/>
           </a:p>
         </p:txBody>
       </p:sp>
     </p:spTree>
-    <p:extLst>
-      <p:ext uri="{BB962C8B-B14F-4D97-AF65-F5344CB8AC3E}">
-        <p14:creationId xmlns:p14="http://schemas.microsoft.com/office/powerpoint/2010/main" val="2678452336"/>
-      </p:ext>
-    </p:extLst>
   </p:cSld>
   <p:clrMapOvr>
     <a:masterClrMapping/>
@@ -1472,8 +1801,8 @@
 </p:notes>
 </file>
 
-<file path=ppt/notesSlides/notesSlide5.xml><?xml version="1.0" encoding="utf-8"?>
-<p:notes xmlns:a="http://schemas.openxmlformats.org/drawingml/2006/main" xmlns:r="http://schemas.openxmlformats.org/officeDocument/2006/relationships" xmlns:p="http://schemas.openxmlformats.org/presentationml/2006/main" showMasterSp="0" showMasterPhAnim="0">
+<file path=ppt/notesSlides/notesSlide7.xml><?xml version="1.0" encoding="utf-8"?>
+<p:notes xmlns:a="http://schemas.openxmlformats.org/drawingml/2006/main" xmlns:r="http://schemas.openxmlformats.org/officeDocument/2006/relationships" xmlns:p="http://schemas.openxmlformats.org/presentationml/2006/main" showMasterPhAnim="0" showMasterSp="0">
   <p:cSld>
     <p:spTree>
       <p:nvGrpSpPr>
@@ -1561,16 +1890,10 @@
               </a:spcBef>
               <a:buNone/>
             </a:pPr>
-            <a:endParaRPr/>
           </a:p>
         </p:txBody>
       </p:sp>
     </p:spTree>
-    <p:extLst>
-      <p:ext uri="{BB962C8B-B14F-4D97-AF65-F5344CB8AC3E}">
-        <p14:creationId xmlns:p14="http://schemas.microsoft.com/office/powerpoint/2010/main" val="2812758098"/>
-      </p:ext>
-    </p:extLst>
   </p:cSld>
   <p:clrMapOvr>
     <a:masterClrMapping/>
@@ -1578,8 +1901,8 @@
 </p:notes>
 </file>
 
-<file path=ppt/notesSlides/notesSlide6.xml><?xml version="1.0" encoding="utf-8"?>
-<p:notes xmlns:a="http://schemas.openxmlformats.org/drawingml/2006/main" xmlns:r="http://schemas.openxmlformats.org/officeDocument/2006/relationships" xmlns:p="http://schemas.openxmlformats.org/presentationml/2006/main" showMasterSp="0" showMasterPhAnim="0">
+<file path=ppt/notesSlides/notesSlide8.xml><?xml version="1.0" encoding="utf-8"?>
+<p:notes xmlns:a="http://schemas.openxmlformats.org/drawingml/2006/main" xmlns:r="http://schemas.openxmlformats.org/officeDocument/2006/relationships" xmlns:p="http://schemas.openxmlformats.org/presentationml/2006/main" showMasterPhAnim="0" showMasterSp="0">
   <p:cSld>
     <p:spTree>
       <p:nvGrpSpPr>
@@ -1667,254 +1990,108 @@
               </a:spcBef>
               <a:buNone/>
             </a:pPr>
-            <a:endParaRPr/>
+            <a:r>
+              <a:rPr lang="en-US" dirty="0" smtClean="0"/>
+              <a:t> Two</a:t>
+            </a:r>
+            <a:r>
+              <a:rPr lang="en-US" baseline="0" dirty="0" smtClean="0"/>
+              <a:t> use cases:</a:t>
+            </a:r>
+            <a:endParaRPr lang="en-US" baseline="0" dirty="0" smtClean="0"/>
+          </a:p>
+          <a:p>
+            <a:pPr marL="171450" lvl="0" indent="-171450">
+              <a:spcBef>
+                <a:spcPts val="0"/>
+              </a:spcBef>
+              <a:buFont typeface="Arial" panose="020B0604020202020204" pitchFamily="34" charset="0"/>
+              <a:buChar char="•"/>
+            </a:pPr>
+            <a:r>
+              <a:rPr lang="en-US" baseline="0" dirty="0" smtClean="0"/>
+              <a:t>We cannot use the </a:t>
+            </a:r>
+            <a:r>
+              <a:rPr lang="x-none" altLang="en-US" baseline="0" dirty="0" smtClean="0"/>
+              <a:t>updated </a:t>
+            </a:r>
+            <a:r>
+              <a:rPr lang="en-US" baseline="0" dirty="0" smtClean="0"/>
+              <a:t>library </a:t>
+            </a:r>
+            <a:r>
+              <a:rPr lang="x-none" altLang="en-US" baseline="0" dirty="0" smtClean="0"/>
+              <a:t>provided by lib developers </a:t>
+            </a:r>
+            <a:r>
+              <a:rPr lang="en-US" baseline="0" dirty="0" smtClean="0"/>
+              <a:t>because it is not backward compatible– will require too much change in the application, so </a:t>
+            </a:r>
+            <a:r>
+              <a:rPr lang="x-none" altLang="en-US" baseline="0" dirty="0" smtClean="0"/>
+              <a:t>we patch </a:t>
+            </a:r>
+            <a:r>
+              <a:rPr lang="en-US" baseline="0" dirty="0" smtClean="0"/>
+              <a:t>the </a:t>
+            </a:r>
+            <a:r>
+              <a:rPr lang="x-none" altLang="en-US" baseline="0" dirty="0" smtClean="0"/>
+              <a:t>lib or the app </a:t>
+            </a:r>
+            <a:r>
+              <a:rPr lang="en-US" baseline="0" dirty="0" smtClean="0"/>
+              <a:t>so that the </a:t>
+            </a:r>
+            <a:r>
+              <a:rPr lang="en-US" baseline="0" dirty="0" err="1" smtClean="0"/>
+              <a:t>vuln</a:t>
+            </a:r>
+            <a:r>
+              <a:rPr lang="en-US" baseline="0" dirty="0" smtClean="0"/>
+              <a:t> in library </a:t>
+            </a:r>
+            <a:r>
+              <a:rPr lang="x-none" altLang="en-US" baseline="0" dirty="0" smtClean="0"/>
+              <a:t>is gone or </a:t>
+            </a:r>
+            <a:r>
+              <a:rPr lang="en-US" baseline="0" dirty="0" smtClean="0"/>
+              <a:t>does not affect the application. Assumes that the patch is available– use that information to patch the application code to make it immune </a:t>
+            </a:r>
+            <a:endParaRPr lang="en-US" baseline="0" dirty="0" smtClean="0"/>
+          </a:p>
+          <a:p>
+            <a:pPr marL="171450" lvl="0" indent="-171450">
+              <a:spcBef>
+                <a:spcPts val="0"/>
+              </a:spcBef>
+              <a:buFont typeface="Arial" panose="020B0604020202020204" pitchFamily="34" charset="0"/>
+              <a:buChar char="•"/>
+            </a:pPr>
+            <a:r>
+              <a:rPr lang="en-US" baseline="0" dirty="0" smtClean="0"/>
+              <a:t>We can use the patched library– and need to change the application code accordingly</a:t>
+            </a:r>
+            <a:endParaRPr lang="en-US" baseline="0" dirty="0"/>
+          </a:p>
+          <a:p>
+            <a:pPr marL="0" lvl="0" indent="0">
+              <a:spcBef>
+                <a:spcPts val="0"/>
+              </a:spcBef>
+              <a:buFont typeface="Arial" panose="020B0604020202020204" pitchFamily="34" charset="0"/>
+              <a:buNone/>
+            </a:pPr>
+            <a:r>
+              <a:rPr lang="en-US" baseline="0" dirty="0" smtClean="0"/>
+              <a:t>Also note what prior art this is based upon</a:t>
+            </a:r>
           </a:p>
         </p:txBody>
       </p:sp>
     </p:spTree>
-    <p:extLst>
-      <p:ext uri="{BB962C8B-B14F-4D97-AF65-F5344CB8AC3E}">
-        <p14:creationId xmlns:p14="http://schemas.microsoft.com/office/powerpoint/2010/main" val="3167720171"/>
-      </p:ext>
-    </p:extLst>
-  </p:cSld>
-  <p:clrMapOvr>
-    <a:masterClrMapping/>
-  </p:clrMapOvr>
-</p:notes>
-</file>
-
-<file path=ppt/notesSlides/notesSlide7.xml><?xml version="1.0" encoding="utf-8"?>
-<p:notes xmlns:a="http://schemas.openxmlformats.org/drawingml/2006/main" xmlns:r="http://schemas.openxmlformats.org/officeDocument/2006/relationships" xmlns:p="http://schemas.openxmlformats.org/presentationml/2006/main">
-  <p:cSld>
-    <p:spTree>
-      <p:nvGrpSpPr>
-        <p:cNvPr id="1" name=""/>
-        <p:cNvGrpSpPr/>
-        <p:nvPr/>
-      </p:nvGrpSpPr>
-      <p:grpSpPr>
-        <a:xfrm>
-          <a:off x="0" y="0"/>
-          <a:ext cx="0" cy="0"/>
-          <a:chOff x="0" y="0"/>
-          <a:chExt cx="0" cy="0"/>
-        </a:xfrm>
-      </p:grpSpPr>
-      <p:sp>
-        <p:nvSpPr>
-          <p:cNvPr id="2" name="Slide Image Placeholder 1"/>
-          <p:cNvSpPr>
-            <a:spLocks noGrp="1" noRot="1" noChangeAspect="1"/>
-          </p:cNvSpPr>
-          <p:nvPr>
-            <p:ph type="sldImg"/>
-          </p:nvPr>
-        </p:nvSpPr>
-        <p:spPr/>
-      </p:sp>
-      <p:sp>
-        <p:nvSpPr>
-          <p:cNvPr id="3" name="Notes Placeholder 2"/>
-          <p:cNvSpPr>
-            <a:spLocks noGrp="1"/>
-          </p:cNvSpPr>
-          <p:nvPr>
-            <p:ph type="body" idx="1"/>
-          </p:nvPr>
-        </p:nvSpPr>
-        <p:spPr/>
-        <p:txBody>
-          <a:bodyPr/>
-          <a:lstStyle/>
-          <a:p>
-            <a:r>
-              <a:rPr lang="en-US" dirty="0" smtClean="0"/>
-              <a:t>The triple store</a:t>
-            </a:r>
-            <a:r>
-              <a:rPr lang="en-US" baseline="0" dirty="0" smtClean="0"/>
-              <a:t> is the authoritative source, resource DSL is a specialized representation of a subset of the facts and knowledge about the software and its ecosystem– i.e., facts/knowledge about how resources are consumed and what resources are available.</a:t>
-            </a:r>
-          </a:p>
-          <a:p>
-            <a:endParaRPr lang="en-US" baseline="0" dirty="0" smtClean="0"/>
-          </a:p>
-          <a:p>
-            <a:r>
-              <a:rPr lang="en-US" baseline="0" dirty="0" smtClean="0"/>
-              <a:t>Why type system is a good idea– soundness/completeness of the type system as opposed to ad hoc/heuristic searches, the efficiency is gained by  clever organization/partitioning of the search spaces that are fundamental to the </a:t>
-            </a:r>
-            <a:r>
-              <a:rPr lang="en-US" baseline="0" dirty="0" err="1" smtClean="0"/>
-              <a:t>variational</a:t>
-            </a:r>
-            <a:r>
-              <a:rPr lang="en-US" baseline="0" dirty="0" smtClean="0"/>
-              <a:t> systems.</a:t>
-            </a:r>
-            <a:endParaRPr lang="en-US" dirty="0"/>
-          </a:p>
-        </p:txBody>
-      </p:sp>
-      <p:sp>
-        <p:nvSpPr>
-          <p:cNvPr id="4" name="Slide Number Placeholder 3"/>
-          <p:cNvSpPr>
-            <a:spLocks noGrp="1"/>
-          </p:cNvSpPr>
-          <p:nvPr>
-            <p:ph type="sldNum" sz="quarter" idx="10"/>
-          </p:nvPr>
-        </p:nvSpPr>
-        <p:spPr/>
-        <p:txBody>
-          <a:bodyPr/>
-          <a:lstStyle/>
-          <a:p>
-            <a:fld id="{C2035D20-666A-4D58-B2B9-83ED2AC52B6B}" type="slidenum">
-              <a:rPr lang="en-US" smtClean="0"/>
-              <a:pPr/>
-              <a:t>15</a:t>
-            </a:fld>
-            <a:endParaRPr lang="en-US"/>
-          </a:p>
-        </p:txBody>
-      </p:sp>
-    </p:spTree>
-    <p:extLst>
-      <p:ext uri="{BB962C8B-B14F-4D97-AF65-F5344CB8AC3E}">
-        <p14:creationId xmlns:p14="http://schemas.microsoft.com/office/powerpoint/2010/main" val="2925000741"/>
-      </p:ext>
-    </p:extLst>
-  </p:cSld>
-  <p:clrMapOvr>
-    <a:masterClrMapping/>
-  </p:clrMapOvr>
-</p:notes>
-</file>
-
-<file path=ppt/notesSlides/notesSlide8.xml><?xml version="1.0" encoding="utf-8"?>
-<p:notes xmlns:a="http://schemas.openxmlformats.org/drawingml/2006/main" xmlns:r="http://schemas.openxmlformats.org/officeDocument/2006/relationships" xmlns:p="http://schemas.openxmlformats.org/presentationml/2006/main">
-  <p:cSld>
-    <p:spTree>
-      <p:nvGrpSpPr>
-        <p:cNvPr id="1" name=""/>
-        <p:cNvGrpSpPr/>
-        <p:nvPr/>
-      </p:nvGrpSpPr>
-      <p:grpSpPr>
-        <a:xfrm>
-          <a:off x="0" y="0"/>
-          <a:ext cx="0" cy="0"/>
-          <a:chOff x="0" y="0"/>
-          <a:chExt cx="0" cy="0"/>
-        </a:xfrm>
-      </p:grpSpPr>
-      <p:sp>
-        <p:nvSpPr>
-          <p:cNvPr id="2" name="Slide Image Placeholder 1"/>
-          <p:cNvSpPr>
-            <a:spLocks noGrp="1" noRot="1" noChangeAspect="1"/>
-          </p:cNvSpPr>
-          <p:nvPr>
-            <p:ph type="sldImg"/>
-          </p:nvPr>
-        </p:nvSpPr>
-        <p:spPr/>
-      </p:sp>
-      <p:sp>
-        <p:nvSpPr>
-          <p:cNvPr id="3" name="Notes Placeholder 2"/>
-          <p:cNvSpPr>
-            <a:spLocks noGrp="1"/>
-          </p:cNvSpPr>
-          <p:nvPr>
-            <p:ph type="body" idx="1"/>
-          </p:nvPr>
-        </p:nvSpPr>
-        <p:spPr/>
-        <p:txBody>
-          <a:bodyPr/>
-          <a:lstStyle/>
-          <a:p>
-            <a:endParaRPr lang="en-US" dirty="0" smtClean="0"/>
-          </a:p>
-          <a:p>
-            <a:r>
-              <a:rPr lang="en-US" sz="1200" dirty="0" smtClean="0"/>
-              <a:t>Relying </a:t>
-            </a:r>
-            <a:r>
-              <a:rPr lang="en-US" sz="1200" b="1" dirty="0" smtClean="0"/>
-              <a:t>exclusively</a:t>
-            </a:r>
-            <a:r>
-              <a:rPr lang="en-US" sz="1200" dirty="0" smtClean="0"/>
-              <a:t> on annotations/DFU-based approach limits ability to discover/adapt non-critical resource </a:t>
-            </a:r>
-            <a:r>
-              <a:rPr lang="en-US" sz="1200" b="1" dirty="0" smtClean="0"/>
-              <a:t>uses</a:t>
-            </a:r>
-            <a:r>
-              <a:rPr lang="en-US" sz="1200" dirty="0" smtClean="0"/>
-              <a:t> in legacy/non-annotated code</a:t>
-            </a:r>
-          </a:p>
-          <a:p>
-            <a:r>
-              <a:rPr lang="en-US" sz="1200" b="1" dirty="0" smtClean="0"/>
-              <a:t>Solution</a:t>
-            </a:r>
-            <a:r>
-              <a:rPr lang="en-US" sz="1200" dirty="0" smtClean="0"/>
-              <a:t>:  use high quality annotated </a:t>
-            </a:r>
-            <a:r>
-              <a:rPr lang="en-US" sz="1200" b="1" dirty="0" smtClean="0"/>
-              <a:t>test suite </a:t>
-            </a:r>
-            <a:r>
-              <a:rPr lang="en-US" sz="1200" dirty="0" smtClean="0"/>
-              <a:t>to automatically identify non-critical functionality, map removal units to reclaimable resources</a:t>
-            </a:r>
-          </a:p>
-          <a:p>
-            <a:endParaRPr lang="en-US" dirty="0"/>
-          </a:p>
-        </p:txBody>
-      </p:sp>
-      <p:sp>
-        <p:nvSpPr>
-          <p:cNvPr id="4" name="Slide Number Placeholder 3"/>
-          <p:cNvSpPr>
-            <a:spLocks noGrp="1"/>
-          </p:cNvSpPr>
-          <p:nvPr>
-            <p:ph type="sldNum" sz="quarter" idx="10"/>
-          </p:nvPr>
-        </p:nvSpPr>
-        <p:spPr/>
-        <p:txBody>
-          <a:bodyPr/>
-          <a:lstStyle/>
-          <a:p>
-            <a:fld id="{C2035D20-666A-4D58-B2B9-83ED2AC52B6B}" type="slidenum">
-              <a:rPr lang="en-US" smtClean="0"/>
-              <a:pPr/>
-              <a:t>18</a:t>
-            </a:fld>
-            <a:endParaRPr lang="en-US"/>
-          </a:p>
-        </p:txBody>
-      </p:sp>
-    </p:spTree>
-    <p:extLst>
-      <p:ext uri="{BB962C8B-B14F-4D97-AF65-F5344CB8AC3E}">
-        <p14:creationId xmlns:p14="http://schemas.microsoft.com/office/powerpoint/2010/main" val="2767146391"/>
-      </p:ext>
-    </p:extLst>
   </p:cSld>
   <p:clrMapOvr>
     <a:masterClrMapping/>
@@ -1966,6 +2143,32 @@
           <a:bodyPr/>
           <a:lstStyle/>
           <a:p>
+            <a:r>
+              <a:rPr lang="en-US" dirty="0" smtClean="0"/>
+              <a:t>The triple store</a:t>
+            </a:r>
+            <a:r>
+              <a:rPr lang="en-US" baseline="0" dirty="0" smtClean="0"/>
+              <a:t> is the authoritative source, resource DSL is a specialized representation of a subset of the facts and knowledge about the software and its ecosystem– i.e., facts/knowledge about how resources are consumed and what resources are available.</a:t>
+            </a:r>
+            <a:endParaRPr lang="en-US" baseline="0" dirty="0" smtClean="0"/>
+          </a:p>
+          <a:p>
+            <a:endParaRPr lang="en-US" baseline="0" dirty="0" smtClean="0"/>
+          </a:p>
+          <a:p>
+            <a:r>
+              <a:rPr lang="en-US" baseline="0" dirty="0" smtClean="0"/>
+              <a:t>Why type system is a good idea– soundness/completeness of the type system as opposed to ad hoc/heuristic searches, the efficiency is gained by  clever organization/partitioning of the search spaces that are fundamental to the </a:t>
+            </a:r>
+            <a:r>
+              <a:rPr lang="en-US" baseline="0" dirty="0" err="1" smtClean="0"/>
+              <a:t>variational</a:t>
+            </a:r>
+            <a:r>
+              <a:rPr lang="en-US" baseline="0" dirty="0" smtClean="0"/>
+              <a:t> systems.</a:t>
+            </a:r>
             <a:endParaRPr lang="en-US" dirty="0"/>
           </a:p>
         </p:txBody>
@@ -1987,19 +2190,12 @@
           <a:p>
             <a:fld id="{C2035D20-666A-4D58-B2B9-83ED2AC52B6B}" type="slidenum">
               <a:rPr lang="en-US" smtClean="0"/>
-              <a:pPr/>
-              <a:t>19</a:t>
             </a:fld>
             <a:endParaRPr lang="en-US"/>
           </a:p>
         </p:txBody>
       </p:sp>
     </p:spTree>
-    <p:extLst>
-      <p:ext uri="{BB962C8B-B14F-4D97-AF65-F5344CB8AC3E}">
-        <p14:creationId xmlns:p14="http://schemas.microsoft.com/office/powerpoint/2010/main" val="1444201822"/>
-      </p:ext>
-    </p:extLst>
   </p:cSld>
   <p:clrMapOvr>
     <a:masterClrMapping/>
@@ -2200,8 +2396,6 @@
           <a:p>
             <a:fld id="{95A6B3DF-E0BF-4247-9CA4-A55DEB1697DE}" type="datetime1">
               <a:rPr lang="en-US" smtClean="0"/>
-              <a:pPr/>
-              <a:t>11/28/2016</a:t>
             </a:fld>
             <a:endParaRPr lang="en-US"/>
           </a:p>
@@ -2262,8 +2456,6 @@
           <a:p>
             <a:fld id="{23D96EC6-00F5-4B80-A2B8-EF30F4E93FC1}" type="slidenum">
               <a:rPr lang="en-US"/>
-              <a:pPr/>
-              <a:t>‹#›</a:t>
             </a:fld>
             <a:endParaRPr lang="en-US"/>
           </a:p>
@@ -2344,6 +2536,7 @@
               <a:rPr lang="en-US" smtClean="0"/>
               <a:t>Click to edit Master text styles</a:t>
             </a:r>
+            <a:endParaRPr lang="en-US" smtClean="0"/>
           </a:p>
           <a:p>
             <a:pPr lvl="1"/>
@@ -2351,6 +2544,7 @@
               <a:rPr lang="en-US" smtClean="0"/>
               <a:t>Second level</a:t>
             </a:r>
+            <a:endParaRPr lang="en-US" smtClean="0"/>
           </a:p>
           <a:p>
             <a:pPr lvl="2"/>
@@ -2358,6 +2552,7 @@
               <a:rPr lang="en-US" smtClean="0"/>
               <a:t>Third level</a:t>
             </a:r>
+            <a:endParaRPr lang="en-US" smtClean="0"/>
           </a:p>
           <a:p>
             <a:pPr lvl="3"/>
@@ -2365,6 +2560,7 @@
               <a:rPr lang="en-US" smtClean="0"/>
               <a:t>Fourth level</a:t>
             </a:r>
+            <a:endParaRPr lang="en-US" smtClean="0"/>
           </a:p>
           <a:p>
             <a:pPr lvl="4"/>
@@ -2405,8 +2601,6 @@
           <a:p>
             <a:fld id="{2C1ACC6E-3B65-47B9-A02B-435C919687C0}" type="datetime1">
               <a:rPr lang="en-US" smtClean="0"/>
-              <a:pPr/>
-              <a:t>11/28/2016</a:t>
             </a:fld>
             <a:endParaRPr lang="en-US"/>
           </a:p>
@@ -2467,8 +2661,6 @@
           <a:p>
             <a:fld id="{E7A11FF7-CBC2-4DA2-A660-FC301902E54C}" type="slidenum">
               <a:rPr lang="en-US"/>
-              <a:pPr/>
-              <a:t>‹#›</a:t>
             </a:fld>
             <a:endParaRPr lang="en-US"/>
           </a:p>
@@ -2552,6 +2744,7 @@
               <a:rPr lang="en-US" smtClean="0"/>
               <a:t>Click to edit Master text styles</a:t>
             </a:r>
+            <a:endParaRPr lang="en-US" smtClean="0"/>
           </a:p>
           <a:p>
             <a:pPr lvl="1"/>
@@ -2559,6 +2752,7 @@
               <a:rPr lang="en-US" smtClean="0"/>
               <a:t>Second level</a:t>
             </a:r>
+            <a:endParaRPr lang="en-US" smtClean="0"/>
           </a:p>
           <a:p>
             <a:pPr lvl="2"/>
@@ -2566,6 +2760,7 @@
               <a:rPr lang="en-US" smtClean="0"/>
               <a:t>Third level</a:t>
             </a:r>
+            <a:endParaRPr lang="en-US" smtClean="0"/>
           </a:p>
           <a:p>
             <a:pPr lvl="3"/>
@@ -2573,6 +2768,7 @@
               <a:rPr lang="en-US" smtClean="0"/>
               <a:t>Fourth level</a:t>
             </a:r>
+            <a:endParaRPr lang="en-US" smtClean="0"/>
           </a:p>
           <a:p>
             <a:pPr lvl="4"/>
@@ -2613,8 +2809,6 @@
           <a:p>
             <a:fld id="{B90C3844-2847-4E85-B407-6E0EDA274DAD}" type="datetime1">
               <a:rPr lang="en-US" smtClean="0"/>
-              <a:pPr/>
-              <a:t>11/28/2016</a:t>
             </a:fld>
             <a:endParaRPr lang="en-US"/>
           </a:p>
@@ -2675,8 +2869,6 @@
           <a:p>
             <a:fld id="{806C5C3A-E7B0-4245-91C1-AAB88D03A3BB}" type="slidenum">
               <a:rPr lang="en-US"/>
-              <a:pPr/>
-              <a:t>‹#›</a:t>
             </a:fld>
             <a:endParaRPr lang="en-US"/>
           </a:p>
@@ -2748,7 +2940,6 @@
               </a:spcBef>
               <a:buNone/>
             </a:pPr>
-            <a:endParaRPr/>
           </a:p>
         </p:txBody>
       </p:sp>
@@ -2785,7 +2976,6 @@
               </a:spcBef>
               <a:buNone/>
             </a:pPr>
-            <a:endParaRPr/>
           </a:p>
         </p:txBody>
       </p:sp>
@@ -2822,7 +3012,6 @@
               </a:spcBef>
               <a:buNone/>
             </a:pPr>
-            <a:endParaRPr/>
           </a:p>
         </p:txBody>
       </p:sp>
@@ -3003,9 +3192,7 @@
               </a:defRPr>
             </a:lvl9pPr>
           </a:lstStyle>
-          <a:p>
-            <a:endParaRPr/>
-          </a:p>
+          <a:p/>
         </p:txBody>
       </p:sp>
       <p:sp>
@@ -3204,9 +3391,7 @@
               </a:defRPr>
             </a:lvl9pPr>
           </a:lstStyle>
-          <a:p>
-            <a:endParaRPr/>
-          </a:p>
+          <a:p/>
         </p:txBody>
       </p:sp>
       <p:sp>
@@ -3244,22 +3429,13 @@
               </a:spcAft>
             </a:pPr>
             <a:fld id="{00000000-1234-1234-1234-123412341234}" type="slidenum">
-              <a:rPr lang="en" sz="1000" smtClean="0">
+              <a:rPr lang="en-GB" sz="1000" smtClean="0">
                 <a:solidFill>
                   <a:srgbClr val="616161"/>
                 </a:solidFill>
               </a:rPr>
-              <a:pPr algn="r">
-                <a:spcBef>
-                  <a:spcPts val="0"/>
-                </a:spcBef>
-                <a:spcAft>
-                  <a:spcPts val="0"/>
-                </a:spcAft>
-              </a:pPr>
-              <a:t>‹#›</a:t>
             </a:fld>
-            <a:endParaRPr lang="en" sz="1000">
+            <a:endParaRPr lang="en-GB" sz="1000">
               <a:solidFill>
                 <a:srgbClr val="616161"/>
               </a:solidFill>
@@ -3268,11 +3444,6 @@
         </p:txBody>
       </p:sp>
     </p:spTree>
-    <p:extLst>
-      <p:ext uri="{BB962C8B-B14F-4D97-AF65-F5344CB8AC3E}">
-        <p14:creationId xmlns:p14="http://schemas.microsoft.com/office/powerpoint/2010/main" val="2559245674"/>
-      </p:ext>
-    </p:extLst>
   </p:cSld>
   <p:clrMapOvr>
     <a:masterClrMapping/>
@@ -3383,9 +3554,7 @@
               <a:defRPr sz="5200"/>
             </a:lvl9pPr>
           </a:lstStyle>
-          <a:p>
-            <a:endParaRPr/>
-          </a:p>
+          <a:p/>
         </p:txBody>
       </p:sp>
       <p:sp>
@@ -3537,9 +3706,7 @@
               <a:defRPr sz="2800"/>
             </a:lvl9pPr>
           </a:lstStyle>
-          <a:p>
-            <a:endParaRPr/>
-          </a:p>
+          <a:p/>
         </p:txBody>
       </p:sp>
       <p:sp>
@@ -3568,20 +3735,13 @@
           <a:lstStyle/>
           <a:p>
             <a:fld id="{00000000-1234-1234-1234-123412341234}" type="slidenum">
-              <a:rPr lang="en"/>
-              <a:pPr/>
-              <a:t>‹#›</a:t>
+              <a:rPr lang="en-GB"/>
             </a:fld>
-            <a:endParaRPr lang="en"/>
+            <a:endParaRPr lang="en-GB"/>
           </a:p>
         </p:txBody>
       </p:sp>
     </p:spTree>
-    <p:extLst>
-      <p:ext uri="{BB962C8B-B14F-4D97-AF65-F5344CB8AC3E}">
-        <p14:creationId xmlns:p14="http://schemas.microsoft.com/office/powerpoint/2010/main" val="3586474226"/>
-      </p:ext>
-    </p:extLst>
   </p:cSld>
   <p:clrMapOvr>
     <a:masterClrMapping/>
@@ -3692,9 +3852,7 @@
               <a:defRPr sz="3600"/>
             </a:lvl9pPr>
           </a:lstStyle>
-          <a:p>
-            <a:endParaRPr/>
-          </a:p>
+          <a:p/>
         </p:txBody>
       </p:sp>
       <p:sp>
@@ -3723,20 +3881,13 @@
           <a:lstStyle/>
           <a:p>
             <a:fld id="{00000000-1234-1234-1234-123412341234}" type="slidenum">
-              <a:rPr lang="en"/>
-              <a:pPr/>
-              <a:t>‹#›</a:t>
+              <a:rPr lang="en-GB"/>
             </a:fld>
-            <a:endParaRPr lang="en"/>
+            <a:endParaRPr lang="en-GB"/>
           </a:p>
         </p:txBody>
       </p:sp>
     </p:spTree>
-    <p:extLst>
-      <p:ext uri="{BB962C8B-B14F-4D97-AF65-F5344CB8AC3E}">
-        <p14:creationId xmlns:p14="http://schemas.microsoft.com/office/powerpoint/2010/main" val="3396628067"/>
-      </p:ext>
-    </p:extLst>
   </p:cSld>
   <p:clrMapOvr>
     <a:masterClrMapping/>
@@ -3838,9 +3989,7 @@
               <a:defRPr/>
             </a:lvl9pPr>
           </a:lstStyle>
-          <a:p>
-            <a:endParaRPr/>
-          </a:p>
+          <a:p/>
         </p:txBody>
       </p:sp>
       <p:sp>
@@ -3920,9 +4069,7 @@
               <a:defRPr/>
             </a:lvl9pPr>
           </a:lstStyle>
-          <a:p>
-            <a:endParaRPr/>
-          </a:p>
+          <a:p/>
         </p:txBody>
       </p:sp>
       <p:sp>
@@ -3951,20 +4098,13 @@
           <a:lstStyle/>
           <a:p>
             <a:fld id="{00000000-1234-1234-1234-123412341234}" type="slidenum">
-              <a:rPr lang="en"/>
-              <a:pPr/>
-              <a:t>‹#›</a:t>
+              <a:rPr lang="en-GB"/>
             </a:fld>
-            <a:endParaRPr lang="en"/>
+            <a:endParaRPr lang="en-GB"/>
           </a:p>
         </p:txBody>
       </p:sp>
     </p:spTree>
-    <p:extLst>
-      <p:ext uri="{BB962C8B-B14F-4D97-AF65-F5344CB8AC3E}">
-        <p14:creationId xmlns:p14="http://schemas.microsoft.com/office/powerpoint/2010/main" val="2358078956"/>
-      </p:ext>
-    </p:extLst>
   </p:cSld>
   <p:clrMapOvr>
     <a:masterClrMapping/>
@@ -4066,9 +4206,7 @@
               <a:defRPr/>
             </a:lvl9pPr>
           </a:lstStyle>
-          <a:p>
-            <a:endParaRPr/>
-          </a:p>
+          <a:p/>
         </p:txBody>
       </p:sp>
       <p:sp>
@@ -4157,9 +4295,7 @@
               <a:defRPr sz="1200"/>
             </a:lvl9pPr>
           </a:lstStyle>
-          <a:p>
-            <a:endParaRPr/>
-          </a:p>
+          <a:p/>
         </p:txBody>
       </p:sp>
       <p:sp>
@@ -4248,9 +4384,7 @@
               <a:defRPr sz="1200"/>
             </a:lvl9pPr>
           </a:lstStyle>
-          <a:p>
-            <a:endParaRPr/>
-          </a:p>
+          <a:p/>
         </p:txBody>
       </p:sp>
       <p:sp>
@@ -4279,20 +4413,13 @@
           <a:lstStyle/>
           <a:p>
             <a:fld id="{00000000-1234-1234-1234-123412341234}" type="slidenum">
-              <a:rPr lang="en"/>
-              <a:pPr/>
-              <a:t>‹#›</a:t>
+              <a:rPr lang="en-GB"/>
             </a:fld>
-            <a:endParaRPr lang="en"/>
+            <a:endParaRPr lang="en-GB"/>
           </a:p>
         </p:txBody>
       </p:sp>
     </p:spTree>
-    <p:extLst>
-      <p:ext uri="{BB962C8B-B14F-4D97-AF65-F5344CB8AC3E}">
-        <p14:creationId xmlns:p14="http://schemas.microsoft.com/office/powerpoint/2010/main" val="400607045"/>
-      </p:ext>
-    </p:extLst>
   </p:cSld>
   <p:clrMapOvr>
     <a:masterClrMapping/>
@@ -4394,9 +4521,7 @@
               <a:defRPr/>
             </a:lvl9pPr>
           </a:lstStyle>
-          <a:p>
-            <a:endParaRPr/>
-          </a:p>
+          <a:p/>
         </p:txBody>
       </p:sp>
       <p:sp>
@@ -4425,20 +4550,13 @@
           <a:lstStyle/>
           <a:p>
             <a:fld id="{00000000-1234-1234-1234-123412341234}" type="slidenum">
-              <a:rPr lang="en"/>
-              <a:pPr/>
-              <a:t>‹#›</a:t>
+              <a:rPr lang="en-GB"/>
             </a:fld>
-            <a:endParaRPr lang="en"/>
+            <a:endParaRPr lang="en-GB"/>
           </a:p>
         </p:txBody>
       </p:sp>
     </p:spTree>
-    <p:extLst>
-      <p:ext uri="{BB962C8B-B14F-4D97-AF65-F5344CB8AC3E}">
-        <p14:creationId xmlns:p14="http://schemas.microsoft.com/office/powerpoint/2010/main" val="2633960175"/>
-      </p:ext>
-    </p:extLst>
   </p:cSld>
   <p:clrMapOvr>
     <a:masterClrMapping/>
@@ -4549,9 +4667,7 @@
               <a:defRPr sz="2400"/>
             </a:lvl9pPr>
           </a:lstStyle>
-          <a:p>
-            <a:endParaRPr/>
-          </a:p>
+          <a:p/>
         </p:txBody>
       </p:sp>
       <p:sp>
@@ -4640,9 +4756,7 @@
               <a:defRPr sz="1200"/>
             </a:lvl9pPr>
           </a:lstStyle>
-          <a:p>
-            <a:endParaRPr/>
-          </a:p>
+          <a:p/>
         </p:txBody>
       </p:sp>
       <p:sp>
@@ -4671,20 +4785,13 @@
           <a:lstStyle/>
           <a:p>
             <a:fld id="{00000000-1234-1234-1234-123412341234}" type="slidenum">
-              <a:rPr lang="en"/>
-              <a:pPr/>
-              <a:t>‹#›</a:t>
+              <a:rPr lang="en-GB"/>
             </a:fld>
-            <a:endParaRPr lang="en"/>
+            <a:endParaRPr lang="en-GB"/>
           </a:p>
         </p:txBody>
       </p:sp>
     </p:spTree>
-    <p:extLst>
-      <p:ext uri="{BB962C8B-B14F-4D97-AF65-F5344CB8AC3E}">
-        <p14:creationId xmlns:p14="http://schemas.microsoft.com/office/powerpoint/2010/main" val="480489639"/>
-      </p:ext>
-    </p:extLst>
   </p:cSld>
   <p:clrMapOvr>
     <a:masterClrMapping/>
@@ -4795,9 +4902,7 @@
               <a:defRPr sz="4800"/>
             </a:lvl9pPr>
           </a:lstStyle>
-          <a:p>
-            <a:endParaRPr/>
-          </a:p>
+          <a:p/>
         </p:txBody>
       </p:sp>
       <p:sp>
@@ -4826,20 +4931,13 @@
           <a:lstStyle/>
           <a:p>
             <a:fld id="{00000000-1234-1234-1234-123412341234}" type="slidenum">
-              <a:rPr lang="en"/>
-              <a:pPr/>
-              <a:t>‹#›</a:t>
+              <a:rPr lang="en-GB"/>
             </a:fld>
-            <a:endParaRPr lang="en"/>
+            <a:endParaRPr lang="en-GB"/>
           </a:p>
         </p:txBody>
       </p:sp>
     </p:spTree>
-    <p:extLst>
-      <p:ext uri="{BB962C8B-B14F-4D97-AF65-F5344CB8AC3E}">
-        <p14:creationId xmlns:p14="http://schemas.microsoft.com/office/powerpoint/2010/main" val="2699594984"/>
-      </p:ext>
-    </p:extLst>
   </p:cSld>
   <p:clrMapOvr>
     <a:masterClrMapping/>
@@ -4907,6 +5005,7 @@
               <a:rPr lang="en-US" smtClean="0"/>
               <a:t>Click to edit Master text styles</a:t>
             </a:r>
+            <a:endParaRPr lang="en-US" smtClean="0"/>
           </a:p>
           <a:p>
             <a:pPr lvl="1"/>
@@ -4914,6 +5013,7 @@
               <a:rPr lang="en-US" smtClean="0"/>
               <a:t>Second level</a:t>
             </a:r>
+            <a:endParaRPr lang="en-US" smtClean="0"/>
           </a:p>
           <a:p>
             <a:pPr lvl="2"/>
@@ -4921,6 +5021,7 @@
               <a:rPr lang="en-US" smtClean="0"/>
               <a:t>Third level</a:t>
             </a:r>
+            <a:endParaRPr lang="en-US" smtClean="0"/>
           </a:p>
           <a:p>
             <a:pPr lvl="3"/>
@@ -4928,6 +5029,7 @@
               <a:rPr lang="en-US" smtClean="0"/>
               <a:t>Fourth level</a:t>
             </a:r>
+            <a:endParaRPr lang="en-US" smtClean="0"/>
           </a:p>
           <a:p>
             <a:pPr lvl="4"/>
@@ -4968,8 +5070,6 @@
           <a:p>
             <a:fld id="{6B285CC8-9FF3-4CA7-AB46-4C64AC48CFF9}" type="datetime1">
               <a:rPr lang="en-US" smtClean="0"/>
-              <a:pPr/>
-              <a:t>11/28/2016</a:t>
             </a:fld>
             <a:endParaRPr lang="en-US"/>
           </a:p>
@@ -5030,8 +5130,6 @@
           <a:p>
             <a:fld id="{0840E6D7-221B-40B7-B50C-C3B5231B0D1A}" type="slidenum">
               <a:rPr lang="en-US"/>
-              <a:pPr/>
-              <a:t>‹#›</a:t>
             </a:fld>
             <a:endParaRPr lang="en-US"/>
           </a:p>
@@ -5201,9 +5299,7 @@
               <a:defRPr sz="4200"/>
             </a:lvl9pPr>
           </a:lstStyle>
-          <a:p>
-            <a:endParaRPr/>
-          </a:p>
+          <a:p/>
         </p:txBody>
       </p:sp>
       <p:sp>
@@ -5355,9 +5451,7 @@
               <a:defRPr sz="2100"/>
             </a:lvl9pPr>
           </a:lstStyle>
-          <a:p>
-            <a:endParaRPr/>
-          </a:p>
+          <a:p/>
         </p:txBody>
       </p:sp>
       <p:sp>
@@ -5437,9 +5531,7 @@
               <a:defRPr/>
             </a:lvl9pPr>
           </a:lstStyle>
-          <a:p>
-            <a:endParaRPr/>
-          </a:p>
+          <a:p/>
         </p:txBody>
       </p:sp>
       <p:sp>
@@ -5468,20 +5560,13 @@
           <a:lstStyle/>
           <a:p>
             <a:fld id="{00000000-1234-1234-1234-123412341234}" type="slidenum">
-              <a:rPr lang="en"/>
-              <a:pPr/>
-              <a:t>‹#›</a:t>
+              <a:rPr lang="en-GB"/>
             </a:fld>
-            <a:endParaRPr lang="en"/>
+            <a:endParaRPr lang="en-GB"/>
           </a:p>
         </p:txBody>
       </p:sp>
     </p:spTree>
-    <p:extLst>
-      <p:ext uri="{BB962C8B-B14F-4D97-AF65-F5344CB8AC3E}">
-        <p14:creationId xmlns:p14="http://schemas.microsoft.com/office/powerpoint/2010/main" val="3284806748"/>
-      </p:ext>
-    </p:extLst>
   </p:cSld>
   <p:clrMapOvr>
     <a:masterClrMapping/>
@@ -5542,9 +5627,7 @@
               <a:defRPr/>
             </a:lvl1pPr>
           </a:lstStyle>
-          <a:p>
-            <a:endParaRPr/>
-          </a:p>
+          <a:p/>
         </p:txBody>
       </p:sp>
       <p:sp>
@@ -5573,20 +5656,13 @@
           <a:lstStyle/>
           <a:p>
             <a:fld id="{00000000-1234-1234-1234-123412341234}" type="slidenum">
-              <a:rPr lang="en"/>
-              <a:pPr/>
-              <a:t>‹#›</a:t>
+              <a:rPr lang="en-GB"/>
             </a:fld>
-            <a:endParaRPr lang="en"/>
+            <a:endParaRPr lang="en-GB"/>
           </a:p>
         </p:txBody>
       </p:sp>
     </p:spTree>
-    <p:extLst>
-      <p:ext uri="{BB962C8B-B14F-4D97-AF65-F5344CB8AC3E}">
-        <p14:creationId xmlns:p14="http://schemas.microsoft.com/office/powerpoint/2010/main" val="390984481"/>
-      </p:ext>
-    </p:extLst>
   </p:cSld>
   <p:clrMapOvr>
     <a:masterClrMapping/>
@@ -5697,9 +5773,7 @@
               <a:defRPr sz="12000"/>
             </a:lvl9pPr>
           </a:lstStyle>
-          <a:p>
-            <a:endParaRPr/>
-          </a:p>
+          <a:p/>
         </p:txBody>
       </p:sp>
       <p:sp>
@@ -5779,9 +5853,7 @@
               <a:defRPr/>
             </a:lvl9pPr>
           </a:lstStyle>
-          <a:p>
-            <a:endParaRPr/>
-          </a:p>
+          <a:p/>
         </p:txBody>
       </p:sp>
       <p:sp>
@@ -5810,20 +5882,13 @@
           <a:lstStyle/>
           <a:p>
             <a:fld id="{00000000-1234-1234-1234-123412341234}" type="slidenum">
-              <a:rPr lang="en"/>
-              <a:pPr/>
-              <a:t>‹#›</a:t>
+              <a:rPr lang="en-GB"/>
             </a:fld>
-            <a:endParaRPr lang="en"/>
+            <a:endParaRPr lang="en-GB"/>
           </a:p>
         </p:txBody>
       </p:sp>
     </p:spTree>
-    <p:extLst>
-      <p:ext uri="{BB962C8B-B14F-4D97-AF65-F5344CB8AC3E}">
-        <p14:creationId xmlns:p14="http://schemas.microsoft.com/office/powerpoint/2010/main" val="673526062"/>
-      </p:ext>
-    </p:extLst>
   </p:cSld>
   <p:clrMapOvr>
     <a:masterClrMapping/>
@@ -5874,20 +5939,13 @@
           <a:lstStyle/>
           <a:p>
             <a:fld id="{00000000-1234-1234-1234-123412341234}" type="slidenum">
-              <a:rPr lang="en"/>
-              <a:pPr/>
-              <a:t>‹#›</a:t>
+              <a:rPr lang="en-GB"/>
             </a:fld>
-            <a:endParaRPr lang="en"/>
+            <a:endParaRPr lang="en-GB"/>
           </a:p>
         </p:txBody>
       </p:sp>
     </p:spTree>
-    <p:extLst>
-      <p:ext uri="{BB962C8B-B14F-4D97-AF65-F5344CB8AC3E}">
-        <p14:creationId xmlns:p14="http://schemas.microsoft.com/office/powerpoint/2010/main" val="928800402"/>
-      </p:ext>
-    </p:extLst>
   </p:cSld>
   <p:clrMapOvr>
     <a:masterClrMapping/>
@@ -6020,9 +6078,7 @@
               <a:defRPr sz="1800"/>
             </a:lvl9pPr>
           </a:lstStyle>
-          <a:p>
-            <a:endParaRPr/>
-          </a:p>
+          <a:p/>
         </p:txBody>
       </p:sp>
       <p:sp>
@@ -6286,9 +6342,7 @@
               </a:defRPr>
             </a:lvl9pPr>
           </a:lstStyle>
-          <a:p>
-            <a:endParaRPr/>
-          </a:p>
+          <a:p/>
         </p:txBody>
       </p:sp>
       <p:sp>
@@ -6330,7 +6384,7 @@
               <a:buClr>
                 <a:srgbClr val="888888"/>
               </a:buClr>
-              <a:buSzPct val="116666"/>
+              <a:buSzPct val="117000"/>
               <a:buFont typeface="Calibri"/>
               <a:buNone/>
               <a:defRPr sz="1200" b="0" i="0" u="none" strike="noStrike" cap="none">
@@ -6356,7 +6410,7 @@
               <a:buClr>
                 <a:schemeClr val="dk1"/>
               </a:buClr>
-              <a:buSzPct val="77777"/>
+              <a:buSzPct val="78000"/>
               <a:buFont typeface="Calibri"/>
               <a:buNone/>
               <a:defRPr sz="1800" b="0" i="0" u="none" strike="noStrike" cap="none">
@@ -6382,7 +6436,7 @@
               <a:buClr>
                 <a:schemeClr val="dk1"/>
               </a:buClr>
-              <a:buSzPct val="77777"/>
+              <a:buSzPct val="78000"/>
               <a:buFont typeface="Calibri"/>
               <a:buNone/>
               <a:defRPr sz="1800" b="0" i="0" u="none" strike="noStrike" cap="none">
@@ -6408,7 +6462,7 @@
               <a:buClr>
                 <a:schemeClr val="dk1"/>
               </a:buClr>
-              <a:buSzPct val="77777"/>
+              <a:buSzPct val="78000"/>
               <a:buFont typeface="Calibri"/>
               <a:buNone/>
               <a:defRPr sz="1800" b="0" i="0" u="none" strike="noStrike" cap="none">
@@ -6434,7 +6488,7 @@
               <a:buClr>
                 <a:schemeClr val="dk1"/>
               </a:buClr>
-              <a:buSzPct val="77777"/>
+              <a:buSzPct val="78000"/>
               <a:buFont typeface="Calibri"/>
               <a:buNone/>
               <a:defRPr sz="1800" b="0" i="0" u="none" strike="noStrike" cap="none">
@@ -6460,7 +6514,7 @@
               <a:buClr>
                 <a:schemeClr val="dk1"/>
               </a:buClr>
-              <a:buSzPct val="77777"/>
+              <a:buSzPct val="78000"/>
               <a:buFont typeface="Calibri"/>
               <a:buNone/>
               <a:defRPr sz="1800" b="0" i="0" u="none" strike="noStrike" cap="none">
@@ -6486,7 +6540,7 @@
               <a:buClr>
                 <a:schemeClr val="dk1"/>
               </a:buClr>
-              <a:buSzPct val="77777"/>
+              <a:buSzPct val="78000"/>
               <a:buFont typeface="Calibri"/>
               <a:buNone/>
               <a:defRPr sz="1800" b="0" i="0" u="none" strike="noStrike" cap="none">
@@ -6512,7 +6566,7 @@
               <a:buClr>
                 <a:schemeClr val="dk1"/>
               </a:buClr>
-              <a:buSzPct val="77777"/>
+              <a:buSzPct val="78000"/>
               <a:buFont typeface="Calibri"/>
               <a:buNone/>
               <a:defRPr sz="1800" b="0" i="0" u="none" strike="noStrike" cap="none">
@@ -6538,7 +6592,7 @@
               <a:buClr>
                 <a:schemeClr val="dk1"/>
               </a:buClr>
-              <a:buSzPct val="77777"/>
+              <a:buSzPct val="78000"/>
               <a:buFont typeface="Calibri"/>
               <a:buNone/>
               <a:defRPr sz="1800" b="0" i="0" u="none" strike="noStrike" cap="none">
@@ -6597,7 +6651,7 @@
               <a:buClr>
                 <a:srgbClr val="888888"/>
               </a:buClr>
-              <a:buSzPct val="116666"/>
+              <a:buSzPct val="117000"/>
               <a:buFont typeface="Calibri"/>
               <a:buNone/>
               <a:defRPr sz="1200" b="0" i="0" u="none" strike="noStrike" cap="none">
@@ -6623,7 +6677,7 @@
               <a:buClr>
                 <a:schemeClr val="dk1"/>
               </a:buClr>
-              <a:buSzPct val="77777"/>
+              <a:buSzPct val="78000"/>
               <a:buFont typeface="Calibri"/>
               <a:buNone/>
               <a:defRPr sz="1800" b="0" i="0" u="none" strike="noStrike" cap="none">
@@ -6649,7 +6703,7 @@
               <a:buClr>
                 <a:schemeClr val="dk1"/>
               </a:buClr>
-              <a:buSzPct val="77777"/>
+              <a:buSzPct val="78000"/>
               <a:buFont typeface="Calibri"/>
               <a:buNone/>
               <a:defRPr sz="1800" b="0" i="0" u="none" strike="noStrike" cap="none">
@@ -6675,7 +6729,7 @@
               <a:buClr>
                 <a:schemeClr val="dk1"/>
               </a:buClr>
-              <a:buSzPct val="77777"/>
+              <a:buSzPct val="78000"/>
               <a:buFont typeface="Calibri"/>
               <a:buNone/>
               <a:defRPr sz="1800" b="0" i="0" u="none" strike="noStrike" cap="none">
@@ -6701,7 +6755,7 @@
               <a:buClr>
                 <a:schemeClr val="dk1"/>
               </a:buClr>
-              <a:buSzPct val="77777"/>
+              <a:buSzPct val="78000"/>
               <a:buFont typeface="Calibri"/>
               <a:buNone/>
               <a:defRPr sz="1800" b="0" i="0" u="none" strike="noStrike" cap="none">
@@ -6727,7 +6781,7 @@
               <a:buClr>
                 <a:schemeClr val="dk1"/>
               </a:buClr>
-              <a:buSzPct val="77777"/>
+              <a:buSzPct val="78000"/>
               <a:buFont typeface="Calibri"/>
               <a:buNone/>
               <a:defRPr sz="1800" b="0" i="0" u="none" strike="noStrike" cap="none">
@@ -6753,7 +6807,7 @@
               <a:buClr>
                 <a:schemeClr val="dk1"/>
               </a:buClr>
-              <a:buSzPct val="77777"/>
+              <a:buSzPct val="78000"/>
               <a:buFont typeface="Calibri"/>
               <a:buNone/>
               <a:defRPr sz="1800" b="0" i="0" u="none" strike="noStrike" cap="none">
@@ -6779,7 +6833,7 @@
               <a:buClr>
                 <a:schemeClr val="dk1"/>
               </a:buClr>
-              <a:buSzPct val="77777"/>
+              <a:buSzPct val="78000"/>
               <a:buFont typeface="Calibri"/>
               <a:buNone/>
               <a:defRPr sz="1800" b="0" i="0" u="none" strike="noStrike" cap="none">
@@ -6805,7 +6859,7 @@
               <a:buClr>
                 <a:schemeClr val="dk1"/>
               </a:buClr>
-              <a:buSzPct val="77777"/>
+              <a:buSzPct val="78000"/>
               <a:buFont typeface="Calibri"/>
               <a:buNone/>
               <a:defRPr sz="1800" b="0" i="0" u="none" strike="noStrike" cap="none">
@@ -6863,7 +6917,7 @@
               <a:buNone/>
             </a:pPr>
             <a:fld id="{00000000-1234-1234-1234-123412341234}" type="slidenum">
-              <a:rPr lang="en" sz="1200">
+              <a:rPr lang="en-GB" sz="1200">
                 <a:solidFill>
                   <a:srgbClr val="888888"/>
                 </a:solidFill>
@@ -6872,17 +6926,8 @@
                 <a:cs typeface="Calibri"/>
                 <a:sym typeface="Calibri"/>
               </a:rPr>
-              <a:pPr algn="r">
-                <a:buClr>
-                  <a:srgbClr val="888888"/>
-                </a:buClr>
-                <a:buSzPct val="25000"/>
-                <a:buFont typeface="Calibri"/>
-                <a:buNone/>
-              </a:pPr>
-              <a:t>‹#›</a:t>
             </a:fld>
-            <a:endParaRPr lang="en" sz="1200">
+            <a:endParaRPr lang="en-GB" sz="1200">
               <a:solidFill>
                 <a:srgbClr val="888888"/>
               </a:solidFill>
@@ -6895,11 +6940,6 @@
         </p:txBody>
       </p:sp>
     </p:spTree>
-    <p:extLst>
-      <p:ext uri="{BB962C8B-B14F-4D97-AF65-F5344CB8AC3E}">
-        <p14:creationId xmlns:p14="http://schemas.microsoft.com/office/powerpoint/2010/main" val="2598686459"/>
-      </p:ext>
-    </p:extLst>
   </p:cSld>
   <p:clrMapOvr>
     <a:masterClrMapping/>
@@ -7104,8 +7144,6 @@
           <a:p>
             <a:fld id="{66F7B118-A922-4575-948A-19FE348C4DCB}" type="datetime1">
               <a:rPr lang="en-US" smtClean="0"/>
-              <a:pPr/>
-              <a:t>11/28/2016</a:t>
             </a:fld>
             <a:endParaRPr lang="en-US"/>
           </a:p>
@@ -7166,8 +7204,6 @@
           <a:p>
             <a:fld id="{E9BC638B-006F-4636-A911-712D0992C395}" type="slidenum">
               <a:rPr lang="en-US"/>
-              <a:pPr/>
-              <a:t>‹#›</a:t>
             </a:fld>
             <a:endParaRPr lang="en-US"/>
           </a:p>
@@ -7274,6 +7310,7 @@
               <a:rPr lang="en-US" smtClean="0"/>
               <a:t>Click to edit Master text styles</a:t>
             </a:r>
+            <a:endParaRPr lang="en-US" smtClean="0"/>
           </a:p>
           <a:p>
             <a:pPr lvl="1"/>
@@ -7281,6 +7318,7 @@
               <a:rPr lang="en-US" smtClean="0"/>
               <a:t>Second level</a:t>
             </a:r>
+            <a:endParaRPr lang="en-US" smtClean="0"/>
           </a:p>
           <a:p>
             <a:pPr lvl="2"/>
@@ -7288,6 +7326,7 @@
               <a:rPr lang="en-US" smtClean="0"/>
               <a:t>Third level</a:t>
             </a:r>
+            <a:endParaRPr lang="en-US" smtClean="0"/>
           </a:p>
           <a:p>
             <a:pPr lvl="3"/>
@@ -7295,6 +7334,7 @@
               <a:rPr lang="en-US" smtClean="0"/>
               <a:t>Fourth level</a:t>
             </a:r>
+            <a:endParaRPr lang="en-US" smtClean="0"/>
           </a:p>
           <a:p>
             <a:pPr lvl="4"/>
@@ -7359,6 +7399,7 @@
               <a:rPr lang="en-US" smtClean="0"/>
               <a:t>Click to edit Master text styles</a:t>
             </a:r>
+            <a:endParaRPr lang="en-US" smtClean="0"/>
           </a:p>
           <a:p>
             <a:pPr lvl="1"/>
@@ -7366,6 +7407,7 @@
               <a:rPr lang="en-US" smtClean="0"/>
               <a:t>Second level</a:t>
             </a:r>
+            <a:endParaRPr lang="en-US" smtClean="0"/>
           </a:p>
           <a:p>
             <a:pPr lvl="2"/>
@@ -7373,6 +7415,7 @@
               <a:rPr lang="en-US" smtClean="0"/>
               <a:t>Third level</a:t>
             </a:r>
+            <a:endParaRPr lang="en-US" smtClean="0"/>
           </a:p>
           <a:p>
             <a:pPr lvl="3"/>
@@ -7380,6 +7423,7 @@
               <a:rPr lang="en-US" smtClean="0"/>
               <a:t>Fourth level</a:t>
             </a:r>
+            <a:endParaRPr lang="en-US" smtClean="0"/>
           </a:p>
           <a:p>
             <a:pPr lvl="4"/>
@@ -7420,8 +7464,6 @@
           <a:p>
             <a:fld id="{1B314952-7D96-477D-9ED8-36B09E208539}" type="datetime1">
               <a:rPr lang="en-US" smtClean="0"/>
-              <a:pPr/>
-              <a:t>11/28/2016</a:t>
             </a:fld>
             <a:endParaRPr lang="en-US"/>
           </a:p>
@@ -7482,8 +7524,6 @@
           <a:p>
             <a:fld id="{F72DDA7B-E1B4-4150-8F52-3E1C33BFB17A}" type="slidenum">
               <a:rPr lang="en-US"/>
-              <a:pPr/>
-              <a:t>‹#›</a:t>
             </a:fld>
             <a:endParaRPr lang="en-US"/>
           </a:p>
@@ -7659,6 +7699,7 @@
               <a:rPr lang="en-US" smtClean="0"/>
               <a:t>Click to edit Master text styles</a:t>
             </a:r>
+            <a:endParaRPr lang="en-US" smtClean="0"/>
           </a:p>
           <a:p>
             <a:pPr lvl="1"/>
@@ -7666,6 +7707,7 @@
               <a:rPr lang="en-US" smtClean="0"/>
               <a:t>Second level</a:t>
             </a:r>
+            <a:endParaRPr lang="en-US" smtClean="0"/>
           </a:p>
           <a:p>
             <a:pPr lvl="2"/>
@@ -7673,6 +7715,7 @@
               <a:rPr lang="en-US" smtClean="0"/>
               <a:t>Third level</a:t>
             </a:r>
+            <a:endParaRPr lang="en-US" smtClean="0"/>
           </a:p>
           <a:p>
             <a:pPr lvl="3"/>
@@ -7680,6 +7723,7 @@
               <a:rPr lang="en-US" smtClean="0"/>
               <a:t>Fourth level</a:t>
             </a:r>
+            <a:endParaRPr lang="en-US" smtClean="0"/>
           </a:p>
           <a:p>
             <a:pPr lvl="4"/>
@@ -7809,6 +7853,7 @@
               <a:rPr lang="en-US" smtClean="0"/>
               <a:t>Click to edit Master text styles</a:t>
             </a:r>
+            <a:endParaRPr lang="en-US" smtClean="0"/>
           </a:p>
           <a:p>
             <a:pPr lvl="1"/>
@@ -7816,6 +7861,7 @@
               <a:rPr lang="en-US" smtClean="0"/>
               <a:t>Second level</a:t>
             </a:r>
+            <a:endParaRPr lang="en-US" smtClean="0"/>
           </a:p>
           <a:p>
             <a:pPr lvl="2"/>
@@ -7823,6 +7869,7 @@
               <a:rPr lang="en-US" smtClean="0"/>
               <a:t>Third level</a:t>
             </a:r>
+            <a:endParaRPr lang="en-US" smtClean="0"/>
           </a:p>
           <a:p>
             <a:pPr lvl="3"/>
@@ -7830,6 +7877,7 @@
               <a:rPr lang="en-US" smtClean="0"/>
               <a:t>Fourth level</a:t>
             </a:r>
+            <a:endParaRPr lang="en-US" smtClean="0"/>
           </a:p>
           <a:p>
             <a:pPr lvl="4"/>
@@ -7870,8 +7918,6 @@
           <a:p>
             <a:fld id="{3EC21296-BC98-4171-92F6-D019B15585F0}" type="datetime1">
               <a:rPr lang="en-US" smtClean="0"/>
-              <a:pPr/>
-              <a:t>11/28/2016</a:t>
             </a:fld>
             <a:endParaRPr lang="en-US"/>
           </a:p>
@@ -7932,8 +7978,6 @@
           <a:p>
             <a:fld id="{3BCF4AC1-43DB-4EF3-9E3E-72F89059F20C}" type="slidenum">
               <a:rPr lang="en-US"/>
-              <a:pPr/>
-              <a:t>‹#›</a:t>
             </a:fld>
             <a:endParaRPr lang="en-US"/>
           </a:p>
@@ -8016,8 +8060,6 @@
           <a:p>
             <a:fld id="{800FCB95-AD58-4B63-8306-18B0C136E6DE}" type="datetime1">
               <a:rPr lang="en-US" smtClean="0"/>
-              <a:pPr/>
-              <a:t>11/28/2016</a:t>
             </a:fld>
             <a:endParaRPr lang="en-US"/>
           </a:p>
@@ -8078,8 +8120,6 @@
           <a:p>
             <a:fld id="{5163728A-5C6C-4DC9-ACFF-9E47917C1905}" type="slidenum">
               <a:rPr lang="en-US"/>
-              <a:pPr/>
-              <a:t>‹#›</a:t>
             </a:fld>
             <a:endParaRPr lang="en-US"/>
           </a:p>
@@ -8146,8 +8186,6 @@
           <a:p>
             <a:fld id="{44333225-A648-4F55-B5C0-A5E1B6A212FC}" type="datetime1">
               <a:rPr lang="en-US" smtClean="0"/>
-              <a:pPr/>
-              <a:t>11/28/2016</a:t>
             </a:fld>
             <a:endParaRPr lang="en-US"/>
           </a:p>
@@ -8208,8 +8246,6 @@
           <a:p>
             <a:fld id="{8608979E-30E0-451B-8B0B-8F0D5B005C28}" type="slidenum">
               <a:rPr lang="en-US"/>
-              <a:pPr/>
-              <a:t>‹#›</a:t>
             </a:fld>
             <a:endParaRPr lang="en-US"/>
           </a:p>
@@ -8325,6 +8361,7 @@
               <a:rPr lang="en-US" smtClean="0"/>
               <a:t>Click to edit Master text styles</a:t>
             </a:r>
+            <a:endParaRPr lang="en-US" smtClean="0"/>
           </a:p>
           <a:p>
             <a:pPr lvl="1"/>
@@ -8332,6 +8369,7 @@
               <a:rPr lang="en-US" smtClean="0"/>
               <a:t>Second level</a:t>
             </a:r>
+            <a:endParaRPr lang="en-US" smtClean="0"/>
           </a:p>
           <a:p>
             <a:pPr lvl="2"/>
@@ -8339,6 +8377,7 @@
               <a:rPr lang="en-US" smtClean="0"/>
               <a:t>Third level</a:t>
             </a:r>
+            <a:endParaRPr lang="en-US" smtClean="0"/>
           </a:p>
           <a:p>
             <a:pPr lvl="3"/>
@@ -8346,6 +8385,7 @@
               <a:rPr lang="en-US" smtClean="0"/>
               <a:t>Fourth level</a:t>
             </a:r>
+            <a:endParaRPr lang="en-US" smtClean="0"/>
           </a:p>
           <a:p>
             <a:pPr lvl="4"/>
@@ -8451,8 +8491,6 @@
           <a:p>
             <a:fld id="{774781DE-06DC-4BED-A6A2-EA6DC1FCA1B5}" type="datetime1">
               <a:rPr lang="en-US" smtClean="0"/>
-              <a:pPr/>
-              <a:t>11/28/2016</a:t>
             </a:fld>
             <a:endParaRPr lang="en-US"/>
           </a:p>
@@ -8513,8 +8551,6 @@
           <a:p>
             <a:fld id="{B544E3B2-2928-4D42-B57B-44FD8B34A466}" type="slidenum">
               <a:rPr lang="en-US"/>
-              <a:pPr/>
-              <a:t>‹#›</a:t>
             </a:fld>
             <a:endParaRPr lang="en-US"/>
           </a:p>
@@ -8739,8 +8775,6 @@
           <a:p>
             <a:fld id="{4EFBD287-52BE-4966-B318-DCDD8D070EF8}" type="datetime1">
               <a:rPr lang="en-US" smtClean="0"/>
-              <a:pPr/>
-              <a:t>11/28/2016</a:t>
             </a:fld>
             <a:endParaRPr lang="en-US"/>
           </a:p>
@@ -8801,8 +8835,6 @@
           <a:p>
             <a:fld id="{8119F520-AEB4-4F0B-9C40-0757721C7286}" type="slidenum">
               <a:rPr lang="en-US"/>
-              <a:pPr/>
-              <a:t>‹#›</a:t>
             </a:fld>
             <a:endParaRPr lang="en-US"/>
           </a:p>
@@ -8860,16 +8892,10 @@
           <a:ln w="9525">
             <a:noFill/>
             <a:miter lim="800000"/>
-            <a:headEnd/>
-            <a:tailEnd/>
           </a:ln>
         </p:spPr>
         <p:txBody>
-          <a:bodyPr vert="horz" wrap="square" lIns="91440" tIns="45720" rIns="91440" bIns="45720" numCol="1" anchor="ctr" anchorCtr="0" compatLnSpc="1">
-            <a:prstTxWarp prst="textNoShape">
-              <a:avLst/>
-            </a:prstTxWarp>
-          </a:bodyPr>
+          <a:bodyPr vert="horz" wrap="square" lIns="91440" tIns="45720" rIns="91440" bIns="45720" numCol="1" anchor="ctr" anchorCtr="0" compatLnSpc="1"/>
           <a:lstStyle/>
           <a:p>
             <a:pPr lvl="0"/>
@@ -8902,16 +8928,10 @@
           <a:ln w="9525">
             <a:noFill/>
             <a:miter lim="800000"/>
-            <a:headEnd/>
-            <a:tailEnd/>
           </a:ln>
         </p:spPr>
         <p:txBody>
-          <a:bodyPr vert="horz" wrap="square" lIns="91440" tIns="45720" rIns="91440" bIns="45720" numCol="1" anchor="t" anchorCtr="0" compatLnSpc="1">
-            <a:prstTxWarp prst="textNoShape">
-              <a:avLst/>
-            </a:prstTxWarp>
-          </a:bodyPr>
+          <a:bodyPr vert="horz" wrap="square" lIns="91440" tIns="45720" rIns="91440" bIns="45720" numCol="1" anchor="t" anchorCtr="0" compatLnSpc="1"/>
           <a:lstStyle/>
           <a:p>
             <a:pPr lvl="0"/>
@@ -8919,6 +8939,7 @@
               <a:rPr lang="en-US" dirty="0" smtClean="0"/>
               <a:t>Click to edit Master text styles</a:t>
             </a:r>
+            <a:endParaRPr lang="en-US" dirty="0" smtClean="0"/>
           </a:p>
           <a:p>
             <a:pPr lvl="1"/>
@@ -8926,6 +8947,7 @@
               <a:rPr lang="en-US" dirty="0" smtClean="0"/>
               <a:t>Second level</a:t>
             </a:r>
+            <a:endParaRPr lang="en-US" dirty="0" smtClean="0"/>
           </a:p>
           <a:p>
             <a:pPr lvl="2"/>
@@ -8933,6 +8955,7 @@
               <a:rPr lang="en-US" dirty="0" smtClean="0"/>
               <a:t>Third level</a:t>
             </a:r>
+            <a:endParaRPr lang="en-US" dirty="0" smtClean="0"/>
           </a:p>
           <a:p>
             <a:pPr lvl="3"/>
@@ -8940,6 +8963,7 @@
               <a:rPr lang="en-US" dirty="0" smtClean="0"/>
               <a:t>Fourth level</a:t>
             </a:r>
+            <a:endParaRPr lang="en-US" dirty="0" smtClean="0"/>
           </a:p>
           <a:p>
             <a:pPr lvl="4"/>
@@ -8970,11 +8994,7 @@
           </a:prstGeom>
         </p:spPr>
         <p:txBody>
-          <a:bodyPr vert="horz" wrap="square" lIns="91440" tIns="45720" rIns="91440" bIns="45720" numCol="1" anchor="ctr" anchorCtr="0" compatLnSpc="1">
-            <a:prstTxWarp prst="textNoShape">
-              <a:avLst/>
-            </a:prstTxWarp>
-          </a:bodyPr>
+          <a:bodyPr vert="horz" wrap="square" lIns="91440" tIns="45720" rIns="91440" bIns="45720" numCol="1" anchor="ctr" anchorCtr="0" compatLnSpc="1"/>
           <a:lstStyle>
             <a:lvl1pPr algn="ctr">
               <a:defRPr sz="1200">
@@ -8987,8 +9007,6 @@
           <a:p>
             <a:fld id="{BD020ED1-F291-4EFC-9D35-E81DFF8FFF73}" type="slidenum">
               <a:rPr lang="en-US" smtClean="0"/>
-              <a:pPr/>
-              <a:t>‹#›</a:t>
             </a:fld>
             <a:endParaRPr lang="en-US"/>
           </a:p>
@@ -9016,8 +9034,6 @@
               <a:srgbClr val="CE1126"/>
             </a:solidFill>
             <a:round/>
-            <a:headEnd/>
-            <a:tailEnd/>
           </a:ln>
           <a:effectLst/>
         </p:spPr>
@@ -9050,7 +9066,7 @@
           <p:nvPr/>
         </p:nvPicPr>
         <p:blipFill>
-          <a:blip r:embed="rId14"/>
+          <a:blip r:embed="rId13"/>
           <a:srcRect/>
           <a:stretch>
             <a:fillRect/>
@@ -9076,9 +9092,7 @@
       <p:sp>
         <p:nvSpPr>
           <p:cNvPr id="12" name="Footer Placeholder 4"/>
-          <p:cNvSpPr txBox="1">
-            <a:spLocks/>
-          </p:cNvSpPr>
+          <p:cNvSpPr txBox="1"/>
           <p:nvPr userDrawn="1"/>
         </p:nvSpPr>
         <p:spPr>
@@ -9108,7 +9122,6 @@
               <a:buSzTx/>
               <a:buFontTx/>
               <a:buNone/>
-              <a:tabLst/>
               <a:defRPr/>
             </a:pPr>
             <a:endParaRPr kumimoji="0" lang="en-US" sz="1000" b="0" i="0" u="none" strike="noStrike" kern="1200" cap="none" spc="0" normalizeH="0" baseline="0" noProof="0" dirty="0">
@@ -9123,7 +9136,7 @@
               <a:effectLst/>
               <a:uLnTx/>
               <a:uFillTx/>
-              <a:latin typeface="Arial" charset="0"/>
+              <a:latin typeface="Arial" panose="02080604020202020204" charset="0"/>
               <a:ea typeface="ＭＳ Ｐゴシック" charset="-128"/>
               <a:cs typeface="+mn-cs"/>
             </a:endParaRPr>
@@ -9133,9 +9146,7 @@
       <p:sp>
         <p:nvSpPr>
           <p:cNvPr id="8" name="Footer Placeholder 4"/>
-          <p:cNvSpPr txBox="1">
-            <a:spLocks/>
-          </p:cNvSpPr>
+          <p:cNvSpPr txBox="1"/>
           <p:nvPr userDrawn="1"/>
         </p:nvSpPr>
         <p:spPr>
@@ -9165,7 +9176,6 @@
               <a:buSzTx/>
               <a:buFontTx/>
               <a:buNone/>
-              <a:tabLst/>
               <a:defRPr/>
             </a:pPr>
             <a:r>
@@ -9181,7 +9191,7 @@
                 <a:effectLst/>
                 <a:uLnTx/>
                 <a:uFillTx/>
-                <a:latin typeface="Arial" charset="0"/>
+                <a:latin typeface="Arial" panose="02080604020202020204" charset="0"/>
                 <a:ea typeface="ＭＳ Ｐゴシック" charset="-128"/>
                 <a:cs typeface="+mn-cs"/>
               </a:rPr>
@@ -9199,7 +9209,7 @@
               <a:effectLst/>
               <a:uLnTx/>
               <a:uFillTx/>
-              <a:latin typeface="Arial" charset="0"/>
+              <a:latin typeface="Arial" panose="02080604020202020204" charset="0"/>
               <a:ea typeface="ＭＳ Ｐゴシック" charset="-128"/>
               <a:cs typeface="+mn-cs"/>
             </a:endParaRPr>
@@ -9221,7 +9231,7 @@
     <p:sldLayoutId id="2147483657" r:id="rId9"/>
     <p:sldLayoutId id="2147483658" r:id="rId10"/>
     <p:sldLayoutId id="2147483659" r:id="rId11"/>
-    <p:sldLayoutId id="2147483673" r:id="rId12"/>
+    <p:sldLayoutId id="2147483660" r:id="rId12"/>
   </p:sldLayoutIdLst>
   <p:timing>
     <p:tnLst>
@@ -9260,7 +9270,7 @@
           <a:solidFill>
             <a:schemeClr val="tx1"/>
           </a:solidFill>
-          <a:latin typeface="Arial" charset="0"/>
+          <a:latin typeface="Arial" panose="02080604020202020204" charset="0"/>
           <a:ea typeface="ＭＳ Ｐゴシック" charset="-128"/>
           <a:cs typeface="ＭＳ Ｐゴシック" charset="-128"/>
         </a:defRPr>
@@ -9276,7 +9286,7 @@
           <a:solidFill>
             <a:schemeClr val="tx1"/>
           </a:solidFill>
-          <a:latin typeface="Arial" charset="0"/>
+          <a:latin typeface="Arial" panose="02080604020202020204" charset="0"/>
           <a:ea typeface="ＭＳ Ｐゴシック" charset="-128"/>
           <a:cs typeface="ＭＳ Ｐゴシック" charset="-128"/>
         </a:defRPr>
@@ -9292,7 +9302,7 @@
           <a:solidFill>
             <a:schemeClr val="tx1"/>
           </a:solidFill>
-          <a:latin typeface="Arial" charset="0"/>
+          <a:latin typeface="Arial" panose="02080604020202020204" charset="0"/>
           <a:ea typeface="ＭＳ Ｐゴシック" charset="-128"/>
           <a:cs typeface="ＭＳ Ｐゴシック" charset="-128"/>
         </a:defRPr>
@@ -9308,7 +9318,7 @@
           <a:solidFill>
             <a:schemeClr val="tx1"/>
           </a:solidFill>
-          <a:latin typeface="Arial" charset="0"/>
+          <a:latin typeface="Arial" panose="02080604020202020204" charset="0"/>
           <a:ea typeface="ＭＳ Ｐゴシック" charset="-128"/>
           <a:cs typeface="ＭＳ Ｐゴシック" charset="-128"/>
         </a:defRPr>
@@ -9386,7 +9396,7 @@
         <a:spcAft>
           <a:spcPct val="0"/>
         </a:spcAft>
-        <a:buFont typeface="Arial" charset="0"/>
+        <a:buFont typeface="Arial" panose="02080604020202020204" charset="0"/>
         <a:buChar char="•"/>
         <a:defRPr sz="2800" kern="1200">
           <a:solidFill>
@@ -9404,7 +9414,7 @@
         <a:spcAft>
           <a:spcPct val="0"/>
         </a:spcAft>
-        <a:buFont typeface="Arial" charset="0"/>
+        <a:buFont typeface="Arial" panose="02080604020202020204" charset="0"/>
         <a:buChar char="–"/>
         <a:defRPr sz="2400" kern="1200">
           <a:solidFill>
@@ -9422,7 +9432,7 @@
         <a:spcAft>
           <a:spcPct val="0"/>
         </a:spcAft>
-        <a:buFont typeface="Arial" charset="0"/>
+        <a:buFont typeface="Arial" panose="02080604020202020204" charset="0"/>
         <a:buChar char="•"/>
         <a:defRPr sz="2000" kern="1200">
           <a:solidFill>
@@ -9440,7 +9450,7 @@
         <a:spcAft>
           <a:spcPct val="0"/>
         </a:spcAft>
-        <a:buFont typeface="Arial" charset="0"/>
+        <a:buFont typeface="Arial" panose="02080604020202020204" charset="0"/>
         <a:buChar char="–"/>
         <a:defRPr kern="1200">
           <a:solidFill>
@@ -9458,7 +9468,7 @@
         <a:spcAft>
           <a:spcPct val="0"/>
         </a:spcAft>
-        <a:buFont typeface="Arial" charset="0"/>
+        <a:buFont typeface="Arial" panose="02080604020202020204" charset="0"/>
         <a:buChar char="»"/>
         <a:defRPr kern="1200">
           <a:solidFill>
@@ -9816,9 +9826,7 @@
               </a:defRPr>
             </a:lvl9pPr>
           </a:lstStyle>
-          <a:p>
-            <a:endParaRPr/>
-          </a:p>
+          <a:p/>
         </p:txBody>
       </p:sp>
       <p:sp>
@@ -10028,9 +10036,7 @@
               </a:defRPr>
             </a:lvl9pPr>
           </a:lstStyle>
-          <a:p>
-            <a:endParaRPr/>
-          </a:p>
+          <a:p/>
         </p:txBody>
       </p:sp>
       <p:sp>
@@ -10071,7 +10077,7 @@
               </a:spcAft>
             </a:pPr>
             <a:fld id="{00000000-1234-1234-1234-123412341234}" type="slidenum">
-              <a:rPr lang="en" sz="1000" kern="0">
+              <a:rPr lang="en-GB" sz="1000" kern="0">
                 <a:solidFill>
                   <a:srgbClr val="595959"/>
                 </a:solidFill>
@@ -10079,17 +10085,8 @@
                 <a:cs typeface="Arial"/>
                 <a:sym typeface="Arial"/>
               </a:rPr>
-              <a:pPr algn="r" defTabSz="914400" fontAlgn="auto">
-                <a:spcBef>
-                  <a:spcPts val="0"/>
-                </a:spcBef>
-                <a:spcAft>
-                  <a:spcPts val="0"/>
-                </a:spcAft>
-              </a:pPr>
-              <a:t>‹#›</a:t>
             </a:fld>
-            <a:endParaRPr lang="en" sz="1000" kern="0">
+            <a:endParaRPr lang="en-GB" sz="1000" kern="0">
               <a:solidFill>
                 <a:srgbClr val="595959"/>
               </a:solidFill>
@@ -10101,26 +10098,21 @@
         </p:txBody>
       </p:sp>
     </p:spTree>
-    <p:extLst>
-      <p:ext uri="{BB962C8B-B14F-4D97-AF65-F5344CB8AC3E}">
-        <p14:creationId xmlns:p14="http://schemas.microsoft.com/office/powerpoint/2010/main" val="1197628006"/>
-      </p:ext>
-    </p:extLst>
   </p:cSld>
   <p:clrMap bg1="lt1" tx1="dk1" bg2="dk2" tx2="lt2" accent1="accent1" accent2="accent2" accent3="accent3" accent4="accent4" accent5="accent5" accent6="accent6" hlink="hlink" folHlink="folHlink"/>
   <p:sldLayoutIdLst>
-    <p:sldLayoutId id="2147483661" r:id="rId1"/>
-    <p:sldLayoutId id="2147483662" r:id="rId2"/>
-    <p:sldLayoutId id="2147483663" r:id="rId3"/>
-    <p:sldLayoutId id="2147483664" r:id="rId4"/>
-    <p:sldLayoutId id="2147483665" r:id="rId5"/>
-    <p:sldLayoutId id="2147483666" r:id="rId6"/>
-    <p:sldLayoutId id="2147483667" r:id="rId7"/>
-    <p:sldLayoutId id="2147483668" r:id="rId8"/>
-    <p:sldLayoutId id="2147483669" r:id="rId9"/>
-    <p:sldLayoutId id="2147483670" r:id="rId10"/>
-    <p:sldLayoutId id="2147483671" r:id="rId11"/>
-    <p:sldLayoutId id="2147483672" r:id="rId12"/>
+    <p:sldLayoutId id="2147483662" r:id="rId1"/>
+    <p:sldLayoutId id="2147483663" r:id="rId2"/>
+    <p:sldLayoutId id="2147483664" r:id="rId3"/>
+    <p:sldLayoutId id="2147483665" r:id="rId4"/>
+    <p:sldLayoutId id="2147483666" r:id="rId5"/>
+    <p:sldLayoutId id="2147483667" r:id="rId6"/>
+    <p:sldLayoutId id="2147483668" r:id="rId7"/>
+    <p:sldLayoutId id="2147483669" r:id="rId8"/>
+    <p:sldLayoutId id="2147483670" r:id="rId9"/>
+    <p:sldLayoutId id="2147483671" r:id="rId10"/>
+    <p:sldLayoutId id="2147483672" r:id="rId11"/>
+    <p:sldLayoutId id="2147483673" r:id="rId12"/>
   </p:sldLayoutIdLst>
   <p:hf sldNum="0" hdr="0" ftr="0" dt="0"/>
   <p:txStyles>
@@ -10592,7 +10584,7 @@
           <p:nvPr/>
         </p:nvPicPr>
         <p:blipFill>
-          <a:blip r:embed="rId3"/>
+          <a:blip r:embed="rId1"/>
           <a:srcRect/>
           <a:stretch>
             <a:fillRect/>
@@ -10895,8 +10887,6 @@
           <a:ln w="9525">
             <a:noFill/>
             <a:miter lim="800000"/>
-            <a:headEnd/>
-            <a:tailEnd/>
           </a:ln>
         </p:spPr>
         <p:txBody>
@@ -10929,7 +10919,7 @@
           <p:nvPr/>
         </p:nvPicPr>
         <p:blipFill>
-          <a:blip r:embed="rId4" cstate="print"/>
+          <a:blip r:embed="rId2" cstate="print"/>
           <a:srcRect/>
           <a:stretch>
             <a:fillRect/>
@@ -10972,8 +10962,6 @@
           <a:ln w="9525">
             <a:noFill/>
             <a:miter lim="800000"/>
-            <a:headEnd/>
-            <a:tailEnd/>
           </a:ln>
         </p:spPr>
         <p:txBody>
@@ -11007,8 +10995,6 @@
           <a:ln w="9525">
             <a:noFill/>
             <a:miter lim="800000"/>
-            <a:headEnd/>
-            <a:tailEnd/>
           </a:ln>
         </p:spPr>
         <p:txBody>
@@ -11039,7 +11025,7 @@
           <p:nvPr/>
         </p:nvPicPr>
         <p:blipFill>
-          <a:blip r:embed="rId5">
+          <a:blip r:embed="rId3">
             <a:lum bright="18000"/>
           </a:blip>
           <a:srcRect/>
@@ -11103,6 +11089,69 @@
       <p:pic>
         <p:nvPicPr>
           <p:cNvPr id="17" name="Picture 16" descr="logo size requirements"/>
+          <p:cNvPicPr/>
+          <p:nvPr/>
+        </p:nvPicPr>
+        <p:blipFill rotWithShape="1">
+          <a:blip r:embed="rId4">
+            <a:extLst>
+              <a:ext uri="{28A0092B-C50C-407E-A947-70E740481C1C}">
+                <a14:useLocalDpi xmlns:a14="http://schemas.microsoft.com/office/drawing/2010/main" val="0"/>
+              </a:ext>
+            </a:extLst>
+          </a:blip>
+          <a:srcRect l="32475" t="27241" r="30474" b="34433"/>
+          <a:stretch>
+            <a:fillRect/>
+          </a:stretch>
+        </p:blipFill>
+        <p:spPr bwMode="auto">
+          <a:xfrm>
+            <a:off x="4591840" y="5966037"/>
+            <a:ext cx="1337678" cy="491500"/>
+          </a:xfrm>
+          <a:prstGeom prst="rect">
+            <a:avLst/>
+          </a:prstGeom>
+          <a:noFill/>
+        </p:spPr>
+      </p:pic>
+      <p:pic>
+        <p:nvPicPr>
+          <p:cNvPr id="18" name="Picture 17" descr="http://connectivecorridor.syr.edu/wp-content/uploads/2012/04/SU-seal.jpg"/>
+          <p:cNvPicPr/>
+          <p:nvPr/>
+        </p:nvPicPr>
+        <p:blipFill rotWithShape="1">
+          <a:blip r:embed="rId5">
+            <a:extLst>
+              <a:ext uri="{28A0092B-C50C-407E-A947-70E740481C1C}">
+                <a14:useLocalDpi xmlns:a14="http://schemas.microsoft.com/office/drawing/2010/main" val="0"/>
+              </a:ext>
+            </a:extLst>
+          </a:blip>
+          <a:srcRect l="14062" t="5000" r="13750" b="-1"/>
+          <a:stretch>
+            <a:fillRect/>
+          </a:stretch>
+        </p:blipFill>
+        <p:spPr bwMode="auto">
+          <a:xfrm>
+            <a:off x="7682527" y="5777491"/>
+            <a:ext cx="779145" cy="769620"/>
+          </a:xfrm>
+          <a:prstGeom prst="rect">
+            <a:avLst/>
+          </a:prstGeom>
+          <a:noFill/>
+          <a:ln>
+            <a:noFill/>
+          </a:ln>
+        </p:spPr>
+      </p:pic>
+      <p:pic>
+        <p:nvPicPr>
+          <p:cNvPr id="21" name="Picture 20"/>
           <p:cNvPicPr/>
           <p:nvPr/>
         </p:nvPicPr>
@@ -11114,24 +11163,26 @@
               </a:ext>
             </a:extLst>
           </a:blip>
-          <a:srcRect l="32475" t="27241" r="30474" b="34433"/>
-          <a:stretch/>
+          <a:srcRect l="14629" t="-1238" r="47312" b="18417"/>
+          <a:stretch>
+            <a:fillRect/>
+          </a:stretch>
         </p:blipFill>
-        <p:spPr bwMode="auto">
-          <a:xfrm>
-            <a:off x="4591840" y="5966037"/>
-            <a:ext cx="1337678" cy="491500"/>
-          </a:xfrm>
-          <a:prstGeom prst="rect">
-            <a:avLst/>
-          </a:prstGeom>
-          <a:noFill/>
-          <a:extLst/>
+        <p:spPr>
+          <a:xfrm>
+            <a:off x="5920732" y="5964513"/>
+            <a:ext cx="1737360" cy="492125"/>
+          </a:xfrm>
+          <a:prstGeom prst="roundRect">
+            <a:avLst>
+              <a:gd name="adj" fmla="val 25954"/>
+            </a:avLst>
+          </a:prstGeom>
         </p:spPr>
       </p:pic>
       <p:pic>
         <p:nvPicPr>
-          <p:cNvPr id="18" name="Picture 17" descr="http://connectivecorridor.syr.edu/wp-content/uploads/2012/04/SU-seal.jpg"/>
+          <p:cNvPr id="22" name="Picture 21" descr="http://www.vanderbilt.edu/publicaffairs/cs/graphicstandards/images/vu06a_slim.gif"/>
           <p:cNvPicPr/>
           <p:nvPr/>
         </p:nvPicPr>
@@ -11143,76 +11194,13 @@
               </a:ext>
             </a:extLst>
           </a:blip>
-          <a:srcRect l="14062" t="5000" r="13750" b="-1"/>
-          <a:stretch/>
+          <a:srcRect t="18066" b="18375"/>
+          <a:stretch>
+            <a:fillRect/>
+          </a:stretch>
         </p:blipFill>
         <p:spPr bwMode="auto">
           <a:xfrm>
-            <a:off x="7682527" y="5777491"/>
-            <a:ext cx="779145" cy="769620"/>
-          </a:xfrm>
-          <a:prstGeom prst="rect">
-            <a:avLst/>
-          </a:prstGeom>
-          <a:noFill/>
-          <a:ln>
-            <a:noFill/>
-          </a:ln>
-          <a:extLst>
-            <a:ext uri="{53640926-AAD7-44D8-BBD7-CCE9431645EC}">
-              <a14:shadowObscured xmlns:a14="http://schemas.microsoft.com/office/drawing/2010/main"/>
-            </a:ext>
-          </a:extLst>
-        </p:spPr>
-      </p:pic>
-      <p:pic>
-        <p:nvPicPr>
-          <p:cNvPr id="21" name="Picture 20"/>
-          <p:cNvPicPr/>
-          <p:nvPr/>
-        </p:nvPicPr>
-        <p:blipFill rotWithShape="1">
-          <a:blip r:embed="rId8">
-            <a:extLst>
-              <a:ext uri="{28A0092B-C50C-407E-A947-70E740481C1C}">
-                <a14:useLocalDpi xmlns:a14="http://schemas.microsoft.com/office/drawing/2010/main" val="0"/>
-              </a:ext>
-            </a:extLst>
-          </a:blip>
-          <a:srcRect l="14629" t="-1238" r="47312" b="18417"/>
-          <a:stretch/>
-        </p:blipFill>
-        <p:spPr>
-          <a:xfrm>
-            <a:off x="5920732" y="5964513"/>
-            <a:ext cx="1737360" cy="492125"/>
-          </a:xfrm>
-          <a:prstGeom prst="roundRect">
-            <a:avLst>
-              <a:gd name="adj" fmla="val 25954"/>
-            </a:avLst>
-          </a:prstGeom>
-        </p:spPr>
-      </p:pic>
-      <p:pic>
-        <p:nvPicPr>
-          <p:cNvPr id="22" name="Picture 21" descr="http://www.vanderbilt.edu/publicaffairs/cs/graphicstandards/images/vu06a_slim.gif"/>
-          <p:cNvPicPr/>
-          <p:nvPr/>
-        </p:nvPicPr>
-        <p:blipFill rotWithShape="1">
-          <a:blip r:embed="rId9">
-            <a:extLst>
-              <a:ext uri="{28A0092B-C50C-407E-A947-70E740481C1C}">
-                <a14:useLocalDpi xmlns:a14="http://schemas.microsoft.com/office/drawing/2010/main" val="0"/>
-              </a:ext>
-            </a:extLst>
-          </a:blip>
-          <a:srcRect t="18066" b="18375"/>
-          <a:stretch/>
-        </p:blipFill>
-        <p:spPr bwMode="auto">
-          <a:xfrm>
             <a:off x="8486107" y="5896896"/>
             <a:ext cx="657893" cy="655320"/>
           </a:xfrm>
@@ -11220,7 +11208,6 @@
             <a:avLst/>
           </a:prstGeom>
           <a:noFill/>
-          <a:extLst/>
         </p:spPr>
       </p:pic>
     </p:spTree>
@@ -11262,9 +11249,7 @@
           <p:nvPr/>
         </p:nvPicPr>
         <p:blipFill>
-          <a:blip r:embed="rId3">
-            <a:alphaModFix/>
-          </a:blip>
+          <a:blip r:embed="rId1"/>
           <a:stretch>
             <a:fillRect/>
           </a:stretch>
@@ -11290,9 +11275,7 @@
           <p:nvPr/>
         </p:nvPicPr>
         <p:blipFill>
-          <a:blip r:embed="rId4">
-            <a:alphaModFix/>
-          </a:blip>
+          <a:blip r:embed="rId2"/>
           <a:stretch>
             <a:fillRect/>
           </a:stretch>
@@ -11350,7 +11333,7 @@
               </a:spcAft>
             </a:pPr>
             <a:r>
-              <a:rPr lang="en" sz="1400" b="1" kern="0">
+              <a:rPr lang="en-GB" sz="1400" b="1" kern="0">
                 <a:solidFill>
                   <a:srgbClr val="EFEFEF"/>
                 </a:solidFill>
@@ -11360,6 +11343,14 @@
               </a:rPr>
               <a:t>IMMoRTALS : Model Evolution System : Phases 2 &amp; 3</a:t>
             </a:r>
+            <a:endParaRPr lang="en-GB" sz="1400" b="1" kern="0">
+              <a:solidFill>
+                <a:srgbClr val="EFEFEF"/>
+              </a:solidFill>
+              <a:latin typeface="Arial"/>
+              <a:cs typeface="Arial"/>
+              <a:sym typeface="Arial"/>
+            </a:endParaRPr>
           </a:p>
           <a:p>
             <a:pPr algn="ctr" defTabSz="914400" fontAlgn="auto">
@@ -11374,7 +11365,7 @@
               </a:spcAft>
             </a:pPr>
             <a:r>
-              <a:rPr lang="en" sz="1100" kern="0">
+              <a:rPr lang="en-GB" sz="1100" kern="0">
                 <a:solidFill>
                   <a:srgbClr val="EFEFEF"/>
                 </a:solidFill>
@@ -11384,6 +11375,14 @@
               </a:rPr>
               <a:t>Doug Schmidt, Fred Eisele</a:t>
             </a:r>
+            <a:endParaRPr lang="en-GB" sz="1100" kern="0">
+              <a:solidFill>
+                <a:srgbClr val="EFEFEF"/>
+              </a:solidFill>
+              <a:latin typeface="Arial"/>
+              <a:cs typeface="Arial"/>
+              <a:sym typeface="Arial"/>
+            </a:endParaRPr>
           </a:p>
           <a:p>
             <a:pPr algn="ctr" defTabSz="914400" fontAlgn="auto">
@@ -11398,7 +11397,7 @@
               </a:spcAft>
             </a:pPr>
             <a:r>
-              <a:rPr lang="en" sz="1100" kern="0">
+              <a:rPr lang="en-GB" sz="1100" kern="0">
                 <a:solidFill>
                   <a:srgbClr val="EFEFEF"/>
                 </a:solidFill>
@@ -11450,7 +11449,7 @@
               </a:spcAft>
             </a:pPr>
             <a:r>
-              <a:rPr lang="en" sz="1100" b="1" kern="0">
+              <a:rPr lang="en-GB" sz="1100" b="1" kern="0">
                 <a:solidFill>
                   <a:srgbClr val="EFEFEF"/>
                 </a:solidFill>
@@ -11528,7 +11527,7 @@
               </a:spcAft>
             </a:pPr>
             <a:r>
-              <a:rPr lang="en" sz="1100" b="1" kern="0">
+              <a:rPr lang="en-GB" sz="1100" b="1" kern="0">
                 <a:solidFill>
                   <a:srgbClr val="EFEFEF"/>
                 </a:solidFill>
@@ -11580,7 +11579,7 @@
               </a:spcAft>
             </a:pPr>
             <a:r>
-              <a:rPr lang="en" sz="1100" b="1" kern="0">
+              <a:rPr lang="en-GB" sz="1100" b="1" kern="0">
                 <a:solidFill>
                   <a:srgbClr val="EFEFEF"/>
                 </a:solidFill>
@@ -11627,7 +11626,7 @@
               </a:spcAft>
             </a:pPr>
             <a:r>
-              <a:rPr lang="en" sz="1000" b="1" kern="0">
+              <a:rPr lang="en-GB" sz="1000" b="1" kern="0">
                 <a:solidFill>
                   <a:srgbClr val="000000"/>
                 </a:solidFill>
@@ -11677,7 +11676,7 @@
               </a:spcAft>
             </a:pPr>
             <a:r>
-              <a:rPr lang="en" sz="800" kern="0">
+              <a:rPr lang="en-GB" sz="800" kern="0">
                 <a:solidFill>
                   <a:srgbClr val="980000"/>
                 </a:solidFill>
@@ -11687,6 +11686,14 @@
               </a:rPr>
               <a:t>Adapt the System in response to Environmental Changes</a:t>
             </a:r>
+            <a:endParaRPr lang="en-GB" sz="800" kern="0">
+              <a:solidFill>
+                <a:srgbClr val="980000"/>
+              </a:solidFill>
+              <a:latin typeface="Arial"/>
+              <a:cs typeface="Arial"/>
+              <a:sym typeface="Arial"/>
+            </a:endParaRPr>
           </a:p>
           <a:p>
             <a:pPr marL="114300" defTabSz="914400" fontAlgn="auto">
@@ -11701,7 +11708,7 @@
               </a:spcAft>
             </a:pPr>
             <a:r>
-              <a:rPr lang="en" sz="800" kern="0">
+              <a:rPr lang="en-GB" sz="800" kern="0">
                 <a:solidFill>
                   <a:srgbClr val="000000"/>
                 </a:solidFill>
@@ -11711,6 +11718,14 @@
               </a:rPr>
               <a:t>How coordinate software mutation due to changes in hardware resource availability?</a:t>
             </a:r>
+            <a:endParaRPr lang="en-GB" sz="800" kern="0">
+              <a:solidFill>
+                <a:srgbClr val="000000"/>
+              </a:solidFill>
+              <a:latin typeface="Arial"/>
+              <a:cs typeface="Arial"/>
+              <a:sym typeface="Arial"/>
+            </a:endParaRPr>
           </a:p>
           <a:p>
             <a:pPr defTabSz="914400" fontAlgn="auto">
@@ -11725,7 +11740,7 @@
               </a:spcAft>
             </a:pPr>
             <a:r>
-              <a:rPr lang="en" sz="800" kern="0">
+              <a:rPr lang="en-GB" sz="800" kern="0">
                 <a:solidFill>
                   <a:srgbClr val="980000"/>
                 </a:solidFill>
@@ -11735,6 +11750,14 @@
               </a:rPr>
               <a:t>Impact Analysis across Modeled Systems</a:t>
             </a:r>
+            <a:endParaRPr lang="en-GB" sz="800" kern="0">
+              <a:solidFill>
+                <a:srgbClr val="980000"/>
+              </a:solidFill>
+              <a:latin typeface="Arial"/>
+              <a:cs typeface="Arial"/>
+              <a:sym typeface="Arial"/>
+            </a:endParaRPr>
           </a:p>
           <a:p>
             <a:pPr marL="114300" defTabSz="914400" fontAlgn="auto">
@@ -11749,7 +11772,7 @@
               </a:spcAft>
             </a:pPr>
             <a:r>
-              <a:rPr lang="en" sz="800" kern="0">
+              <a:rPr lang="en-GB" sz="800" kern="0">
                 <a:solidFill>
                   <a:srgbClr val="000000"/>
                 </a:solidFill>
@@ -11759,6 +11782,14 @@
               </a:rPr>
               <a:t>When the specified network bandwidth exceeds the actual bandwidth available, how to adapt?</a:t>
             </a:r>
+            <a:endParaRPr lang="en-GB" sz="800" kern="0">
+              <a:solidFill>
+                <a:srgbClr val="000000"/>
+              </a:solidFill>
+              <a:latin typeface="Arial"/>
+              <a:cs typeface="Arial"/>
+              <a:sym typeface="Arial"/>
+            </a:endParaRPr>
           </a:p>
           <a:p>
             <a:pPr marL="114300" defTabSz="914400" fontAlgn="auto">
@@ -11820,7 +11851,7 @@
               </a:spcAft>
             </a:pPr>
             <a:r>
-              <a:rPr lang="en" sz="800" kern="0">
+              <a:rPr lang="en-GB" sz="800" kern="0">
                 <a:solidFill>
                   <a:srgbClr val="980000"/>
                 </a:solidFill>
@@ -11830,6 +11861,14 @@
               </a:rPr>
               <a:t>Specification using Models and Ontological Graphs</a:t>
             </a:r>
+            <a:endParaRPr lang="en-GB" sz="800" kern="0">
+              <a:solidFill>
+                <a:srgbClr val="980000"/>
+              </a:solidFill>
+              <a:latin typeface="Arial"/>
+              <a:cs typeface="Arial"/>
+              <a:sym typeface="Arial"/>
+            </a:endParaRPr>
           </a:p>
           <a:p>
             <a:pPr marL="114300" defTabSz="914400" fontAlgn="auto">
@@ -11844,7 +11883,7 @@
               </a:spcAft>
             </a:pPr>
             <a:r>
-              <a:rPr lang="en" sz="800" kern="0">
+              <a:rPr lang="en-GB" sz="800" kern="0">
                 <a:solidFill>
                   <a:srgbClr val="000000"/>
                 </a:solidFill>
@@ -11854,6 +11893,14 @@
               </a:rPr>
               <a:t>Extensive traceability enabled by cross-cutting relationships.</a:t>
             </a:r>
+            <a:endParaRPr lang="en-GB" sz="800" kern="0">
+              <a:solidFill>
+                <a:srgbClr val="000000"/>
+              </a:solidFill>
+              <a:latin typeface="Arial"/>
+              <a:cs typeface="Arial"/>
+              <a:sym typeface="Arial"/>
+            </a:endParaRPr>
           </a:p>
           <a:p>
             <a:pPr marL="114300" defTabSz="914400" fontAlgn="auto">
@@ -11868,7 +11915,7 @@
               </a:spcAft>
             </a:pPr>
             <a:r>
-              <a:rPr lang="en" sz="800" kern="0">
+              <a:rPr lang="en-GB" sz="800" kern="0">
                 <a:solidFill>
                   <a:srgbClr val="000000"/>
                 </a:solidFill>
@@ -11878,6 +11925,14 @@
               </a:rPr>
               <a:t>Provide additional tooling using GME and other related tools.</a:t>
             </a:r>
+            <a:endParaRPr lang="en-GB" sz="800" kern="0">
+              <a:solidFill>
+                <a:srgbClr val="000000"/>
+              </a:solidFill>
+              <a:latin typeface="Arial"/>
+              <a:cs typeface="Arial"/>
+              <a:sym typeface="Arial"/>
+            </a:endParaRPr>
           </a:p>
           <a:p>
             <a:pPr defTabSz="914400" fontAlgn="auto">
@@ -11892,7 +11947,7 @@
               </a:spcAft>
             </a:pPr>
             <a:r>
-              <a:rPr lang="en" sz="800" kern="0">
+              <a:rPr lang="en-GB" sz="800" kern="0">
                 <a:solidFill>
                   <a:srgbClr val="980000"/>
                 </a:solidFill>
@@ -11902,6 +11957,14 @@
               </a:rPr>
               <a:t>Uniform Representation of Artifacts</a:t>
             </a:r>
+            <a:endParaRPr lang="en-GB" sz="800" kern="0">
+              <a:solidFill>
+                <a:srgbClr val="980000"/>
+              </a:solidFill>
+              <a:latin typeface="Arial"/>
+              <a:cs typeface="Arial"/>
+              <a:sym typeface="Arial"/>
+            </a:endParaRPr>
           </a:p>
           <a:p>
             <a:pPr marL="228600" indent="-165100" defTabSz="914400" fontAlgn="auto">
@@ -11922,7 +11985,7 @@
               <a:buChar char="●"/>
             </a:pPr>
             <a:r>
-              <a:rPr lang="en" sz="800" kern="0">
+              <a:rPr lang="en-GB" sz="800" kern="0">
                 <a:solidFill>
                   <a:srgbClr val="000000"/>
                 </a:solidFill>
@@ -11932,6 +11995,14 @@
               </a:rPr>
               <a:t>Timestamped immutable repository of system facts.</a:t>
             </a:r>
+            <a:endParaRPr lang="en-GB" sz="800" kern="0">
+              <a:solidFill>
+                <a:srgbClr val="000000"/>
+              </a:solidFill>
+              <a:latin typeface="Arial"/>
+              <a:cs typeface="Arial"/>
+              <a:sym typeface="Arial"/>
+            </a:endParaRPr>
           </a:p>
           <a:p>
             <a:pPr marL="228600" indent="-165100" defTabSz="914400" fontAlgn="auto">
@@ -11952,7 +12023,7 @@
               <a:buChar char="●"/>
             </a:pPr>
             <a:r>
-              <a:rPr lang="en" sz="800" kern="0">
+              <a:rPr lang="en-GB" sz="800" kern="0">
                 <a:solidFill>
                   <a:srgbClr val="000000"/>
                 </a:solidFill>
@@ -11962,6 +12033,14 @@
               </a:rPr>
               <a:t>Material views of traversable indexed artifacts.</a:t>
             </a:r>
+            <a:endParaRPr lang="en-GB" sz="800" kern="0">
+              <a:solidFill>
+                <a:srgbClr val="000000"/>
+              </a:solidFill>
+              <a:latin typeface="Arial"/>
+              <a:cs typeface="Arial"/>
+              <a:sym typeface="Arial"/>
+            </a:endParaRPr>
           </a:p>
           <a:p>
             <a:pPr marL="228600" indent="-165100" defTabSz="914400" fontAlgn="auto">
@@ -11982,7 +12061,7 @@
               <a:buChar char="●"/>
             </a:pPr>
             <a:r>
-              <a:rPr lang="en" sz="800" kern="0">
+              <a:rPr lang="en-GB" sz="800" kern="0">
                 <a:solidFill>
                   <a:srgbClr val="000000"/>
                 </a:solidFill>
@@ -11992,6 +12071,14 @@
               </a:rPr>
               <a:t>Graph based visualizations.</a:t>
             </a:r>
+            <a:endParaRPr lang="en-GB" sz="800" kern="0">
+              <a:solidFill>
+                <a:srgbClr val="000000"/>
+              </a:solidFill>
+              <a:latin typeface="Arial"/>
+              <a:cs typeface="Arial"/>
+              <a:sym typeface="Arial"/>
+            </a:endParaRPr>
           </a:p>
           <a:p>
             <a:pPr defTabSz="914400" fontAlgn="auto">
@@ -12006,7 +12093,7 @@
               </a:spcAft>
             </a:pPr>
             <a:r>
-              <a:rPr lang="en" sz="800" kern="0">
+              <a:rPr lang="en-GB" sz="800" kern="0">
                 <a:solidFill>
                   <a:srgbClr val="980000"/>
                 </a:solidFill>
@@ -12016,6 +12103,14 @@
               </a:rPr>
               <a:t>Reconcile Designed against Realized</a:t>
             </a:r>
+            <a:endParaRPr lang="en-GB" sz="800" kern="0">
+              <a:solidFill>
+                <a:srgbClr val="980000"/>
+              </a:solidFill>
+              <a:latin typeface="Arial"/>
+              <a:cs typeface="Arial"/>
+              <a:sym typeface="Arial"/>
+            </a:endParaRPr>
           </a:p>
           <a:p>
             <a:pPr marL="114300" defTabSz="914400" fontAlgn="auto">
@@ -12030,7 +12125,7 @@
               </a:spcAft>
             </a:pPr>
             <a:r>
-              <a:rPr lang="en" sz="800" kern="0">
+              <a:rPr lang="en-GB" sz="800" kern="0">
                 <a:solidFill>
                   <a:srgbClr val="000000"/>
                 </a:solidFill>
@@ -12040,6 +12135,14 @@
               </a:rPr>
               <a:t>Derived data retained in mega-model-graph for traceability and validation including runtime logging.</a:t>
             </a:r>
+            <a:endParaRPr lang="en-GB" sz="800" kern="0">
+              <a:solidFill>
+                <a:srgbClr val="000000"/>
+              </a:solidFill>
+              <a:latin typeface="Arial"/>
+              <a:cs typeface="Arial"/>
+              <a:sym typeface="Arial"/>
+            </a:endParaRPr>
           </a:p>
           <a:p>
             <a:pPr marL="114300" defTabSz="914400" fontAlgn="auto">
@@ -12184,7 +12287,7 @@
               </a:spcAft>
             </a:pPr>
             <a:r>
-              <a:rPr lang="en" sz="800" kern="0">
+              <a:rPr lang="en-GB" sz="800" kern="0">
                 <a:solidFill>
                   <a:srgbClr val="000000"/>
                 </a:solidFill>
@@ -12242,7 +12345,7 @@
               </a:spcAft>
             </a:pPr>
             <a:r>
-              <a:rPr lang="en" sz="800" kern="0">
+              <a:rPr lang="en-GB" sz="800" kern="0">
                 <a:solidFill>
                   <a:srgbClr val="000000"/>
                 </a:solidFill>
@@ -12297,7 +12400,7 @@
               </a:spcAft>
             </a:pPr>
             <a:r>
-              <a:rPr lang="en" sz="600" kern="0">
+              <a:rPr lang="en-GB" sz="600" kern="0">
                 <a:solidFill>
                   <a:srgbClr val="000000"/>
                 </a:solidFill>
@@ -12354,7 +12457,7 @@
               </a:spcAft>
             </a:pPr>
             <a:r>
-              <a:rPr lang="en" sz="800" kern="0">
+              <a:rPr lang="en-GB" sz="800" kern="0">
                 <a:solidFill>
                   <a:srgbClr val="000000"/>
                 </a:solidFill>
@@ -12411,7 +12514,7 @@
               </a:spcAft>
             </a:pPr>
             <a:r>
-              <a:rPr lang="en" sz="800" kern="0">
+              <a:rPr lang="en-GB" sz="800" kern="0" dirty="0">
                 <a:solidFill>
                   <a:srgbClr val="000000"/>
                 </a:solidFill>
@@ -12419,8 +12522,27 @@
                 <a:cs typeface="Arial"/>
                 <a:sym typeface="Arial"/>
               </a:rPr>
-              <a:t>Run Simulation</a:t>
-            </a:r>
+              <a:t>Run </a:t>
+            </a:r>
+            <a:r>
+              <a:rPr lang="en-GB" sz="800" kern="0" dirty="0" smtClean="0">
+                <a:solidFill>
+                  <a:srgbClr val="000000"/>
+                </a:solidFill>
+                <a:latin typeface="Arial"/>
+                <a:cs typeface="Arial"/>
+                <a:sym typeface="Arial"/>
+              </a:rPr>
+              <a:t>Scenario</a:t>
+            </a:r>
+            <a:endParaRPr lang="en-GB" sz="800" kern="0" dirty="0">
+              <a:solidFill>
+                <a:srgbClr val="000000"/>
+              </a:solidFill>
+              <a:latin typeface="Arial"/>
+              <a:cs typeface="Arial"/>
+              <a:sym typeface="Arial"/>
+            </a:endParaRPr>
           </a:p>
         </p:txBody>
       </p:sp>
@@ -12468,7 +12590,7 @@
               </a:spcAft>
             </a:pPr>
             <a:r>
-              <a:rPr lang="en" sz="800" kern="0">
+              <a:rPr lang="en-GB" sz="800" kern="0">
                 <a:solidFill>
                   <a:srgbClr val="000000"/>
                 </a:solidFill>
@@ -12618,7 +12740,7 @@
               </a:spcAft>
             </a:pPr>
             <a:r>
-              <a:rPr lang="en" sz="800" kern="0">
+              <a:rPr lang="en-GB" sz="800" kern="0">
                 <a:solidFill>
                   <a:srgbClr val="000000"/>
                 </a:solidFill>
@@ -12675,7 +12797,7 @@
               </a:spcAft>
             </a:pPr>
             <a:r>
-              <a:rPr lang="en" sz="800" kern="0">
+              <a:rPr lang="en-GB" sz="800" kern="0">
                 <a:solidFill>
                   <a:srgbClr val="000000"/>
                 </a:solidFill>
@@ -12752,14 +12874,14 @@
           <p:nvPr/>
         </p:nvCxnSpPr>
         <p:spPr>
-          <a:xfrm rot="10800000">
-            <a:off x="6945202" y="2970600"/>
-            <a:ext cx="629100" cy="639900"/>
+          <a:xfrm flipH="1" flipV="1">
+            <a:off x="6496274" y="2971352"/>
+            <a:ext cx="1078028" cy="639148"/>
           </a:xfrm>
           <a:prstGeom prst="curvedConnector4">
             <a:avLst>
-              <a:gd name="adj1" fmla="val -37852"/>
-              <a:gd name="adj2" fmla="val 60189"/>
+              <a:gd name="adj1" fmla="val -21205"/>
+              <a:gd name="adj2" fmla="val 60185"/>
             </a:avLst>
           </a:prstGeom>
           <a:noFill/>
@@ -12902,7 +13024,7 @@
         </p:nvSpPr>
         <p:spPr>
           <a:xfrm>
-            <a:off x="6428490" y="2783320"/>
+            <a:off x="5979675" y="2783941"/>
             <a:ext cx="1033197" cy="187411"/>
           </a:xfrm>
           <a:prstGeom prst="flowChartOnlineStorage">
@@ -12934,7 +13056,7 @@
               </a:spcAft>
             </a:pPr>
             <a:r>
-              <a:rPr lang="en" sz="600" kern="0">
+              <a:rPr lang="en-GB" sz="600" kern="0" dirty="0">
                 <a:solidFill>
                   <a:srgbClr val="000000"/>
                 </a:solidFill>
@@ -12942,8 +13064,27 @@
                 <a:cs typeface="Arial"/>
                 <a:sym typeface="Arial"/>
               </a:rPr>
-              <a:t>Next Scenario</a:t>
-            </a:r>
+              <a:t>Next </a:t>
+            </a:r>
+            <a:r>
+              <a:rPr lang="en-GB" sz="600" kern="0" dirty="0" smtClean="0">
+                <a:solidFill>
+                  <a:srgbClr val="000000"/>
+                </a:solidFill>
+                <a:latin typeface="Arial"/>
+                <a:cs typeface="Arial"/>
+                <a:sym typeface="Arial"/>
+              </a:rPr>
+              <a:t>Scenario</a:t>
+            </a:r>
+            <a:endParaRPr lang="en-GB" sz="600" kern="0" dirty="0">
+              <a:solidFill>
+                <a:srgbClr val="000000"/>
+              </a:solidFill>
+              <a:latin typeface="Arial"/>
+              <a:cs typeface="Arial"/>
+              <a:sym typeface="Arial"/>
+            </a:endParaRPr>
           </a:p>
         </p:txBody>
       </p:sp>
@@ -12952,18 +13093,18 @@
           <p:cNvPr id="201" name="Shape 201"/>
           <p:cNvCxnSpPr>
             <a:stCxn id="190" idx="0"/>
-            <a:endCxn id="194" idx="3"/>
+            <a:endCxn id="87" idx="3"/>
           </p:cNvCxnSpPr>
           <p:nvPr/>
         </p:nvCxnSpPr>
         <p:spPr>
-          <a:xfrm rot="10800000">
-            <a:off x="7289461" y="2877046"/>
-            <a:ext cx="1093800" cy="433200"/>
+          <a:xfrm flipH="1" flipV="1">
+            <a:off x="7959313" y="2890736"/>
+            <a:ext cx="423948" cy="419510"/>
           </a:xfrm>
           <a:prstGeom prst="curvedConnector3">
             <a:avLst>
-              <a:gd name="adj1" fmla="val -21770"/>
+              <a:gd name="adj1" fmla="val -53922"/>
             </a:avLst>
           </a:prstGeom>
           <a:noFill/>
@@ -13020,7 +13161,7 @@
               </a:spcAft>
             </a:pPr>
             <a:r>
-              <a:rPr lang="en" sz="600" kern="0">
+              <a:rPr lang="en-GB" sz="600" kern="0">
                 <a:solidFill>
                   <a:srgbClr val="000000"/>
                 </a:solidFill>
@@ -13043,13 +13184,13 @@
           <p:nvPr/>
         </p:nvCxnSpPr>
         <p:spPr>
-          <a:xfrm flipH="1">
-            <a:off x="5640390" y="2877026"/>
-            <a:ext cx="788100" cy="600"/>
+          <a:xfrm rot="10800000">
+            <a:off x="5640377" y="2877027"/>
+            <a:ext cx="339298" cy="621"/>
           </a:xfrm>
           <a:prstGeom prst="curvedConnector3">
             <a:avLst>
-              <a:gd name="adj1" fmla="val 41355"/>
+              <a:gd name="adj1" fmla="val 50000"/>
             </a:avLst>
           </a:prstGeom>
           <a:noFill/>
@@ -13104,7 +13245,7 @@
               </a:spcAft>
             </a:pPr>
             <a:r>
-              <a:rPr lang="en" sz="600" kern="0">
+              <a:rPr lang="en-GB" sz="600" kern="0">
                 <a:solidFill>
                   <a:srgbClr val="000000"/>
                 </a:solidFill>
@@ -13161,7 +13302,7 @@
               </a:spcAft>
             </a:pPr>
             <a:r>
-              <a:rPr lang="en" sz="800" kern="0">
+              <a:rPr lang="en-GB" sz="800" kern="0">
                 <a:solidFill>
                   <a:srgbClr val="000000"/>
                 </a:solidFill>
@@ -13218,7 +13359,7 @@
               </a:spcAft>
             </a:pPr>
             <a:r>
-              <a:rPr lang="en" sz="800" kern="0">
+              <a:rPr lang="en-GB" sz="800" kern="0">
                 <a:solidFill>
                   <a:srgbClr val="000000"/>
                 </a:solidFill>
@@ -13273,7 +13414,7 @@
               </a:spcAft>
             </a:pPr>
             <a:r>
-              <a:rPr lang="en" sz="600" kern="0">
+              <a:rPr lang="en-GB" sz="600" kern="0">
                 <a:solidFill>
                   <a:srgbClr val="000000"/>
                 </a:solidFill>
@@ -13330,7 +13471,7 @@
               </a:spcAft>
             </a:pPr>
             <a:r>
-              <a:rPr lang="en" sz="800" kern="0">
+              <a:rPr lang="en-GB" sz="800" kern="0">
                 <a:solidFill>
                   <a:srgbClr val="000000"/>
                 </a:solidFill>
@@ -13387,7 +13528,7 @@
               </a:spcAft>
             </a:pPr>
             <a:r>
-              <a:rPr lang="en" sz="800" kern="0">
+              <a:rPr lang="en-GB" sz="800" kern="0">
                 <a:solidFill>
                   <a:srgbClr val="000000"/>
                 </a:solidFill>
@@ -13529,7 +13670,7 @@
               </a:spcAft>
             </a:pPr>
             <a:r>
-              <a:rPr lang="en" sz="600" kern="0">
+              <a:rPr lang="en-GB" sz="600" kern="0">
                 <a:solidFill>
                   <a:srgbClr val="000000"/>
                 </a:solidFill>
@@ -13617,7 +13758,7 @@
               </a:spcAft>
             </a:pPr>
             <a:r>
-              <a:rPr lang="en" sz="800" kern="0">
+              <a:rPr lang="en-GB" sz="800" kern="0">
                 <a:solidFill>
                   <a:srgbClr val="000000"/>
                 </a:solidFill>
@@ -13758,7 +13899,7 @@
               </a:spcAft>
             </a:pPr>
             <a:r>
-              <a:rPr lang="en" sz="1100" b="1" kern="0">
+              <a:rPr lang="en-GB" sz="1100" b="1" kern="0">
                 <a:solidFill>
                   <a:srgbClr val="EFEFEF"/>
                 </a:solidFill>
@@ -13815,7 +13956,7 @@
               </a:spcAft>
             </a:pPr>
             <a:r>
-              <a:rPr lang="en" sz="800" kern="0">
+              <a:rPr lang="en-GB" sz="800" kern="0">
                 <a:solidFill>
                   <a:srgbClr val="000000"/>
                 </a:solidFill>
@@ -13983,7 +14124,7 @@
               </a:spcAft>
             </a:pPr>
             <a:r>
-              <a:rPr lang="en" sz="600" kern="0">
+              <a:rPr lang="en-GB" sz="600" kern="0">
                 <a:solidFill>
                   <a:srgbClr val="000000"/>
                 </a:solidFill>
@@ -14040,7 +14181,7 @@
               </a:spcAft>
             </a:pPr>
             <a:r>
-              <a:rPr lang="en" sz="800" kern="0">
+              <a:rPr lang="en-GB" sz="800" kern="0">
                 <a:solidFill>
                   <a:srgbClr val="000000"/>
                 </a:solidFill>
@@ -14121,7 +14262,7 @@
               </a:spcAft>
             </a:pPr>
             <a:r>
-              <a:rPr lang="en" sz="1100" b="1" kern="0">
+              <a:rPr lang="en-GB" sz="1100" b="1" kern="0">
                 <a:solidFill>
                   <a:srgbClr val="EFEFEF"/>
                 </a:solidFill>
@@ -14174,7 +14315,7 @@
               </a:spcAft>
             </a:pPr>
             <a:r>
-              <a:rPr lang="en" sz="600" kern="0">
+              <a:rPr lang="en-GB" sz="600" kern="0">
                 <a:solidFill>
                   <a:srgbClr val="000000"/>
                 </a:solidFill>
@@ -14227,7 +14368,7 @@
               </a:spcAft>
             </a:pPr>
             <a:r>
-              <a:rPr lang="en" sz="600" kern="0">
+              <a:rPr lang="en-GB" sz="600" kern="0">
                 <a:solidFill>
                   <a:srgbClr val="000000"/>
                 </a:solidFill>
@@ -14313,7 +14454,7 @@
               </a:spcAft>
             </a:pPr>
             <a:r>
-              <a:rPr lang="en" sz="800" kern="0">
+              <a:rPr lang="en-GB" sz="800" kern="0">
                 <a:solidFill>
                   <a:srgbClr val="000000"/>
                 </a:solidFill>
@@ -14429,7 +14570,7 @@
               </a:spcAft>
             </a:pPr>
             <a:r>
-              <a:rPr lang="en" sz="800" kern="0">
+              <a:rPr lang="en-GB" sz="800" kern="0">
                 <a:solidFill>
                   <a:srgbClr val="000000"/>
                 </a:solidFill>
@@ -14518,7 +14659,7 @@
               </a:spcAft>
             </a:pPr>
             <a:r>
-              <a:rPr lang="en" sz="800" kern="0">
+              <a:rPr lang="en-GB" sz="800" kern="0">
                 <a:solidFill>
                   <a:srgbClr val="000000"/>
                 </a:solidFill>
@@ -14575,7 +14716,7 @@
               </a:spcAft>
             </a:pPr>
             <a:r>
-              <a:rPr lang="en" sz="800" kern="0">
+              <a:rPr lang="en-GB" sz="800" kern="0">
                 <a:solidFill>
                   <a:srgbClr val="000000"/>
                 </a:solidFill>
@@ -14770,7 +14911,7 @@
               </a:spcAft>
             </a:pPr>
             <a:r>
-              <a:rPr lang="en" sz="600" kern="0">
+              <a:rPr lang="en-GB" sz="600" kern="0">
                 <a:solidFill>
                   <a:srgbClr val="000000"/>
                 </a:solidFill>
@@ -14825,7 +14966,7 @@
               </a:spcAft>
             </a:pPr>
             <a:r>
-              <a:rPr lang="en" sz="600" kern="0">
+              <a:rPr lang="en-GB" sz="600" kern="0">
                 <a:solidFill>
                   <a:srgbClr val="000000"/>
                 </a:solidFill>
@@ -14882,7 +15023,7 @@
               </a:spcAft>
             </a:pPr>
             <a:r>
-              <a:rPr lang="en" sz="800" kern="0">
+              <a:rPr lang="en-GB" sz="800" kern="0">
                 <a:solidFill>
                   <a:srgbClr val="000000"/>
                 </a:solidFill>
@@ -14963,7 +15104,7 @@
               </a:spcAft>
             </a:pPr>
             <a:r>
-              <a:rPr lang="en" sz="1100" b="1" kern="0">
+              <a:rPr lang="en-GB" sz="1100" b="1" kern="0">
                 <a:solidFill>
                   <a:srgbClr val="EFEFEF"/>
                 </a:solidFill>
@@ -15049,7 +15190,7 @@
               </a:spcAft>
             </a:pPr>
             <a:r>
-              <a:rPr lang="en" sz="800" kern="0">
+              <a:rPr lang="en-GB" sz="800" kern="0">
                 <a:solidFill>
                   <a:srgbClr val="000000"/>
                 </a:solidFill>
@@ -15104,7 +15245,7 @@
               </a:spcAft>
             </a:pPr>
             <a:r>
-              <a:rPr lang="en" sz="600" kern="0">
+              <a:rPr lang="en-GB" sz="600" kern="0">
                 <a:solidFill>
                   <a:srgbClr val="000000"/>
                 </a:solidFill>
@@ -15186,7 +15327,7 @@
               </a:spcAft>
             </a:pPr>
             <a:r>
-              <a:rPr lang="en" sz="600" kern="0">
+              <a:rPr lang="en-GB" sz="600" kern="0">
                 <a:solidFill>
                   <a:srgbClr val="000000"/>
                 </a:solidFill>
@@ -15273,7 +15414,7 @@
               </a:spcAft>
             </a:pPr>
             <a:r>
-              <a:rPr lang="en" sz="800" kern="0">
+              <a:rPr lang="en-GB" sz="800" kern="0">
                 <a:solidFill>
                   <a:srgbClr val="000000"/>
                 </a:solidFill>
@@ -15360,7 +15501,7 @@
               </a:spcAft>
             </a:pPr>
             <a:r>
-              <a:rPr lang="en" sz="800" kern="0">
+              <a:rPr lang="en-GB" sz="800" kern="0">
                 <a:solidFill>
                   <a:srgbClr val="000000"/>
                 </a:solidFill>
@@ -15402,16 +15543,90 @@
           </a:ln>
         </p:spPr>
       </p:cxnSp>
+      <p:sp>
+        <p:nvSpPr>
+          <p:cNvPr id="87" name="Shape 194"/>
+          <p:cNvSpPr/>
+          <p:nvPr/>
+        </p:nvSpPr>
+        <p:spPr>
+          <a:xfrm>
+            <a:off x="7098315" y="2797030"/>
+            <a:ext cx="1033197" cy="187411"/>
+          </a:xfrm>
+          <a:prstGeom prst="flowChartOnlineStorage">
+            <a:avLst/>
+          </a:prstGeom>
+          <a:noFill/>
+          <a:ln w="9525" cap="flat" cmpd="sng">
+            <a:solidFill>
+              <a:srgbClr val="9E9E9E"/>
+            </a:solidFill>
+            <a:prstDash val="dash"/>
+            <a:round/>
+            <a:headEnd type="none" w="med" len="med"/>
+            <a:tailEnd type="none" w="med" len="med"/>
+          </a:ln>
+        </p:spPr>
+        <p:txBody>
+          <a:bodyPr lIns="91425" tIns="91425" rIns="91425" bIns="91425" anchor="ctr" anchorCtr="0">
+            <a:noAutofit/>
+          </a:bodyPr>
+          <a:lstStyle/>
+          <a:p>
+            <a:pPr defTabSz="914400" fontAlgn="auto">
+              <a:spcBef>
+                <a:spcPts val="0"/>
+              </a:spcBef>
+              <a:spcAft>
+                <a:spcPts val="0"/>
+              </a:spcAft>
+            </a:pPr>
+            <a:r>
+              <a:rPr lang="en-GB" sz="600" kern="0" dirty="0">
+                <a:solidFill>
+                  <a:srgbClr val="000000"/>
+                </a:solidFill>
+                <a:latin typeface="Arial"/>
+                <a:cs typeface="Arial"/>
+                <a:sym typeface="Arial"/>
+              </a:rPr>
+              <a:t>Next </a:t>
+            </a:r>
+            <a:r>
+              <a:rPr lang="en-GB" sz="600" kern="0" dirty="0" smtClean="0">
+                <a:solidFill>
+                  <a:srgbClr val="000000"/>
+                </a:solidFill>
+                <a:latin typeface="Arial"/>
+                <a:cs typeface="Arial"/>
+                <a:sym typeface="Arial"/>
+              </a:rPr>
+              <a:t>Scenario</a:t>
+            </a:r>
+            <a:endParaRPr lang="en-GB" sz="600" kern="0" dirty="0">
+              <a:solidFill>
+                <a:srgbClr val="000000"/>
+              </a:solidFill>
+              <a:latin typeface="Arial"/>
+              <a:cs typeface="Arial"/>
+              <a:sym typeface="Arial"/>
+            </a:endParaRPr>
+          </a:p>
+        </p:txBody>
+      </p:sp>
     </p:spTree>
-    <p:extLst>
-      <p:ext uri="{BB962C8B-B14F-4D97-AF65-F5344CB8AC3E}">
-        <p14:creationId xmlns:p14="http://schemas.microsoft.com/office/powerpoint/2010/main" val="2469372581"/>
-      </p:ext>
-    </p:extLst>
   </p:cSld>
   <p:clrMapOvr>
     <a:masterClrMapping/>
   </p:clrMapOvr>
+  <p:timing>
+    <p:tnLst>
+      <p:par>
+        <p:cTn id="1" dur="indefinite" restart="never" nodeType="tmRoot"/>
+      </p:par>
+    </p:tnLst>
+  </p:timing>
 </p:sld>
 </file>
 
@@ -15475,15 +15690,17 @@
         </p:txBody>
       </p:sp>
     </p:spTree>
-    <p:extLst>
-      <p:ext uri="{BB962C8B-B14F-4D97-AF65-F5344CB8AC3E}">
-        <p14:creationId xmlns:p14="http://schemas.microsoft.com/office/powerpoint/2010/main" val="2701646747"/>
-      </p:ext>
-    </p:extLst>
   </p:cSld>
   <p:clrMapOvr>
     <a:masterClrMapping/>
   </p:clrMapOvr>
+  <p:timing>
+    <p:tnLst>
+      <p:par>
+        <p:cTn id="1" dur="indefinite" restart="never" nodeType="tmRoot"/>
+      </p:par>
+    </p:tnLst>
+  </p:timing>
 </p:sld>
 </file>
 
@@ -15525,15 +15742,12 @@
         </p:spPr>
         <p:txBody>
           <a:bodyPr vert="horz" wrap="square" lIns="91425" tIns="91425" rIns="91425" bIns="91425" numCol="1" anchor="b" anchorCtr="0" compatLnSpc="1">
-            <a:prstTxWarp prst="textNoShape">
-              <a:avLst/>
-            </a:prstTxWarp>
             <a:noAutofit/>
           </a:bodyPr>
           <a:lstStyle/>
           <a:p>
             <a:r>
-              <a:rPr lang="en"/>
+              <a:rPr lang="en-GB"/>
               <a:t>Automatic Resource Usage Inference</a:t>
             </a:r>
           </a:p>
@@ -15560,9 +15774,6 @@
         </p:spPr>
         <p:txBody>
           <a:bodyPr vert="horz" wrap="square" lIns="91425" tIns="91425" rIns="91425" bIns="91425" numCol="1" anchor="t" anchorCtr="0" compatLnSpc="1">
-            <a:prstTxWarp prst="textNoShape">
-              <a:avLst/>
-            </a:prstTxWarp>
             <a:noAutofit/>
           </a:bodyPr>
           <a:lstStyle/>
@@ -15573,21 +15784,22 @@
               </a:spcAft>
             </a:pPr>
             <a:r>
-              <a:rPr lang="en" sz="2000" dirty="0"/>
+              <a:rPr lang="en-GB" sz="2000" dirty="0"/>
               <a:t>Automatic resource </a:t>
             </a:r>
             <a:r>
-              <a:rPr lang="en" sz="2000" dirty="0" smtClean="0"/>
+              <a:rPr lang="en-GB" sz="2000" dirty="0" smtClean="0"/>
               <a:t>usage </a:t>
             </a:r>
             <a:r>
-              <a:rPr lang="en" sz="2000" dirty="0"/>
+              <a:rPr lang="en-GB" sz="2000" dirty="0"/>
               <a:t>inference is developed for </a:t>
             </a:r>
             <a:r>
-              <a:rPr lang="en" sz="2000" dirty="0" smtClean="0"/>
+              <a:rPr lang="en-GB" sz="2000" dirty="0" smtClean="0"/>
               <a:t>BRASS</a:t>
             </a:r>
+            <a:endParaRPr lang="en-GB" sz="2000" dirty="0" smtClean="0"/>
           </a:p>
           <a:p>
             <a:pPr marL="857250" lvl="1" indent="-228600">
@@ -15596,10 +15808,10 @@
               </a:spcAft>
             </a:pPr>
             <a:r>
-              <a:rPr lang="en" sz="1600" dirty="0" smtClean="0"/>
+              <a:rPr lang="en-GB" sz="1600" dirty="0" smtClean="0"/>
               <a:t>Both dependency as well as consumption </a:t>
             </a:r>
-            <a:endParaRPr lang="en" sz="1600" dirty="0"/>
+            <a:endParaRPr lang="en-GB" sz="1600" dirty="0"/>
           </a:p>
           <a:p>
             <a:pPr marL="457200" indent="-228600">
@@ -15608,14 +15820,14 @@
               </a:spcAft>
             </a:pPr>
             <a:r>
-              <a:rPr lang="en" sz="2000" dirty="0"/>
+              <a:rPr lang="en-GB" sz="2000" dirty="0"/>
               <a:t>We leverage dynamic and static program analysis for this </a:t>
             </a:r>
             <a:r>
-              <a:rPr lang="en" sz="2000" dirty="0" smtClean="0"/>
+              <a:rPr lang="en-GB" sz="2000" dirty="0" smtClean="0"/>
               <a:t>technology</a:t>
             </a:r>
-            <a:endParaRPr lang="en" sz="2000" dirty="0"/>
+            <a:endParaRPr lang="en-GB" sz="2000" dirty="0"/>
           </a:p>
           <a:p>
             <a:pPr marL="457200" indent="-228600">
@@ -15624,9 +15836,10 @@
               </a:spcAft>
             </a:pPr>
             <a:r>
-              <a:rPr lang="en" sz="2000" dirty="0"/>
+              <a:rPr lang="en-GB" sz="2000" dirty="0"/>
               <a:t>This automatic resource usage inference technology is essential for the project as:</a:t>
             </a:r>
+            <a:endParaRPr lang="en-GB" sz="2000" dirty="0"/>
           </a:p>
           <a:p>
             <a:pPr marL="914400" lvl="1" indent="-228600">
@@ -15635,14 +15848,14 @@
               </a:spcAft>
             </a:pPr>
             <a:r>
-              <a:rPr lang="en" sz="1600" dirty="0"/>
+              <a:rPr lang="en-GB" sz="1600" dirty="0"/>
               <a:t>It automatically and accurately infers the actual hardware and software resource usages for a given Android </a:t>
             </a:r>
             <a:r>
-              <a:rPr lang="en" sz="1600" dirty="0" smtClean="0"/>
+              <a:rPr lang="en-GB" sz="1600" dirty="0" smtClean="0"/>
               <a:t>application</a:t>
             </a:r>
-            <a:endParaRPr lang="en" sz="1600" dirty="0"/>
+            <a:endParaRPr lang="en-GB" sz="1600" dirty="0"/>
           </a:p>
           <a:p>
             <a:pPr marL="914400" lvl="1" indent="-228600">
@@ -15651,25 +15864,22 @@
               </a:spcAft>
             </a:pPr>
             <a:r>
-              <a:rPr lang="en" sz="1600" dirty="0"/>
+              <a:rPr lang="en-GB" sz="1600" dirty="0"/>
               <a:t>The results are fed into the </a:t>
             </a:r>
             <a:r>
-              <a:rPr lang="en" sz="1600" dirty="0" smtClean="0"/>
-              <a:t>triple </a:t>
-            </a:r>
-            <a:r>
-              <a:rPr lang="en" sz="1600" dirty="0" smtClean="0"/>
-              <a:t>store </a:t>
-            </a:r>
-            <a:r>
-              <a:rPr lang="en" sz="1600" dirty="0"/>
+              <a:rPr lang="en-GB" sz="1600" dirty="0" smtClean="0"/>
+              <a:t>triple store </a:t>
+            </a:r>
+            <a:r>
+              <a:rPr lang="en-GB" sz="1600" dirty="0"/>
               <a:t>for later </a:t>
             </a:r>
             <a:r>
-              <a:rPr lang="en" sz="1600" dirty="0" smtClean="0"/>
+              <a:rPr lang="en-GB" sz="1600" dirty="0" smtClean="0"/>
               <a:t>queries</a:t>
             </a:r>
+            <a:endParaRPr lang="en-GB" sz="1600" dirty="0" smtClean="0"/>
           </a:p>
           <a:p>
             <a:pPr marL="1314450" lvl="2">
@@ -15678,10 +15888,10 @@
               </a:spcAft>
             </a:pPr>
             <a:r>
-              <a:rPr lang="en" sz="1600" dirty="0" smtClean="0"/>
+              <a:rPr lang="en-GB" sz="1600" dirty="0" smtClean="0"/>
               <a:t>Uses the ontology, represents the extrafunctional aspects of the application in the knowledge repo</a:t>
             </a:r>
-            <a:endParaRPr lang="en" sz="1600" dirty="0"/>
+            <a:endParaRPr lang="en-GB" sz="1600" dirty="0"/>
           </a:p>
           <a:p>
             <a:pPr marL="914400" lvl="1" indent="-228600">
@@ -15690,43 +15900,34 @@
               </a:spcAft>
             </a:pPr>
             <a:r>
-              <a:rPr lang="en" sz="1600" dirty="0"/>
+              <a:rPr lang="en-GB" sz="1600" dirty="0"/>
               <a:t>E</a:t>
             </a:r>
             <a:r>
-              <a:rPr lang="en" sz="1600" dirty="0" smtClean="0"/>
+              <a:rPr lang="en-GB" sz="1600" dirty="0" smtClean="0"/>
               <a:t>nables the reasoning behind DFU </a:t>
             </a:r>
             <a:r>
-              <a:rPr lang="en" sz="1600" dirty="0"/>
+              <a:rPr lang="en-GB" sz="1600" dirty="0"/>
               <a:t>manipulation based on resource constraints </a:t>
             </a:r>
             <a:r>
-              <a:rPr lang="en" sz="1600" dirty="0" smtClean="0"/>
-              <a:t>-- </a:t>
-            </a:r>
-            <a:r>
-              <a:rPr lang="en" sz="1600" dirty="0" smtClean="0"/>
-              <a:t>critical </a:t>
-            </a:r>
-            <a:r>
-              <a:rPr lang="en" sz="1600" dirty="0"/>
+              <a:rPr lang="en-GB" sz="1600" dirty="0" smtClean="0"/>
+              <a:t>-- critical </a:t>
+            </a:r>
+            <a:r>
+              <a:rPr lang="en-GB" sz="1600" dirty="0"/>
               <a:t>for </a:t>
             </a:r>
             <a:r>
-              <a:rPr lang="en" sz="1600" dirty="0" smtClean="0"/>
+              <a:rPr lang="en-GB" sz="1600" dirty="0" smtClean="0"/>
               <a:t>adapting the application</a:t>
             </a:r>
-            <a:endParaRPr lang="en" sz="1600" dirty="0"/>
+            <a:endParaRPr lang="en-GB" sz="1600" dirty="0"/>
           </a:p>
         </p:txBody>
       </p:sp>
     </p:spTree>
-    <p:extLst>
-      <p:ext uri="{BB962C8B-B14F-4D97-AF65-F5344CB8AC3E}">
-        <p14:creationId xmlns:p14="http://schemas.microsoft.com/office/powerpoint/2010/main" val="3458045910"/>
-      </p:ext>
-    </p:extLst>
   </p:cSld>
   <p:clrMapOvr>
     <a:masterClrMapping/>
@@ -15772,15 +15973,12 @@
         </p:spPr>
         <p:txBody>
           <a:bodyPr vert="horz" wrap="square" lIns="91425" tIns="91425" rIns="91425" bIns="91425" numCol="1" anchor="b" anchorCtr="0" compatLnSpc="1">
-            <a:prstTxWarp prst="textNoShape">
-              <a:avLst/>
-            </a:prstTxWarp>
             <a:noAutofit/>
           </a:bodyPr>
           <a:lstStyle/>
           <a:p>
             <a:r>
-              <a:rPr lang="en"/>
+              <a:rPr lang="en-GB" dirty="0"/>
               <a:t>Current progress and future plan</a:t>
             </a:r>
           </a:p>
@@ -15808,15 +16006,10 @@
           <a:ln w="9525">
             <a:noFill/>
             <a:miter lim="800000"/>
-            <a:headEnd/>
-            <a:tailEnd/>
           </a:ln>
         </p:spPr>
         <p:txBody>
           <a:bodyPr vert="horz" wrap="square" lIns="91425" tIns="91425" rIns="91425" bIns="91425" numCol="1" anchor="t" anchorCtr="0" compatLnSpc="1">
-            <a:prstTxWarp prst="textNoShape">
-              <a:avLst/>
-            </a:prstTxWarp>
             <a:noAutofit/>
           </a:bodyPr>
           <a:lstStyle/>
@@ -15827,9 +16020,10 @@
               </a:spcAft>
             </a:pPr>
             <a:r>
-              <a:rPr lang="en" sz="2000" dirty="0"/>
+              <a:rPr lang="en-GB" sz="2000" dirty="0"/>
               <a:t>For Phase 1, we have developed a prototype that</a:t>
             </a:r>
+            <a:endParaRPr lang="en-GB" sz="2000" dirty="0"/>
           </a:p>
           <a:p>
             <a:pPr marL="857250" lvl="1" indent="-228600">
@@ -15838,9 +16032,10 @@
               </a:spcAft>
             </a:pPr>
             <a:r>
-              <a:rPr lang="en" sz="1600" dirty="0"/>
+              <a:rPr lang="en-GB" sz="1600" dirty="0"/>
               <a:t>Infer CPU and memory usages via dynamic analysis</a:t>
             </a:r>
+            <a:endParaRPr lang="en-GB" sz="1600" dirty="0"/>
           </a:p>
           <a:p>
             <a:pPr marL="857250" lvl="1" indent="-228600">
@@ -15849,17 +16044,18 @@
               </a:spcAft>
             </a:pPr>
             <a:r>
-              <a:rPr lang="en" sz="1600" dirty="0"/>
+              <a:rPr lang="en-GB" sz="1600" dirty="0"/>
               <a:t>Infer GPS, Bluetooth </a:t>
             </a:r>
             <a:r>
-              <a:rPr lang="en" sz="1600" dirty="0" smtClean="0"/>
+              <a:rPr lang="en-GB" sz="1600" dirty="0" smtClean="0"/>
               <a:t>usages (dependency) </a:t>
             </a:r>
             <a:r>
-              <a:rPr lang="en" sz="1600" dirty="0"/>
+              <a:rPr lang="en-GB" sz="1600" dirty="0"/>
               <a:t>via static analysis</a:t>
             </a:r>
+            <a:endParaRPr lang="en-GB" sz="1600" dirty="0"/>
           </a:p>
           <a:p>
             <a:pPr marL="857250" lvl="1" indent="-228600">
@@ -15868,9 +16064,10 @@
               </a:spcAft>
             </a:pPr>
             <a:r>
-              <a:rPr lang="en" sz="1600" dirty="0"/>
+              <a:rPr lang="en-GB" sz="1600" dirty="0"/>
               <a:t>Generate partial call graph between certain important sources and sinks</a:t>
             </a:r>
+            <a:endParaRPr lang="en-GB" sz="1600" dirty="0"/>
           </a:p>
           <a:p>
             <a:pPr marL="857250" lvl="1" indent="-228600">
@@ -15879,9 +16076,10 @@
               </a:spcAft>
             </a:pPr>
             <a:r>
-              <a:rPr lang="en" sz="1600" dirty="0"/>
+              <a:rPr lang="en-GB" sz="1600" dirty="0"/>
               <a:t>Combine results from dynamic and static analyses for per DFU information extraction</a:t>
             </a:r>
+            <a:endParaRPr lang="en-GB" sz="1600" dirty="0"/>
           </a:p>
           <a:p>
             <a:pPr marL="457200" indent="-228600">
@@ -15890,14 +16088,14 @@
               </a:spcAft>
             </a:pPr>
             <a:r>
-              <a:rPr lang="en" sz="2000" dirty="0"/>
+              <a:rPr lang="en-GB" sz="2000" dirty="0"/>
               <a:t>For Phase 2, we plan to extend our system in the </a:t>
             </a:r>
             <a:r>
-              <a:rPr lang="en" sz="2000" dirty="0" smtClean="0"/>
+              <a:rPr lang="en-GB" sz="2000" dirty="0" smtClean="0"/>
               <a:t>following way</a:t>
             </a:r>
-            <a:endParaRPr lang="en" sz="2000" dirty="0"/>
+            <a:endParaRPr lang="en-GB" sz="2000" dirty="0"/>
           </a:p>
           <a:p>
             <a:pPr marL="857250" lvl="1" indent="-228600">
@@ -15906,30 +16104,30 @@
               </a:spcAft>
             </a:pPr>
             <a:r>
-              <a:rPr lang="en" sz="1600" dirty="0"/>
+              <a:rPr lang="en-GB" sz="1600" dirty="0"/>
               <a:t>Input dependency analysis: Infer </a:t>
             </a:r>
             <a:r>
-              <a:rPr lang="en" sz="1600" dirty="0" smtClean="0"/>
+              <a:rPr lang="en-GB" sz="1600" dirty="0" smtClean="0"/>
               <a:t>relationship </a:t>
             </a:r>
             <a:r>
-              <a:rPr lang="en" sz="1600" dirty="0"/>
+              <a:rPr lang="en-GB" sz="1600" dirty="0"/>
               <a:t>between resource </a:t>
             </a:r>
             <a:r>
-              <a:rPr lang="en" sz="1600" dirty="0" smtClean="0"/>
+              <a:rPr lang="en-GB" sz="1600" dirty="0" smtClean="0"/>
               <a:t>usage </a:t>
             </a:r>
             <a:r>
-              <a:rPr lang="en" sz="1600" dirty="0"/>
+              <a:rPr lang="en-GB" sz="1600" dirty="0"/>
               <a:t>and input </a:t>
             </a:r>
             <a:r>
-              <a:rPr lang="en" sz="1600" dirty="0" smtClean="0"/>
+              <a:rPr lang="en-GB" sz="1600" dirty="0" smtClean="0"/>
               <a:t>size</a:t>
             </a:r>
-            <a:endParaRPr lang="en" sz="1600" dirty="0"/>
+            <a:endParaRPr lang="en-GB" sz="1600" dirty="0"/>
           </a:p>
           <a:p>
             <a:pPr marL="857250" lvl="1" indent="-228600">
@@ -15938,9 +16136,10 @@
               </a:spcAft>
             </a:pPr>
             <a:r>
-              <a:rPr lang="en" sz="1600" dirty="0"/>
+              <a:rPr lang="en-GB" sz="1600" dirty="0"/>
               <a:t>Support inference for more resources including bandwidth, third-party libraries, etc</a:t>
             </a:r>
+            <a:endParaRPr lang="en-GB" sz="1600" dirty="0"/>
           </a:p>
           <a:p>
             <a:pPr marL="857250" lvl="1" indent="-228600">
@@ -15949,9 +16148,10 @@
               </a:spcAft>
             </a:pPr>
             <a:r>
-              <a:rPr lang="en" sz="1600" dirty="0"/>
+              <a:rPr lang="en-GB" sz="1600" dirty="0"/>
               <a:t>Extend our support to non-Android programs</a:t>
             </a:r>
+            <a:endParaRPr lang="en-GB" sz="1600" dirty="0"/>
           </a:p>
           <a:p>
             <a:pPr marL="857250" lvl="1" indent="-228600">
@@ -15960,18 +16160,46 @@
               </a:spcAft>
             </a:pPr>
             <a:r>
-              <a:rPr lang="en" sz="1600" dirty="0"/>
-              <a:t>identify and solve more research problems by leveraging our technology</a:t>
-            </a:r>
+              <a:rPr lang="en-GB" sz="1600" dirty="0"/>
+              <a:t>I</a:t>
+            </a:r>
+            <a:r>
+              <a:rPr lang="en-GB" sz="1600" dirty="0" smtClean="0"/>
+              <a:t>dentify </a:t>
+            </a:r>
+            <a:r>
+              <a:rPr lang="en-GB" sz="1600" dirty="0"/>
+              <a:t>and solve more research </a:t>
+            </a:r>
+            <a:r>
+              <a:rPr lang="en-GB" sz="1600" dirty="0" smtClean="0"/>
+              <a:t>problems (such as automatic vulnerability patching for 3</a:t>
+            </a:r>
+            <a:r>
+              <a:rPr lang="en-GB" sz="1600" baseline="30000" dirty="0" smtClean="0"/>
+              <a:t>rd</a:t>
+            </a:r>
+            <a:r>
+              <a:rPr lang="en-GB" sz="1600" dirty="0" smtClean="0"/>
+              <a:t> party libraries*) by </a:t>
+            </a:r>
+            <a:r>
+              <a:rPr lang="en-GB" sz="1600" dirty="0"/>
+              <a:t>leveraging our </a:t>
+            </a:r>
+            <a:r>
+              <a:rPr lang="en-GB" sz="1600" dirty="0" smtClean="0"/>
+              <a:t>technology</a:t>
+            </a:r>
+            <a:endParaRPr lang="en-GB" sz="1600" dirty="0">
+              <a:solidFill>
+                <a:srgbClr val="FF0000"/>
+              </a:solidFill>
+            </a:endParaRPr>
           </a:p>
         </p:txBody>
       </p:sp>
     </p:spTree>
-    <p:extLst>
-      <p:ext uri="{BB962C8B-B14F-4D97-AF65-F5344CB8AC3E}">
-        <p14:creationId xmlns:p14="http://schemas.microsoft.com/office/powerpoint/2010/main" val="2340496717"/>
-      </p:ext>
-    </p:extLst>
   </p:cSld>
   <p:clrMapOvr>
     <a:masterClrMapping/>
@@ -16062,22 +16290,13 @@
               </a:spcAft>
             </a:pPr>
             <a:fld id="{00000000-1234-1234-1234-123412341234}" type="slidenum">
-              <a:rPr lang="en" sz="1000" smtClean="0">
+              <a:rPr lang="en-GB" sz="1000" smtClean="0">
                 <a:solidFill>
                   <a:srgbClr val="616161"/>
                 </a:solidFill>
               </a:rPr>
-              <a:pPr algn="r">
-                <a:spcBef>
-                  <a:spcPts val="0"/>
-                </a:spcBef>
-                <a:spcAft>
-                  <a:spcPts val="0"/>
-                </a:spcAft>
-              </a:pPr>
-              <a:t>14</a:t>
             </a:fld>
-            <a:endParaRPr lang="en" sz="1000">
+            <a:endParaRPr lang="en-GB" sz="1000">
               <a:solidFill>
                 <a:srgbClr val="616161"/>
               </a:solidFill>
@@ -16086,11 +16305,6 @@
         </p:txBody>
       </p:sp>
     </p:spTree>
-    <p:extLst>
-      <p:ext uri="{BB962C8B-B14F-4D97-AF65-F5344CB8AC3E}">
-        <p14:creationId xmlns:p14="http://schemas.microsoft.com/office/powerpoint/2010/main" val="4263499734"/>
-      </p:ext>
-    </p:extLst>
   </p:cSld>
   <p:clrMapOvr>
     <a:masterClrMapping/>
@@ -16137,11 +16351,7 @@
           <a:p>
             <a:r>
               <a:rPr lang="en-US" dirty="0" smtClean="0"/>
-              <a:t>New technology: Resource </a:t>
-            </a:r>
-            <a:r>
-              <a:rPr lang="en-US" dirty="0" smtClean="0"/>
-              <a:t>DSL (</a:t>
+              <a:t>New technology: Resource DSL (</a:t>
             </a:r>
             <a:r>
               <a:rPr lang="en-US" sz="2000" dirty="0" smtClean="0">
@@ -16176,8 +16386,6 @@
           <a:p>
             <a:fld id="{5163728A-5C6C-4DC9-ACFF-9E47917C1905}" type="slidenum">
               <a:rPr lang="en-US" smtClean="0"/>
-              <a:pPr/>
-              <a:t>15</a:t>
             </a:fld>
             <a:endParaRPr lang="en-US"/>
           </a:p>
@@ -16186,9 +16394,7 @@
       <p:sp>
         <p:nvSpPr>
           <p:cNvPr id="8" name="Content Placeholder 2"/>
-          <p:cNvSpPr txBox="1">
-            <a:spLocks/>
-          </p:cNvSpPr>
+          <p:cNvSpPr txBox="1"/>
           <p:nvPr/>
         </p:nvSpPr>
         <p:spPr>
@@ -16210,7 +16416,7 @@
               <a:spcAft>
                 <a:spcPct val="0"/>
               </a:spcAft>
-              <a:buFont typeface="Arial" charset="0"/>
+              <a:buFont typeface="Arial" panose="02080604020202020204" charset="0"/>
               <a:buChar char="•"/>
               <a:defRPr sz="2800" kern="1200">
                 <a:solidFill>
@@ -16228,7 +16434,7 @@
               <a:spcAft>
                 <a:spcPct val="0"/>
               </a:spcAft>
-              <a:buFont typeface="Arial" charset="0"/>
+              <a:buFont typeface="Arial" panose="02080604020202020204" charset="0"/>
               <a:buChar char="–"/>
               <a:defRPr sz="2400" kern="1200">
                 <a:solidFill>
@@ -16246,7 +16452,7 @@
               <a:spcAft>
                 <a:spcPct val="0"/>
               </a:spcAft>
-              <a:buFont typeface="Arial" charset="0"/>
+              <a:buFont typeface="Arial" panose="02080604020202020204" charset="0"/>
               <a:buChar char="•"/>
               <a:defRPr sz="2000" kern="1200">
                 <a:solidFill>
@@ -16264,7 +16470,7 @@
               <a:spcAft>
                 <a:spcPct val="0"/>
               </a:spcAft>
-              <a:buFont typeface="Arial" charset="0"/>
+              <a:buFont typeface="Arial" panose="02080604020202020204" charset="0"/>
               <a:buChar char="–"/>
               <a:defRPr kern="1200">
                 <a:solidFill>
@@ -16282,7 +16488,7 @@
               <a:spcAft>
                 <a:spcPct val="0"/>
               </a:spcAft>
-              <a:buFont typeface="Arial" charset="0"/>
+              <a:buFont typeface="Arial" panose="02080604020202020204" charset="0"/>
               <a:buChar char="»"/>
               <a:defRPr kern="1200">
                 <a:solidFill>
@@ -16448,6 +16654,7 @@
               <a:rPr lang="en-US" sz="1600" b="1" dirty="0" smtClean="0"/>
               <a:t>provisions</a:t>
             </a:r>
+            <a:endParaRPr lang="en-US" sz="1600" b="1" dirty="0" smtClean="0"/>
           </a:p>
           <a:p>
             <a:pPr lvl="1">
@@ -16473,12 +16680,9 @@
             </a:r>
             <a:r>
               <a:rPr lang="en-US" sz="1600" dirty="0" smtClean="0"/>
-              <a:t>for the overall </a:t>
-            </a:r>
-            <a:r>
-              <a:rPr lang="en-US" sz="1600" dirty="0" smtClean="0"/>
-              <a:t>application</a:t>
-            </a:r>
+              <a:t>for the overall application</a:t>
+            </a:r>
+            <a:endParaRPr lang="en-US" sz="1600" dirty="0" smtClean="0"/>
           </a:p>
           <a:p>
             <a:pPr lvl="1">
@@ -16490,6 +16694,7 @@
               <a:rPr lang="en-US" sz="1600" dirty="0" smtClean="0"/>
               <a:t>Use facts/knowledge from the triple store to build resource profiles</a:t>
             </a:r>
+            <a:endParaRPr lang="en-US" sz="1600" dirty="0" smtClean="0"/>
           </a:p>
           <a:p>
             <a:pPr lvl="1">
@@ -16543,16 +16748,9 @@
             </a:r>
             <a:r>
               <a:rPr lang="en-US" sz="1600" dirty="0" smtClean="0"/>
-              <a:t> space of potential </a:t>
-            </a:r>
-            <a:r>
-              <a:rPr lang="en-US" sz="1600" dirty="0" smtClean="0"/>
-              <a:t>application configurations </a:t>
-            </a:r>
-            <a:r>
-              <a:rPr lang="en-US" sz="1600" dirty="0" smtClean="0"/>
-              <a:t>(many variation points, alternative DFUs). How do we find the right one?</a:t>
-            </a:r>
+              <a:t> space of potential application configurations (many variation points, alternative DFUs). How do we find the right one?</a:t>
+            </a:r>
+            <a:endParaRPr lang="en-US" sz="1600" dirty="0" smtClean="0"/>
           </a:p>
           <a:p>
             <a:pPr lvl="1">
@@ -16578,12 +16776,9 @@
             </a:r>
             <a:r>
               <a:rPr lang="en-US" sz="1600" i="1" dirty="0" smtClean="0"/>
-              <a:t>all possible </a:t>
-            </a:r>
-            <a:r>
-              <a:rPr lang="en-US" sz="1600" i="1" dirty="0" smtClean="0"/>
-              <a:t>application configuration</a:t>
-            </a:r>
+              <a:t>all possible application configuration</a:t>
+            </a:r>
+            <a:endParaRPr lang="en-US" sz="1600" i="1" dirty="0" smtClean="0"/>
           </a:p>
           <a:p>
             <a:pPr lvl="1">
@@ -16643,11 +16838,6 @@
         </p:txBody>
       </p:sp>
     </p:spTree>
-    <p:extLst>
-      <p:ext uri="{BB962C8B-B14F-4D97-AF65-F5344CB8AC3E}">
-        <p14:creationId xmlns:p14="http://schemas.microsoft.com/office/powerpoint/2010/main" val="3672734761"/>
-      </p:ext>
-    </p:extLst>
   </p:cSld>
   <p:clrMapOvr>
     <a:masterClrMapping/>
@@ -16719,8 +16909,6 @@
           <a:p>
             <a:fld id="{5163728A-5C6C-4DC9-ACFF-9E47917C1905}" type="slidenum">
               <a:rPr lang="en-US" smtClean="0"/>
-              <a:pPr/>
-              <a:t>16</a:t>
             </a:fld>
             <a:endParaRPr lang="en-US" dirty="0"/>
           </a:p>
@@ -16729,9 +16917,7 @@
       <p:sp>
         <p:nvSpPr>
           <p:cNvPr id="8" name="Content Placeholder 2"/>
-          <p:cNvSpPr txBox="1">
-            <a:spLocks/>
-          </p:cNvSpPr>
+          <p:cNvSpPr txBox="1"/>
           <p:nvPr/>
         </p:nvSpPr>
         <p:spPr>
@@ -16753,7 +16939,7 @@
               <a:spcAft>
                 <a:spcPct val="0"/>
               </a:spcAft>
-              <a:buFont typeface="Arial" charset="0"/>
+              <a:buFont typeface="Arial" panose="02080604020202020204" charset="0"/>
               <a:buChar char="•"/>
               <a:defRPr sz="2800" kern="1200">
                 <a:solidFill>
@@ -16771,7 +16957,7 @@
               <a:spcAft>
                 <a:spcPct val="0"/>
               </a:spcAft>
-              <a:buFont typeface="Arial" charset="0"/>
+              <a:buFont typeface="Arial" panose="02080604020202020204" charset="0"/>
               <a:buChar char="–"/>
               <a:defRPr sz="2400" kern="1200">
                 <a:solidFill>
@@ -16789,7 +16975,7 @@
               <a:spcAft>
                 <a:spcPct val="0"/>
               </a:spcAft>
-              <a:buFont typeface="Arial" charset="0"/>
+              <a:buFont typeface="Arial" panose="02080604020202020204" charset="0"/>
               <a:buChar char="•"/>
               <a:defRPr sz="2000" kern="1200">
                 <a:solidFill>
@@ -16807,7 +16993,7 @@
               <a:spcAft>
                 <a:spcPct val="0"/>
               </a:spcAft>
-              <a:buFont typeface="Arial" charset="0"/>
+              <a:buFont typeface="Arial" panose="02080604020202020204" charset="0"/>
               <a:buChar char="–"/>
               <a:defRPr kern="1200">
                 <a:solidFill>
@@ -16825,7 +17011,7 @@
               <a:spcAft>
                 <a:spcPct val="0"/>
               </a:spcAft>
-              <a:buFont typeface="Arial" charset="0"/>
+              <a:buFont typeface="Arial" panose="02080604020202020204" charset="0"/>
               <a:buChar char="»"/>
               <a:defRPr kern="1200">
                 <a:solidFill>
@@ -16915,6 +17101,7 @@
               <a:rPr lang="en-US" sz="1800" dirty="0" smtClean="0"/>
               <a:t> based on:</a:t>
             </a:r>
+            <a:endParaRPr lang="en-US" sz="1800" dirty="0" smtClean="0"/>
           </a:p>
           <a:p>
             <a:pPr lvl="1">
@@ -16930,6 +17117,7 @@
               <a:rPr lang="en-US" sz="1600" dirty="0" smtClean="0"/>
               <a:t>ierarchically organized constraints to describe resource requirements/provisions</a:t>
             </a:r>
+            <a:endParaRPr lang="en-US" sz="1600" dirty="0" smtClean="0"/>
           </a:p>
           <a:p>
             <a:pPr lvl="1">
@@ -16941,6 +17129,7 @@
               <a:rPr lang="en-US" sz="1600" dirty="0" smtClean="0"/>
               <a:t>Variation points and presence conditions that capture configurability/variability</a:t>
             </a:r>
+            <a:endParaRPr lang="en-US" sz="1600" dirty="0" smtClean="0"/>
           </a:p>
           <a:p>
             <a:pPr>
@@ -16976,6 +17165,7 @@
               <a:rPr lang="en-US" sz="1600" dirty="0" smtClean="0"/>
               <a:t>Goals: maximize sharing, minimizing redundant operations</a:t>
             </a:r>
+            <a:endParaRPr lang="en-US" sz="1600" dirty="0" smtClean="0"/>
           </a:p>
           <a:p>
             <a:pPr lvl="1">
@@ -16995,6 +17185,7 @@
               <a:rPr lang="en-US" sz="1600" dirty="0" smtClean="0"/>
               <a:t> algorithms for type checking, inference, valuation</a:t>
             </a:r>
+            <a:endParaRPr lang="en-US" sz="1600" dirty="0" smtClean="0"/>
           </a:p>
           <a:p>
             <a:pPr>
@@ -17030,6 +17221,7 @@
               <a:rPr lang="en-US" sz="1600" dirty="0" smtClean="0"/>
               <a:t>Compute resource impact of an app on an initial resource environment</a:t>
             </a:r>
+            <a:endParaRPr lang="en-US" sz="1600" dirty="0" smtClean="0"/>
           </a:p>
           <a:p>
             <a:pPr lvl="1">
@@ -17041,6 +17233,7 @@
               <a:rPr lang="en-US" sz="1600" dirty="0" smtClean="0"/>
               <a:t>Check whether app is consistent with (i.e. subtype of) mission requirements</a:t>
             </a:r>
+            <a:endParaRPr lang="en-US" sz="1600" dirty="0" smtClean="0"/>
           </a:p>
           <a:p>
             <a:pPr lvl="1">
@@ -17052,6 +17245,7 @@
               <a:rPr lang="en-US" sz="1600" dirty="0" smtClean="0"/>
               <a:t>Infer satisfying resource profile for an app + mission requirements</a:t>
             </a:r>
+            <a:endParaRPr lang="en-US" sz="1600" dirty="0" smtClean="0"/>
           </a:p>
           <a:p>
             <a:pPr lvl="1">
@@ -17063,6 +17257,7 @@
               <a:rPr lang="en-US" sz="1600" dirty="0" smtClean="0"/>
               <a:t>Extract configuration specification from an inferred resource profile</a:t>
             </a:r>
+            <a:endParaRPr lang="en-US" sz="1600" dirty="0" smtClean="0"/>
           </a:p>
           <a:p>
             <a:pPr lvl="1">
@@ -17150,7 +17345,7 @@
                 <a:solidFill>
                   <a:schemeClr val="tx1"/>
                 </a:solidFill>
-                <a:latin typeface="Arial" charset="0"/>
+                <a:latin typeface="Arial" panose="02080604020202020204" charset="0"/>
                 <a:ea typeface="ＭＳ Ｐゴシック" charset="-128"/>
                 <a:cs typeface="+mn-cs"/>
               </a:defRPr>
@@ -17166,7 +17361,7 @@
                 <a:solidFill>
                   <a:schemeClr val="tx1"/>
                 </a:solidFill>
-                <a:latin typeface="Arial" charset="0"/>
+                <a:latin typeface="Arial" panose="02080604020202020204" charset="0"/>
                 <a:ea typeface="ＭＳ Ｐゴシック" charset="-128"/>
                 <a:cs typeface="+mn-cs"/>
               </a:defRPr>
@@ -17182,7 +17377,7 @@
                 <a:solidFill>
                   <a:schemeClr val="tx1"/>
                 </a:solidFill>
-                <a:latin typeface="Arial" charset="0"/>
+                <a:latin typeface="Arial" panose="02080604020202020204" charset="0"/>
                 <a:ea typeface="ＭＳ Ｐゴシック" charset="-128"/>
                 <a:cs typeface="+mn-cs"/>
               </a:defRPr>
@@ -17198,7 +17393,7 @@
                 <a:solidFill>
                   <a:schemeClr val="tx1"/>
                 </a:solidFill>
-                <a:latin typeface="Arial" charset="0"/>
+                <a:latin typeface="Arial" panose="02080604020202020204" charset="0"/>
                 <a:ea typeface="ＭＳ Ｐゴシック" charset="-128"/>
                 <a:cs typeface="+mn-cs"/>
               </a:defRPr>
@@ -17214,7 +17409,7 @@
                 <a:solidFill>
                   <a:schemeClr val="tx1"/>
                 </a:solidFill>
-                <a:latin typeface="Arial" charset="0"/>
+                <a:latin typeface="Arial" panose="02080604020202020204" charset="0"/>
                 <a:ea typeface="ＭＳ Ｐゴシック" charset="-128"/>
                 <a:cs typeface="+mn-cs"/>
               </a:defRPr>
@@ -17224,7 +17419,7 @@
                 <a:solidFill>
                   <a:schemeClr val="tx1"/>
                 </a:solidFill>
-                <a:latin typeface="Arial" charset="0"/>
+                <a:latin typeface="Arial" panose="02080604020202020204" charset="0"/>
                 <a:ea typeface="ＭＳ Ｐゴシック" charset="-128"/>
                 <a:cs typeface="+mn-cs"/>
               </a:defRPr>
@@ -17234,7 +17429,7 @@
                 <a:solidFill>
                   <a:schemeClr val="tx1"/>
                 </a:solidFill>
-                <a:latin typeface="Arial" charset="0"/>
+                <a:latin typeface="Arial" panose="02080604020202020204" charset="0"/>
                 <a:ea typeface="ＭＳ Ｐゴシック" charset="-128"/>
                 <a:cs typeface="+mn-cs"/>
               </a:defRPr>
@@ -17244,7 +17439,7 @@
                 <a:solidFill>
                   <a:schemeClr val="tx1"/>
                 </a:solidFill>
-                <a:latin typeface="Arial" charset="0"/>
+                <a:latin typeface="Arial" panose="02080604020202020204" charset="0"/>
                 <a:ea typeface="ＭＳ Ｐゴシック" charset="-128"/>
                 <a:cs typeface="+mn-cs"/>
               </a:defRPr>
@@ -17254,7 +17449,7 @@
                 <a:solidFill>
                   <a:schemeClr val="tx1"/>
                 </a:solidFill>
-                <a:latin typeface="Arial" charset="0"/>
+                <a:latin typeface="Arial" panose="02080604020202020204" charset="0"/>
                 <a:ea typeface="ＭＳ Ｐゴシック" charset="-128"/>
                 <a:cs typeface="+mn-cs"/>
               </a:defRPr>
@@ -17312,7 +17507,7 @@
                 <a:solidFill>
                   <a:schemeClr val="tx1"/>
                 </a:solidFill>
-                <a:latin typeface="Arial" charset="0"/>
+                <a:latin typeface="Arial" panose="02080604020202020204" charset="0"/>
                 <a:ea typeface="ＭＳ Ｐゴシック" charset="-128"/>
                 <a:cs typeface="+mn-cs"/>
               </a:defRPr>
@@ -17328,7 +17523,7 @@
                 <a:solidFill>
                   <a:schemeClr val="tx1"/>
                 </a:solidFill>
-                <a:latin typeface="Arial" charset="0"/>
+                <a:latin typeface="Arial" panose="02080604020202020204" charset="0"/>
                 <a:ea typeface="ＭＳ Ｐゴシック" charset="-128"/>
                 <a:cs typeface="+mn-cs"/>
               </a:defRPr>
@@ -17344,7 +17539,7 @@
                 <a:solidFill>
                   <a:schemeClr val="tx1"/>
                 </a:solidFill>
-                <a:latin typeface="Arial" charset="0"/>
+                <a:latin typeface="Arial" panose="02080604020202020204" charset="0"/>
                 <a:ea typeface="ＭＳ Ｐゴシック" charset="-128"/>
                 <a:cs typeface="+mn-cs"/>
               </a:defRPr>
@@ -17360,7 +17555,7 @@
                 <a:solidFill>
                   <a:schemeClr val="tx1"/>
                 </a:solidFill>
-                <a:latin typeface="Arial" charset="0"/>
+                <a:latin typeface="Arial" panose="02080604020202020204" charset="0"/>
                 <a:ea typeface="ＭＳ Ｐゴシック" charset="-128"/>
                 <a:cs typeface="+mn-cs"/>
               </a:defRPr>
@@ -17376,7 +17571,7 @@
                 <a:solidFill>
                   <a:schemeClr val="tx1"/>
                 </a:solidFill>
-                <a:latin typeface="Arial" charset="0"/>
+                <a:latin typeface="Arial" panose="02080604020202020204" charset="0"/>
                 <a:ea typeface="ＭＳ Ｐゴシック" charset="-128"/>
                 <a:cs typeface="+mn-cs"/>
               </a:defRPr>
@@ -17386,7 +17581,7 @@
                 <a:solidFill>
                   <a:schemeClr val="tx1"/>
                 </a:solidFill>
-                <a:latin typeface="Arial" charset="0"/>
+                <a:latin typeface="Arial" panose="02080604020202020204" charset="0"/>
                 <a:ea typeface="ＭＳ Ｐゴシック" charset="-128"/>
                 <a:cs typeface="+mn-cs"/>
               </a:defRPr>
@@ -17396,7 +17591,7 @@
                 <a:solidFill>
                   <a:schemeClr val="tx1"/>
                 </a:solidFill>
-                <a:latin typeface="Arial" charset="0"/>
+                <a:latin typeface="Arial" panose="02080604020202020204" charset="0"/>
                 <a:ea typeface="ＭＳ Ｐゴシック" charset="-128"/>
                 <a:cs typeface="+mn-cs"/>
               </a:defRPr>
@@ -17406,7 +17601,7 @@
                 <a:solidFill>
                   <a:schemeClr val="tx1"/>
                 </a:solidFill>
-                <a:latin typeface="Arial" charset="0"/>
+                <a:latin typeface="Arial" panose="02080604020202020204" charset="0"/>
                 <a:ea typeface="ＭＳ Ｐゴシック" charset="-128"/>
                 <a:cs typeface="+mn-cs"/>
               </a:defRPr>
@@ -17416,7 +17611,7 @@
                 <a:solidFill>
                   <a:schemeClr val="tx1"/>
                 </a:solidFill>
-                <a:latin typeface="Arial" charset="0"/>
+                <a:latin typeface="Arial" panose="02080604020202020204" charset="0"/>
                 <a:ea typeface="ＭＳ Ｐゴシック" charset="-128"/>
                 <a:cs typeface="+mn-cs"/>
               </a:defRPr>
@@ -17474,7 +17669,7 @@
                 <a:solidFill>
                   <a:schemeClr val="tx1"/>
                 </a:solidFill>
-                <a:latin typeface="Arial" charset="0"/>
+                <a:latin typeface="Arial" panose="02080604020202020204" charset="0"/>
                 <a:ea typeface="ＭＳ Ｐゴシック" charset="-128"/>
                 <a:cs typeface="+mn-cs"/>
               </a:defRPr>
@@ -17490,7 +17685,7 @@
                 <a:solidFill>
                   <a:schemeClr val="tx1"/>
                 </a:solidFill>
-                <a:latin typeface="Arial" charset="0"/>
+                <a:latin typeface="Arial" panose="02080604020202020204" charset="0"/>
                 <a:ea typeface="ＭＳ Ｐゴシック" charset="-128"/>
                 <a:cs typeface="+mn-cs"/>
               </a:defRPr>
@@ -17506,7 +17701,7 @@
                 <a:solidFill>
                   <a:schemeClr val="tx1"/>
                 </a:solidFill>
-                <a:latin typeface="Arial" charset="0"/>
+                <a:latin typeface="Arial" panose="02080604020202020204" charset="0"/>
                 <a:ea typeface="ＭＳ Ｐゴシック" charset="-128"/>
                 <a:cs typeface="+mn-cs"/>
               </a:defRPr>
@@ -17522,7 +17717,7 @@
                 <a:solidFill>
                   <a:schemeClr val="tx1"/>
                 </a:solidFill>
-                <a:latin typeface="Arial" charset="0"/>
+                <a:latin typeface="Arial" panose="02080604020202020204" charset="0"/>
                 <a:ea typeface="ＭＳ Ｐゴシック" charset="-128"/>
                 <a:cs typeface="+mn-cs"/>
               </a:defRPr>
@@ -17538,7 +17733,7 @@
                 <a:solidFill>
                   <a:schemeClr val="tx1"/>
                 </a:solidFill>
-                <a:latin typeface="Arial" charset="0"/>
+                <a:latin typeface="Arial" panose="02080604020202020204" charset="0"/>
                 <a:ea typeface="ＭＳ Ｐゴシック" charset="-128"/>
                 <a:cs typeface="+mn-cs"/>
               </a:defRPr>
@@ -17548,7 +17743,7 @@
                 <a:solidFill>
                   <a:schemeClr val="tx1"/>
                 </a:solidFill>
-                <a:latin typeface="Arial" charset="0"/>
+                <a:latin typeface="Arial" panose="02080604020202020204" charset="0"/>
                 <a:ea typeface="ＭＳ Ｐゴシック" charset="-128"/>
                 <a:cs typeface="+mn-cs"/>
               </a:defRPr>
@@ -17558,7 +17753,7 @@
                 <a:solidFill>
                   <a:schemeClr val="tx1"/>
                 </a:solidFill>
-                <a:latin typeface="Arial" charset="0"/>
+                <a:latin typeface="Arial" panose="02080604020202020204" charset="0"/>
                 <a:ea typeface="ＭＳ Ｐゴシック" charset="-128"/>
                 <a:cs typeface="+mn-cs"/>
               </a:defRPr>
@@ -17568,7 +17763,7 @@
                 <a:solidFill>
                   <a:schemeClr val="tx1"/>
                 </a:solidFill>
-                <a:latin typeface="Arial" charset="0"/>
+                <a:latin typeface="Arial" panose="02080604020202020204" charset="0"/>
                 <a:ea typeface="ＭＳ Ｐゴシック" charset="-128"/>
                 <a:cs typeface="+mn-cs"/>
               </a:defRPr>
@@ -17578,7 +17773,7 @@
                 <a:solidFill>
                   <a:schemeClr val="tx1"/>
                 </a:solidFill>
-                <a:latin typeface="Arial" charset="0"/>
+                <a:latin typeface="Arial" panose="02080604020202020204" charset="0"/>
                 <a:ea typeface="ＭＳ Ｐゴシック" charset="-128"/>
                 <a:cs typeface="+mn-cs"/>
               </a:defRPr>
@@ -17636,7 +17831,7 @@
                 <a:solidFill>
                   <a:schemeClr val="tx1"/>
                 </a:solidFill>
-                <a:latin typeface="Arial" charset="0"/>
+                <a:latin typeface="Arial" panose="02080604020202020204" charset="0"/>
                 <a:ea typeface="ＭＳ Ｐゴシック" charset="-128"/>
                 <a:cs typeface="+mn-cs"/>
               </a:defRPr>
@@ -17652,7 +17847,7 @@
                 <a:solidFill>
                   <a:schemeClr val="tx1"/>
                 </a:solidFill>
-                <a:latin typeface="Arial" charset="0"/>
+                <a:latin typeface="Arial" panose="02080604020202020204" charset="0"/>
                 <a:ea typeface="ＭＳ Ｐゴシック" charset="-128"/>
                 <a:cs typeface="+mn-cs"/>
               </a:defRPr>
@@ -17668,7 +17863,7 @@
                 <a:solidFill>
                   <a:schemeClr val="tx1"/>
                 </a:solidFill>
-                <a:latin typeface="Arial" charset="0"/>
+                <a:latin typeface="Arial" panose="02080604020202020204" charset="0"/>
                 <a:ea typeface="ＭＳ Ｐゴシック" charset="-128"/>
                 <a:cs typeface="+mn-cs"/>
               </a:defRPr>
@@ -17684,7 +17879,7 @@
                 <a:solidFill>
                   <a:schemeClr val="tx1"/>
                 </a:solidFill>
-                <a:latin typeface="Arial" charset="0"/>
+                <a:latin typeface="Arial" panose="02080604020202020204" charset="0"/>
                 <a:ea typeface="ＭＳ Ｐゴシック" charset="-128"/>
                 <a:cs typeface="+mn-cs"/>
               </a:defRPr>
@@ -17700,7 +17895,7 @@
                 <a:solidFill>
                   <a:schemeClr val="tx1"/>
                 </a:solidFill>
-                <a:latin typeface="Arial" charset="0"/>
+                <a:latin typeface="Arial" panose="02080604020202020204" charset="0"/>
                 <a:ea typeface="ＭＳ Ｐゴシック" charset="-128"/>
                 <a:cs typeface="+mn-cs"/>
               </a:defRPr>
@@ -17710,7 +17905,7 @@
                 <a:solidFill>
                   <a:schemeClr val="tx1"/>
                 </a:solidFill>
-                <a:latin typeface="Arial" charset="0"/>
+                <a:latin typeface="Arial" panose="02080604020202020204" charset="0"/>
                 <a:ea typeface="ＭＳ Ｐゴシック" charset="-128"/>
                 <a:cs typeface="+mn-cs"/>
               </a:defRPr>
@@ -17720,7 +17915,7 @@
                 <a:solidFill>
                   <a:schemeClr val="tx1"/>
                 </a:solidFill>
-                <a:latin typeface="Arial" charset="0"/>
+                <a:latin typeface="Arial" panose="02080604020202020204" charset="0"/>
                 <a:ea typeface="ＭＳ Ｐゴシック" charset="-128"/>
                 <a:cs typeface="+mn-cs"/>
               </a:defRPr>
@@ -17730,7 +17925,7 @@
                 <a:solidFill>
                   <a:schemeClr val="tx1"/>
                 </a:solidFill>
-                <a:latin typeface="Arial" charset="0"/>
+                <a:latin typeface="Arial" panose="02080604020202020204" charset="0"/>
                 <a:ea typeface="ＭＳ Ｐゴシック" charset="-128"/>
                 <a:cs typeface="+mn-cs"/>
               </a:defRPr>
@@ -17740,7 +17935,7 @@
                 <a:solidFill>
                   <a:schemeClr val="tx1"/>
                 </a:solidFill>
-                <a:latin typeface="Arial" charset="0"/>
+                <a:latin typeface="Arial" panose="02080604020202020204" charset="0"/>
                 <a:ea typeface="ＭＳ Ｐゴシック" charset="-128"/>
                 <a:cs typeface="+mn-cs"/>
               </a:defRPr>
@@ -17798,7 +17993,7 @@
                 <a:solidFill>
                   <a:schemeClr val="tx1"/>
                 </a:solidFill>
-                <a:latin typeface="Arial" charset="0"/>
+                <a:latin typeface="Arial" panose="02080604020202020204" charset="0"/>
                 <a:ea typeface="ＭＳ Ｐゴシック" charset="-128"/>
                 <a:cs typeface="+mn-cs"/>
               </a:defRPr>
@@ -17814,7 +18009,7 @@
                 <a:solidFill>
                   <a:schemeClr val="tx1"/>
                 </a:solidFill>
-                <a:latin typeface="Arial" charset="0"/>
+                <a:latin typeface="Arial" panose="02080604020202020204" charset="0"/>
                 <a:ea typeface="ＭＳ Ｐゴシック" charset="-128"/>
                 <a:cs typeface="+mn-cs"/>
               </a:defRPr>
@@ -17830,7 +18025,7 @@
                 <a:solidFill>
                   <a:schemeClr val="tx1"/>
                 </a:solidFill>
-                <a:latin typeface="Arial" charset="0"/>
+                <a:latin typeface="Arial" panose="02080604020202020204" charset="0"/>
                 <a:ea typeface="ＭＳ Ｐゴシック" charset="-128"/>
                 <a:cs typeface="+mn-cs"/>
               </a:defRPr>
@@ -17846,7 +18041,7 @@
                 <a:solidFill>
                   <a:schemeClr val="tx1"/>
                 </a:solidFill>
-                <a:latin typeface="Arial" charset="0"/>
+                <a:latin typeface="Arial" panose="02080604020202020204" charset="0"/>
                 <a:ea typeface="ＭＳ Ｐゴシック" charset="-128"/>
                 <a:cs typeface="+mn-cs"/>
               </a:defRPr>
@@ -17862,7 +18057,7 @@
                 <a:solidFill>
                   <a:schemeClr val="tx1"/>
                 </a:solidFill>
-                <a:latin typeface="Arial" charset="0"/>
+                <a:latin typeface="Arial" panose="02080604020202020204" charset="0"/>
                 <a:ea typeface="ＭＳ Ｐゴシック" charset="-128"/>
                 <a:cs typeface="+mn-cs"/>
               </a:defRPr>
@@ -17872,7 +18067,7 @@
                 <a:solidFill>
                   <a:schemeClr val="tx1"/>
                 </a:solidFill>
-                <a:latin typeface="Arial" charset="0"/>
+                <a:latin typeface="Arial" panose="02080604020202020204" charset="0"/>
                 <a:ea typeface="ＭＳ Ｐゴシック" charset="-128"/>
                 <a:cs typeface="+mn-cs"/>
               </a:defRPr>
@@ -17882,7 +18077,7 @@
                 <a:solidFill>
                   <a:schemeClr val="tx1"/>
                 </a:solidFill>
-                <a:latin typeface="Arial" charset="0"/>
+                <a:latin typeface="Arial" panose="02080604020202020204" charset="0"/>
                 <a:ea typeface="ＭＳ Ｐゴシック" charset="-128"/>
                 <a:cs typeface="+mn-cs"/>
               </a:defRPr>
@@ -17892,7 +18087,7 @@
                 <a:solidFill>
                   <a:schemeClr val="tx1"/>
                 </a:solidFill>
-                <a:latin typeface="Arial" charset="0"/>
+                <a:latin typeface="Arial" panose="02080604020202020204" charset="0"/>
                 <a:ea typeface="ＭＳ Ｐゴシック" charset="-128"/>
                 <a:cs typeface="+mn-cs"/>
               </a:defRPr>
@@ -17902,7 +18097,7 @@
                 <a:solidFill>
                   <a:schemeClr val="tx1"/>
                 </a:solidFill>
-                <a:latin typeface="Arial" charset="0"/>
+                <a:latin typeface="Arial" panose="02080604020202020204" charset="0"/>
                 <a:ea typeface="ＭＳ Ｐゴシック" charset="-128"/>
                 <a:cs typeface="+mn-cs"/>
               </a:defRPr>
@@ -17976,7 +18171,7 @@
                 <a:solidFill>
                   <a:schemeClr val="tx1"/>
                 </a:solidFill>
-                <a:latin typeface="Arial" charset="0"/>
+                <a:latin typeface="Arial" panose="02080604020202020204" charset="0"/>
                 <a:ea typeface="ＭＳ Ｐゴシック" charset="-128"/>
                 <a:cs typeface="+mn-cs"/>
               </a:defRPr>
@@ -17992,7 +18187,7 @@
                 <a:solidFill>
                   <a:schemeClr val="tx1"/>
                 </a:solidFill>
-                <a:latin typeface="Arial" charset="0"/>
+                <a:latin typeface="Arial" panose="02080604020202020204" charset="0"/>
                 <a:ea typeface="ＭＳ Ｐゴシック" charset="-128"/>
                 <a:cs typeface="+mn-cs"/>
               </a:defRPr>
@@ -18008,7 +18203,7 @@
                 <a:solidFill>
                   <a:schemeClr val="tx1"/>
                 </a:solidFill>
-                <a:latin typeface="Arial" charset="0"/>
+                <a:latin typeface="Arial" panose="02080604020202020204" charset="0"/>
                 <a:ea typeface="ＭＳ Ｐゴシック" charset="-128"/>
                 <a:cs typeface="+mn-cs"/>
               </a:defRPr>
@@ -18024,7 +18219,7 @@
                 <a:solidFill>
                   <a:schemeClr val="tx1"/>
                 </a:solidFill>
-                <a:latin typeface="Arial" charset="0"/>
+                <a:latin typeface="Arial" panose="02080604020202020204" charset="0"/>
                 <a:ea typeface="ＭＳ Ｐゴシック" charset="-128"/>
                 <a:cs typeface="+mn-cs"/>
               </a:defRPr>
@@ -18040,7 +18235,7 @@
                 <a:solidFill>
                   <a:schemeClr val="tx1"/>
                 </a:solidFill>
-                <a:latin typeface="Arial" charset="0"/>
+                <a:latin typeface="Arial" panose="02080604020202020204" charset="0"/>
                 <a:ea typeface="ＭＳ Ｐゴシック" charset="-128"/>
                 <a:cs typeface="+mn-cs"/>
               </a:defRPr>
@@ -18050,7 +18245,7 @@
                 <a:solidFill>
                   <a:schemeClr val="tx1"/>
                 </a:solidFill>
-                <a:latin typeface="Arial" charset="0"/>
+                <a:latin typeface="Arial" panose="02080604020202020204" charset="0"/>
                 <a:ea typeface="ＭＳ Ｐゴシック" charset="-128"/>
                 <a:cs typeface="+mn-cs"/>
               </a:defRPr>
@@ -18060,7 +18255,7 @@
                 <a:solidFill>
                   <a:schemeClr val="tx1"/>
                 </a:solidFill>
-                <a:latin typeface="Arial" charset="0"/>
+                <a:latin typeface="Arial" panose="02080604020202020204" charset="0"/>
                 <a:ea typeface="ＭＳ Ｐゴシック" charset="-128"/>
                 <a:cs typeface="+mn-cs"/>
               </a:defRPr>
@@ -18070,7 +18265,7 @@
                 <a:solidFill>
                   <a:schemeClr val="tx1"/>
                 </a:solidFill>
-                <a:latin typeface="Arial" charset="0"/>
+                <a:latin typeface="Arial" panose="02080604020202020204" charset="0"/>
                 <a:ea typeface="ＭＳ Ｐゴシック" charset="-128"/>
                 <a:cs typeface="+mn-cs"/>
               </a:defRPr>
@@ -18080,7 +18275,7 @@
                 <a:solidFill>
                   <a:schemeClr val="tx1"/>
                 </a:solidFill>
-                <a:latin typeface="Arial" charset="0"/>
+                <a:latin typeface="Arial" panose="02080604020202020204" charset="0"/>
                 <a:ea typeface="ＭＳ Ｐゴシック" charset="-128"/>
                 <a:cs typeface="+mn-cs"/>
               </a:defRPr>
@@ -18138,7 +18333,7 @@
                 <a:solidFill>
                   <a:schemeClr val="tx1"/>
                 </a:solidFill>
-                <a:latin typeface="Arial" charset="0"/>
+                <a:latin typeface="Arial" panose="02080604020202020204" charset="0"/>
                 <a:ea typeface="ＭＳ Ｐゴシック" charset="-128"/>
                 <a:cs typeface="+mn-cs"/>
               </a:defRPr>
@@ -18154,7 +18349,7 @@
                 <a:solidFill>
                   <a:schemeClr val="tx1"/>
                 </a:solidFill>
-                <a:latin typeface="Arial" charset="0"/>
+                <a:latin typeface="Arial" panose="02080604020202020204" charset="0"/>
                 <a:ea typeface="ＭＳ Ｐゴシック" charset="-128"/>
                 <a:cs typeface="+mn-cs"/>
               </a:defRPr>
@@ -18170,7 +18365,7 @@
                 <a:solidFill>
                   <a:schemeClr val="tx1"/>
                 </a:solidFill>
-                <a:latin typeface="Arial" charset="0"/>
+                <a:latin typeface="Arial" panose="02080604020202020204" charset="0"/>
                 <a:ea typeface="ＭＳ Ｐゴシック" charset="-128"/>
                 <a:cs typeface="+mn-cs"/>
               </a:defRPr>
@@ -18186,7 +18381,7 @@
                 <a:solidFill>
                   <a:schemeClr val="tx1"/>
                 </a:solidFill>
-                <a:latin typeface="Arial" charset="0"/>
+                <a:latin typeface="Arial" panose="02080604020202020204" charset="0"/>
                 <a:ea typeface="ＭＳ Ｐゴシック" charset="-128"/>
                 <a:cs typeface="+mn-cs"/>
               </a:defRPr>
@@ -18202,7 +18397,7 @@
                 <a:solidFill>
                   <a:schemeClr val="tx1"/>
                 </a:solidFill>
-                <a:latin typeface="Arial" charset="0"/>
+                <a:latin typeface="Arial" panose="02080604020202020204" charset="0"/>
                 <a:ea typeface="ＭＳ Ｐゴシック" charset="-128"/>
                 <a:cs typeface="+mn-cs"/>
               </a:defRPr>
@@ -18212,7 +18407,7 @@
                 <a:solidFill>
                   <a:schemeClr val="tx1"/>
                 </a:solidFill>
-                <a:latin typeface="Arial" charset="0"/>
+                <a:latin typeface="Arial" panose="02080604020202020204" charset="0"/>
                 <a:ea typeface="ＭＳ Ｐゴシック" charset="-128"/>
                 <a:cs typeface="+mn-cs"/>
               </a:defRPr>
@@ -18222,7 +18417,7 @@
                 <a:solidFill>
                   <a:schemeClr val="tx1"/>
                 </a:solidFill>
-                <a:latin typeface="Arial" charset="0"/>
+                <a:latin typeface="Arial" panose="02080604020202020204" charset="0"/>
                 <a:ea typeface="ＭＳ Ｐゴシック" charset="-128"/>
                 <a:cs typeface="+mn-cs"/>
               </a:defRPr>
@@ -18232,7 +18427,7 @@
                 <a:solidFill>
                   <a:schemeClr val="tx1"/>
                 </a:solidFill>
-                <a:latin typeface="Arial" charset="0"/>
+                <a:latin typeface="Arial" panose="02080604020202020204" charset="0"/>
                 <a:ea typeface="ＭＳ Ｐゴシック" charset="-128"/>
                 <a:cs typeface="+mn-cs"/>
               </a:defRPr>
@@ -18242,7 +18437,7 @@
                 <a:solidFill>
                   <a:schemeClr val="tx1"/>
                 </a:solidFill>
-                <a:latin typeface="Arial" charset="0"/>
+                <a:latin typeface="Arial" panose="02080604020202020204" charset="0"/>
                 <a:ea typeface="ＭＳ Ｐゴシック" charset="-128"/>
                 <a:cs typeface="+mn-cs"/>
               </a:defRPr>
@@ -18266,11 +18461,6 @@
         </p:txBody>
       </p:sp>
     </p:spTree>
-    <p:extLst>
-      <p:ext uri="{BB962C8B-B14F-4D97-AF65-F5344CB8AC3E}">
-        <p14:creationId xmlns:p14="http://schemas.microsoft.com/office/powerpoint/2010/main" val="1348785302"/>
-      </p:ext>
-    </p:extLst>
   </p:cSld>
   <p:clrMapOvr>
     <a:masterClrMapping/>
@@ -18361,19 +18551,12 @@
           <a:p>
             <a:fld id="{5163728A-5C6C-4DC9-ACFF-9E47917C1905}" type="slidenum">
               <a:rPr lang="en-US" smtClean="0"/>
-              <a:pPr/>
-              <a:t>17</a:t>
             </a:fld>
             <a:endParaRPr lang="en-US"/>
           </a:p>
         </p:txBody>
       </p:sp>
     </p:spTree>
-    <p:extLst>
-      <p:ext uri="{BB962C8B-B14F-4D97-AF65-F5344CB8AC3E}">
-        <p14:creationId xmlns:p14="http://schemas.microsoft.com/office/powerpoint/2010/main" val="2307493351"/>
-      </p:ext>
-    </p:extLst>
   </p:cSld>
   <p:clrMapOvr>
     <a:masterClrMapping/>
@@ -18476,6 +18659,7 @@
               <a:rPr lang="en-US" sz="1600" dirty="0" smtClean="0"/>
               <a:t>but passes T</a:t>
             </a:r>
+            <a:endParaRPr lang="en-US" sz="1600" dirty="0" smtClean="0"/>
           </a:p>
           <a:p>
             <a:pPr marL="285750" indent="-285750">
@@ -18542,100 +18726,47 @@
           <a:lstStyle/>
           <a:p>
             <a:r>
-              <a:rPr lang="en-US" sz="1800" dirty="0" smtClean="0">
-                <a:solidFill>
-                  <a:srgbClr val="FF0000"/>
-                </a:solidFill>
-              </a:rPr>
+              <a:rPr lang="en-US" sz="1800" dirty="0" smtClean="0"/>
               <a:t>Mutation adaptation </a:t>
             </a:r>
+            <a:endParaRPr lang="en-US" sz="1800" dirty="0" smtClean="0"/>
           </a:p>
           <a:p>
             <a:pPr lvl="1"/>
             <a:r>
-              <a:rPr lang="en-US" sz="1600" dirty="0" smtClean="0">
-                <a:solidFill>
-                  <a:srgbClr val="FF0000"/>
-                </a:solidFill>
-              </a:rPr>
+              <a:rPr lang="en-US" sz="1600" dirty="0" smtClean="0"/>
               <a:t>Provides the 3</a:t>
             </a:r>
             <a:r>
-              <a:rPr lang="en-US" sz="1600" baseline="30000" dirty="0" smtClean="0">
-                <a:solidFill>
-                  <a:srgbClr val="FF0000"/>
-                </a:solidFill>
-              </a:rPr>
+              <a:rPr lang="en-US" sz="1600" baseline="30000" dirty="0" smtClean="0"/>
               <a:t>rd</a:t>
             </a:r>
             <a:r>
-              <a:rPr lang="en-US" sz="1600" dirty="0" smtClean="0">
-                <a:solidFill>
-                  <a:srgbClr val="FF0000"/>
-                </a:solidFill>
-              </a:rPr>
+              <a:rPr lang="en-US" sz="1600" dirty="0" smtClean="0"/>
               <a:t> mutation primitive (deletion) complementing the 1</a:t>
             </a:r>
             <a:r>
-              <a:rPr lang="en-US" sz="1600" baseline="30000" dirty="0" smtClean="0">
-                <a:solidFill>
-                  <a:srgbClr val="FF0000"/>
-                </a:solidFill>
-              </a:rPr>
+              <a:rPr lang="en-US" sz="1600" baseline="30000" dirty="0" smtClean="0"/>
               <a:t>st</a:t>
             </a:r>
             <a:r>
-              <a:rPr lang="en-US" sz="1600" dirty="0" smtClean="0">
-                <a:solidFill>
-                  <a:srgbClr val="FF0000"/>
-                </a:solidFill>
-              </a:rPr>
+              <a:rPr lang="en-US" sz="1600" dirty="0" smtClean="0"/>
               <a:t> two (substitute or replace, and add or compose)</a:t>
             </a:r>
+            <a:endParaRPr lang="en-US" sz="1600" dirty="0" smtClean="0"/>
           </a:p>
           <a:p>
             <a:pPr lvl="1"/>
             <a:r>
-              <a:rPr lang="en-US" sz="1600" dirty="0" smtClean="0">
-                <a:solidFill>
-                  <a:srgbClr val="FF0000"/>
-                </a:solidFill>
-              </a:rPr>
+              <a:rPr lang="en-US" sz="1600" dirty="0" smtClean="0"/>
               <a:t>Enables the discovery of hidden dependencies by differences the traces of the original and the mutants</a:t>
             </a:r>
-          </a:p>
-          <a:p>
-            <a:r>
-              <a:rPr lang="en-US" sz="1800" dirty="0" smtClean="0">
-                <a:solidFill>
-                  <a:srgbClr val="FF0000"/>
-                </a:solidFill>
-              </a:rPr>
-              <a:t>Can be </a:t>
-            </a:r>
-            <a:r>
-              <a:rPr lang="en-US" sz="1800" dirty="0" smtClean="0">
-                <a:solidFill>
-                  <a:srgbClr val="FF0000"/>
-                </a:solidFill>
-              </a:rPr>
-              <a:t>used in responding to </a:t>
-            </a:r>
-            <a:r>
-              <a:rPr lang="en-US" sz="1800" dirty="0" smtClean="0">
-                <a:solidFill>
-                  <a:srgbClr val="FF0000"/>
-                </a:solidFill>
-              </a:rPr>
-              <a:t>pre-mission </a:t>
-            </a:r>
-            <a:r>
-              <a:rPr lang="en-US" sz="1800" dirty="0" smtClean="0">
-                <a:solidFill>
-                  <a:srgbClr val="FF0000"/>
-                </a:solidFill>
-              </a:rPr>
-              <a:t>or in-mission changes</a:t>
+            <a:endParaRPr lang="en-US" sz="1600" dirty="0" smtClean="0"/>
+          </a:p>
+          <a:p>
+            <a:r>
+              <a:rPr lang="en-US" sz="1800" dirty="0" smtClean="0"/>
+              <a:t>Can be used in responding to pre-mission or in-mission changes</a:t>
             </a:r>
           </a:p>
         </p:txBody>
@@ -18662,8 +18793,6 @@
           <a:p>
             <a:fld id="{0840E6D7-221B-40B7-B50C-C3B5231B0D1A}" type="slidenum">
               <a:rPr lang="en-US" smtClean="0"/>
-              <a:pPr/>
-              <a:t>18</a:t>
             </a:fld>
             <a:endParaRPr lang="en-US" dirty="0"/>
           </a:p>
@@ -18709,14 +18838,14 @@
               <a:buNone/>
             </a:pPr>
             <a:r>
-              <a:rPr lang="en" dirty="0"/>
+              <a:rPr lang="en-GB" dirty="0"/>
               <a:t> </a:t>
             </a:r>
             <a:r>
-              <a:rPr lang="en" dirty="0" smtClean="0"/>
+              <a:rPr lang="en-GB" dirty="0" smtClean="0"/>
               <a:t>P</a:t>
             </a:r>
-            <a:endParaRPr lang="en" dirty="0"/>
+            <a:endParaRPr lang="en-GB" dirty="0"/>
           </a:p>
         </p:txBody>
       </p:sp>
@@ -18760,7 +18889,7 @@
               <a:buNone/>
             </a:pPr>
             <a:r>
-              <a:rPr lang="en"/>
+              <a:rPr lang="en-GB"/>
               <a:t>      T</a:t>
             </a:r>
           </a:p>
@@ -18869,11 +18998,11 @@
               <a:buNone/>
             </a:pPr>
             <a:r>
-              <a:rPr lang="en" dirty="0" smtClean="0"/>
+              <a:rPr lang="en-GB" dirty="0" smtClean="0"/>
               <a:t>JavaReducer: </a:t>
             </a:r>
             <a:r>
-              <a:rPr lang="en" dirty="0"/>
+              <a:rPr lang="en-GB" dirty="0"/>
               <a:t>Mutation + Delta Debugger</a:t>
             </a:r>
           </a:p>
@@ -18977,7 +19106,7 @@
               <a:buNone/>
             </a:pPr>
             <a:r>
-              <a:rPr lang="en"/>
+              <a:rPr lang="en-GB"/>
               <a:t>      T</a:t>
             </a:r>
           </a:p>
@@ -19023,15 +19152,15 @@
               <a:buNone/>
             </a:pPr>
             <a:r>
-              <a:rPr lang="en" dirty="0"/>
+              <a:rPr lang="en-GB" dirty="0"/>
               <a:t>  </a:t>
             </a:r>
             <a:r>
-              <a:rPr lang="en" dirty="0" smtClean="0"/>
+              <a:rPr lang="en-GB" dirty="0" smtClean="0"/>
               <a:t>P</a:t>
             </a:r>
             <a:r>
-              <a:rPr lang="en" dirty="0"/>
+              <a:rPr lang="en-GB" dirty="0"/>
               <a:t>’</a:t>
             </a:r>
           </a:p>
@@ -19193,7 +19322,7 @@
               <a:buNone/>
             </a:pPr>
             <a:r>
-              <a:rPr lang="en" dirty="0" smtClean="0"/>
+              <a:rPr lang="en-GB" dirty="0" smtClean="0"/>
               <a:t>Diff S-S’</a:t>
             </a:r>
             <a:r>
@@ -19201,11 +19330,11 @@
               <a:t> </a:t>
             </a:r>
             <a:r>
-              <a:rPr lang="en" dirty="0" smtClean="0"/>
+              <a:rPr lang="en-GB" dirty="0" smtClean="0"/>
               <a:t>D-D</a:t>
             </a:r>
             <a:r>
-              <a:rPr lang="en" dirty="0"/>
+              <a:rPr lang="en-GB" dirty="0"/>
               <a:t>’</a:t>
             </a:r>
           </a:p>
@@ -19534,7 +19663,7 @@
           <a:p>
             <a:pPr lvl="0"/>
             <a:r>
-              <a:rPr lang="en" sz="1000" dirty="0"/>
+              <a:rPr lang="en-GB" sz="1000" dirty="0"/>
               <a:t>Static Analysis Result: S’</a:t>
             </a:r>
           </a:p>
@@ -19659,11 +19788,6 @@
         </p:txBody>
       </p:sp>
     </p:spTree>
-    <p:extLst>
-      <p:ext uri="{BB962C8B-B14F-4D97-AF65-F5344CB8AC3E}">
-        <p14:creationId xmlns:p14="http://schemas.microsoft.com/office/powerpoint/2010/main" val="1007046979"/>
-      </p:ext>
-    </p:extLst>
   </p:cSld>
   <p:clrMapOvr>
     <a:masterClrMapping/>
@@ -19742,12 +19866,14 @@
               <a:rPr lang="en-US" sz="1800" dirty="0" smtClean="0"/>
               <a:t>Hierarchical delta debugging begins from bottom-up to remove code</a:t>
             </a:r>
+            <a:endParaRPr lang="en-US" sz="1800" dirty="0" smtClean="0"/>
           </a:p>
           <a:p>
             <a:r>
               <a:rPr lang="en-US" sz="1800" dirty="0" smtClean="0"/>
               <a:t>Much larger removal units than traditional mutation testing</a:t>
             </a:r>
+            <a:endParaRPr lang="en-US" sz="1800" dirty="0" smtClean="0"/>
           </a:p>
           <a:p>
             <a:r>
@@ -19762,6 +19888,7 @@
               <a:rPr lang="en-US" sz="1800" dirty="0" smtClean="0"/>
               <a:t>be detected by test suite</a:t>
             </a:r>
+            <a:endParaRPr lang="en-US" sz="1800" dirty="0" smtClean="0"/>
           </a:p>
           <a:p>
             <a:r>
@@ -19770,15 +19897,7 @@
             </a:r>
             <a:r>
               <a:rPr lang="en-US" sz="1800" dirty="0" smtClean="0"/>
-              <a:t>n-mission mutation requires </a:t>
-            </a:r>
-            <a:r>
-              <a:rPr lang="en-US" sz="1800" dirty="0" smtClean="0"/>
-              <a:t>novel heuristics to speed analysis, modified hierarchical </a:t>
-            </a:r>
-            <a:r>
-              <a:rPr lang="en-US" sz="1800" dirty="0" smtClean="0"/>
-              <a:t>delta-debugging (</a:t>
+              <a:t>n-mission mutation requires novel heuristics to speed analysis, modified hierarchical delta-debugging (</a:t>
             </a:r>
             <a:r>
               <a:rPr lang="en-US" sz="1800" dirty="0" smtClean="0">
@@ -19827,8 +19946,6 @@
           <a:p>
             <a:fld id="{0840E6D7-221B-40B7-B50C-C3B5231B0D1A}" type="slidenum">
               <a:rPr lang="en-US" smtClean="0"/>
-              <a:pPr/>
-              <a:t>19</a:t>
             </a:fld>
             <a:endParaRPr lang="en-US"/>
           </a:p>
@@ -23282,6 +23399,7 @@
               <a:rPr lang="en-US" dirty="0" smtClean="0"/>
               <a:t>Remove calls to system logger first</a:t>
             </a:r>
+            <a:endParaRPr lang="en-US" dirty="0" smtClean="0"/>
           </a:p>
           <a:p>
             <a:pPr marL="285750" indent="-285750">
@@ -23292,6 +23410,7 @@
               <a:rPr lang="en-US" dirty="0" smtClean="0"/>
               <a:t>Remove initialization of system logger once all calls are gone</a:t>
             </a:r>
+            <a:endParaRPr lang="en-US" dirty="0" smtClean="0"/>
           </a:p>
           <a:p>
             <a:pPr marL="285750" indent="-285750">
@@ -23302,6 +23421,7 @@
               <a:rPr lang="en-US" dirty="0" smtClean="0"/>
               <a:t>Result: P’ has fewer writes to SSD, lower memory usage (logging cache no longer used)</a:t>
             </a:r>
+            <a:endParaRPr lang="en-US" dirty="0" smtClean="0"/>
           </a:p>
           <a:p>
             <a:endParaRPr lang="en-US" dirty="0"/>
@@ -23376,11 +23496,6 @@
         </p:txBody>
       </p:sp>
     </p:spTree>
-    <p:extLst>
-      <p:ext uri="{BB962C8B-B14F-4D97-AF65-F5344CB8AC3E}">
-        <p14:creationId xmlns:p14="http://schemas.microsoft.com/office/powerpoint/2010/main" val="4037329367"/>
-      </p:ext>
-    </p:extLst>
   </p:cSld>
   <p:clrMapOvr>
     <a:masterClrMapping/>
@@ -23473,6 +23588,7 @@
               <a:rPr lang="en-US" sz="2400" u="sng" dirty="0" smtClean="0"/>
               <a:t>Knowledge Representation Basis for Reasoning</a:t>
             </a:r>
+            <a:endParaRPr lang="en-US" sz="2400" u="sng" dirty="0" smtClean="0"/>
           </a:p>
           <a:p>
             <a:pPr lvl="1">
@@ -23500,6 +23616,7 @@
               <a:rPr lang="en-US" sz="1600" i="1" dirty="0" smtClean="0"/>
               <a:t>ocabulary and supporting tools to extract and represent knowledge about the platform, its ecosystem and prescribed/observed changes</a:t>
             </a:r>
+            <a:endParaRPr lang="en-US" sz="1600" i="1" dirty="0" smtClean="0"/>
           </a:p>
           <a:p>
             <a:pPr lvl="1">
@@ -23511,6 +23628,7 @@
               <a:rPr lang="en-US" sz="2000" dirty="0" smtClean="0"/>
               <a:t>Vanderbilt- </a:t>
             </a:r>
+            <a:endParaRPr lang="en-US" sz="2000" dirty="0" smtClean="0"/>
           </a:p>
           <a:p>
             <a:pPr lvl="2">
@@ -23519,42 +23637,10 @@
               </a:spcBef>
             </a:pPr>
             <a:r>
-              <a:rPr lang="en-US" sz="1600" dirty="0">
-                <a:solidFill>
-                  <a:srgbClr val="FF0000"/>
-                </a:solidFill>
-              </a:rPr>
-              <a:t>M</a:t>
-            </a:r>
-            <a:r>
-              <a:rPr lang="en-US" sz="1600" dirty="0" smtClean="0">
-                <a:solidFill>
-                  <a:srgbClr val="FF0000"/>
-                </a:solidFill>
-              </a:rPr>
-              <a:t>ission </a:t>
-            </a:r>
-            <a:r>
-              <a:rPr lang="en-US" sz="1600" dirty="0" smtClean="0">
-                <a:solidFill>
-                  <a:srgbClr val="FF0000"/>
-                </a:solidFill>
-              </a:rPr>
-              <a:t>model as a crosscut of system </a:t>
-            </a:r>
-            <a:r>
-              <a:rPr lang="en-US" sz="1600" dirty="0" smtClean="0">
-                <a:solidFill>
-                  <a:srgbClr val="FF0000"/>
-                </a:solidFill>
-              </a:rPr>
-              <a:t>models, Perturbation Interface [?]</a:t>
-            </a:r>
-            <a:endParaRPr lang="en-US" sz="1600" dirty="0" smtClean="0">
-              <a:solidFill>
-                <a:srgbClr val="FF0000"/>
-              </a:solidFill>
-            </a:endParaRPr>
+              <a:rPr lang="en-US" sz="1600" i="1" dirty="0" smtClean="0"/>
+              <a:t>Developing crosscuts and modeling languages to discover dependencies and conflicts in the system as well as opportunities to improve</a:t>
+            </a:r>
+            <a:endParaRPr lang="en-US" sz="1600" i="1" dirty="0" smtClean="0"/>
           </a:p>
           <a:p>
             <a:pPr lvl="1">
@@ -23566,6 +23652,7 @@
               <a:rPr lang="en-US" sz="2000" dirty="0" smtClean="0"/>
               <a:t>OSU-DSL</a:t>
             </a:r>
+            <a:endParaRPr lang="en-US" sz="2000" dirty="0" smtClean="0"/>
           </a:p>
           <a:p>
             <a:pPr lvl="2">
@@ -23575,15 +23662,7 @@
             </a:pPr>
             <a:r>
               <a:rPr lang="en-US" sz="1600" i="1" dirty="0" smtClean="0"/>
-              <a:t>Language for capturing the resource requirement of the application and the </a:t>
-            </a:r>
-            <a:r>
-              <a:rPr lang="en-US" sz="1600" i="1" dirty="0" smtClean="0"/>
-              <a:t>resources </a:t>
-            </a:r>
-            <a:r>
-              <a:rPr lang="en-US" sz="1600" i="1" dirty="0" smtClean="0"/>
-              <a:t>provisioned in its ecosystem</a:t>
+              <a:t>Language for capturing the resource requirement of the application and the resources provisioned in its ecosystem</a:t>
             </a:r>
             <a:endParaRPr lang="en-US" sz="1600" dirty="0" smtClean="0"/>
           </a:p>
@@ -23597,6 +23676,7 @@
               <a:rPr lang="en-US" sz="2400" u="sng" dirty="0" smtClean="0"/>
               <a:t>Discovery and Quantification of Resource Dependency and Usage</a:t>
             </a:r>
+            <a:endParaRPr lang="en-US" sz="2400" u="sng" dirty="0" smtClean="0"/>
           </a:p>
           <a:p>
             <a:pPr lvl="1">
@@ -23608,6 +23688,7 @@
               <a:rPr lang="en-US" sz="2000" dirty="0" smtClean="0"/>
               <a:t>Riverside</a:t>
             </a:r>
+            <a:endParaRPr lang="en-US" sz="2000" dirty="0" smtClean="0"/>
           </a:p>
           <a:p>
             <a:pPr lvl="2">
@@ -23635,6 +23716,7 @@
               <a:rPr lang="en-US" sz="2000" dirty="0" smtClean="0"/>
               <a:t>BBN-</a:t>
             </a:r>
+            <a:endParaRPr lang="en-US" sz="2000" dirty="0" smtClean="0"/>
           </a:p>
           <a:p>
             <a:pPr lvl="2">
@@ -23650,6 +23732,7 @@
               <a:rPr lang="en-US" sz="1600" i="1" dirty="0" smtClean="0"/>
               <a:t>est cases and test drivers, post analysis of static and dynamic analysis results</a:t>
             </a:r>
+            <a:endParaRPr lang="en-US" sz="1600" i="1" dirty="0" smtClean="0"/>
           </a:p>
           <a:p>
             <a:pPr lvl="1">
@@ -23661,6 +23744,7 @@
               <a:rPr lang="en-US" sz="2000" dirty="0" smtClean="0"/>
               <a:t>OSU-Mutation Testing</a:t>
             </a:r>
+            <a:endParaRPr lang="en-US" sz="2000" dirty="0" smtClean="0"/>
           </a:p>
           <a:p>
             <a:pPr lvl="2">
@@ -23672,6 +23756,7 @@
               <a:rPr lang="en-US" sz="1600" i="1" dirty="0" smtClean="0"/>
               <a:t>Discover hidden resource usage/dependency by differencing analysis results of original and the mutant</a:t>
             </a:r>
+            <a:endParaRPr lang="en-US" sz="1600" i="1" dirty="0" smtClean="0"/>
           </a:p>
           <a:p>
             <a:pPr>
@@ -23700,19 +23785,12 @@
           <a:p>
             <a:fld id="{0840E6D7-221B-40B7-B50C-C3B5231B0D1A}" type="slidenum">
               <a:rPr lang="en-US" smtClean="0"/>
-              <a:pPr/>
-              <a:t>2</a:t>
             </a:fld>
             <a:endParaRPr lang="en-US"/>
           </a:p>
         </p:txBody>
       </p:sp>
     </p:spTree>
-    <p:extLst>
-      <p:ext uri="{BB962C8B-B14F-4D97-AF65-F5344CB8AC3E}">
-        <p14:creationId xmlns:p14="http://schemas.microsoft.com/office/powerpoint/2010/main" val="441461505"/>
-      </p:ext>
-    </p:extLst>
   </p:cSld>
   <p:clrMapOvr>
     <a:masterClrMapping/>
@@ -23791,6 +23869,7 @@
               <a:rPr lang="en-US" sz="2400" dirty="0" smtClean="0"/>
               <a:t>Phase 1</a:t>
             </a:r>
+            <a:endParaRPr lang="en-US" sz="2400" dirty="0" smtClean="0"/>
           </a:p>
           <a:p>
             <a:pPr lvl="1"/>
@@ -23798,6 +23877,7 @@
               <a:rPr lang="en-US" sz="2000" dirty="0" smtClean="0"/>
               <a:t>Basic functionality: given program P and test suite T, produce P’ (subset of P) that passes T</a:t>
             </a:r>
+            <a:endParaRPr lang="en-US" sz="2000" dirty="0" smtClean="0"/>
           </a:p>
           <a:p>
             <a:pPr lvl="1"/>
@@ -23805,12 +23885,14 @@
               <a:rPr lang="en-US" sz="2000" dirty="0" smtClean="0"/>
               <a:t>Map P’ to estimate resource usage changes</a:t>
             </a:r>
+            <a:endParaRPr lang="en-US" sz="2000" dirty="0" smtClean="0"/>
           </a:p>
           <a:p>
             <a:r>
               <a:rPr lang="en-US" sz="2400" dirty="0" smtClean="0"/>
               <a:t>Phase 2</a:t>
             </a:r>
+            <a:endParaRPr lang="en-US" sz="2400" dirty="0" smtClean="0"/>
           </a:p>
           <a:p>
             <a:pPr lvl="1"/>
@@ -23818,6 +23900,7 @@
               <a:rPr lang="en-US" sz="2000" dirty="0" smtClean="0"/>
               <a:t>Method for handling test labels/lattices, computing multiple P’ based on these, and mappings</a:t>
             </a:r>
+            <a:endParaRPr lang="en-US" sz="2000" dirty="0" smtClean="0"/>
           </a:p>
           <a:p>
             <a:pPr lvl="1"/>
@@ -23825,12 +23908,14 @@
               <a:rPr lang="en-US" sz="2000" dirty="0" smtClean="0"/>
               <a:t>Initial heuristics and algorithms to speed up computing P’</a:t>
             </a:r>
+            <a:endParaRPr lang="en-US" sz="2000" dirty="0" smtClean="0"/>
           </a:p>
           <a:p>
             <a:r>
               <a:rPr lang="en-US" sz="2400" dirty="0" smtClean="0"/>
               <a:t>Phase 3 </a:t>
             </a:r>
+            <a:endParaRPr lang="en-US" sz="2400" dirty="0" smtClean="0"/>
           </a:p>
           <a:p>
             <a:pPr lvl="1"/>
@@ -23838,6 +23923,7 @@
               <a:rPr lang="en-US" sz="2000" dirty="0" smtClean="0"/>
               <a:t>Non-pure-deletion changes to produce more aggressive P’</a:t>
             </a:r>
+            <a:endParaRPr lang="en-US" sz="2000" dirty="0" smtClean="0"/>
           </a:p>
           <a:p>
             <a:pPr lvl="1"/>
@@ -23878,19 +23964,12 @@
           <a:p>
             <a:fld id="{0840E6D7-221B-40B7-B50C-C3B5231B0D1A}" type="slidenum">
               <a:rPr lang="en-US" smtClean="0"/>
-              <a:pPr/>
-              <a:t>20</a:t>
             </a:fld>
             <a:endParaRPr lang="en-US"/>
           </a:p>
         </p:txBody>
       </p:sp>
     </p:spTree>
-    <p:extLst>
-      <p:ext uri="{BB962C8B-B14F-4D97-AF65-F5344CB8AC3E}">
-        <p14:creationId xmlns:p14="http://schemas.microsoft.com/office/powerpoint/2010/main" val="2569457757"/>
-      </p:ext>
-    </p:extLst>
   </p:cSld>
   <p:clrMapOvr>
     <a:masterClrMapping/>
@@ -23974,19 +24053,12 @@
           <a:p>
             <a:fld id="{0840E6D7-221B-40B7-B50C-C3B5231B0D1A}" type="slidenum">
               <a:rPr lang="en-US" smtClean="0"/>
-              <a:pPr/>
-              <a:t>21</a:t>
             </a:fld>
             <a:endParaRPr lang="en-US"/>
           </a:p>
         </p:txBody>
       </p:sp>
     </p:spTree>
-    <p:extLst>
-      <p:ext uri="{BB962C8B-B14F-4D97-AF65-F5344CB8AC3E}">
-        <p14:creationId xmlns:p14="http://schemas.microsoft.com/office/powerpoint/2010/main" val="3907804219"/>
-      </p:ext>
-    </p:extLst>
   </p:cSld>
   <p:clrMapOvr>
     <a:masterClrMapping/>
@@ -24071,6 +24143,7 @@
               <a:rPr lang="en-US" sz="2600" dirty="0" smtClean="0"/>
               <a:t>SA application stores sensor data in a database </a:t>
             </a:r>
+            <a:endParaRPr lang="en-US" sz="2600" dirty="0" smtClean="0"/>
           </a:p>
           <a:p>
             <a:pPr lvl="1"/>
@@ -24082,6 +24155,7 @@
               <a:rPr lang="en-US" sz="2200" dirty="0" smtClean="0"/>
               <a:t>defines </a:t>
             </a:r>
+            <a:endParaRPr lang="en-US" sz="2200" dirty="0" smtClean="0"/>
           </a:p>
           <a:p>
             <a:pPr marL="457200" lvl="1" indent="0">
@@ -24095,6 +24169,7 @@
               <a:rPr lang="en-US" sz="2200" dirty="0" smtClean="0"/>
               <a:t>   the meta-data and </a:t>
             </a:r>
+            <a:endParaRPr lang="en-US" sz="2200" dirty="0" smtClean="0"/>
           </a:p>
           <a:p>
             <a:pPr marL="457200" lvl="1" indent="0">
@@ -24121,6 +24196,7 @@
               <a:rPr lang="en-US" sz="2600" dirty="0" smtClean="0"/>
               <a:t>DB schema often changes and evolves.</a:t>
             </a:r>
+            <a:endParaRPr lang="en-US" sz="2600" dirty="0" smtClean="0"/>
           </a:p>
           <a:p>
             <a:pPr lvl="1"/>
@@ -24172,8 +24248,6 @@
           <a:p>
             <a:fld id="{0840E6D7-221B-40B7-B50C-C3B5231B0D1A}" type="slidenum">
               <a:rPr lang="en-US" smtClean="0"/>
-              <a:pPr/>
-              <a:t>22</a:t>
             </a:fld>
             <a:endParaRPr lang="en-US"/>
           </a:p>
@@ -24185,9 +24259,7 @@
           <p:cNvGraphicFramePr>
             <a:graphicFrameLocks noGrp="1"/>
           </p:cNvGraphicFramePr>
-          <p:nvPr>
-            <p:extLst/>
-          </p:nvPr>
+          <p:nvPr/>
         </p:nvGraphicFramePr>
         <p:xfrm>
           <a:off x="4285629" y="1865089"/>
@@ -24340,9 +24412,7 @@
           <p:cNvGraphicFramePr>
             <a:graphicFrameLocks noGrp="1"/>
           </p:cNvGraphicFramePr>
-          <p:nvPr>
-            <p:extLst/>
-          </p:nvPr>
+          <p:nvPr/>
         </p:nvGraphicFramePr>
         <p:xfrm>
           <a:off x="5903459" y="1851480"/>
@@ -24581,7 +24651,6 @@
                         <a:buSzTx/>
                         <a:buFontTx/>
                         <a:buNone/>
-                        <a:tabLst/>
                         <a:defRPr/>
                       </a:pPr>
                       <a:r>
@@ -24668,9 +24737,7 @@
           <p:cNvGraphicFramePr>
             <a:graphicFrameLocks noGrp="1"/>
           </p:cNvGraphicFramePr>
-          <p:nvPr>
-            <p:extLst/>
-          </p:nvPr>
+          <p:nvPr/>
         </p:nvGraphicFramePr>
         <p:xfrm>
           <a:off x="5389315" y="4126547"/>
@@ -24801,7 +24868,6 @@
                         <a:buSzTx/>
                         <a:buFontTx/>
                         <a:buNone/>
-                        <a:tabLst/>
                         <a:defRPr/>
                       </a:pPr>
                       <a:r>
@@ -24893,7 +24959,6 @@
                         <a:buSzTx/>
                         <a:buFontTx/>
                         <a:buNone/>
-                        <a:tabLst/>
                         <a:defRPr/>
                       </a:pPr>
                       <a:r>
@@ -24985,7 +25050,6 @@
                         <a:buSzTx/>
                         <a:buFontTx/>
                         <a:buNone/>
-                        <a:tabLst/>
                         <a:defRPr/>
                       </a:pPr>
                       <a:r>
@@ -25045,7 +25109,6 @@
                         <a:buSzTx/>
                         <a:buFontTx/>
                         <a:buNone/>
-                        <a:tabLst/>
                         <a:defRPr/>
                       </a:pPr>
                       <a:r>
@@ -25093,11 +25156,6 @@
         </p:txBody>
       </p:sp>
     </p:spTree>
-    <p:extLst>
-      <p:ext uri="{BB962C8B-B14F-4D97-AF65-F5344CB8AC3E}">
-        <p14:creationId xmlns:p14="http://schemas.microsoft.com/office/powerpoint/2010/main" val="917973174"/>
-      </p:ext>
-    </p:extLst>
   </p:cSld>
   <p:clrMapOvr>
     <a:masterClrMapping/>
@@ -25220,6 +25278,7 @@
               <a:rPr lang="en-US" sz="2000" dirty="0" smtClean="0"/>
               <a:t>, under a new schema.</a:t>
             </a:r>
+            <a:endParaRPr lang="en-US" sz="2000" dirty="0" smtClean="0"/>
           </a:p>
           <a:p>
             <a:r>
@@ -25230,6 +25289,7 @@
               <a:rPr lang="en-US" sz="2000" dirty="0" smtClean="0"/>
               <a:t>: learn to rewrite the queries over the new schema by a sample of their answers over the old schema.</a:t>
             </a:r>
+            <a:endParaRPr lang="en-US" sz="2000" dirty="0" smtClean="0"/>
           </a:p>
           <a:p>
             <a:pPr lvl="1"/>
@@ -25237,6 +25297,7 @@
               <a:rPr lang="en-US" sz="1800" dirty="0" smtClean="0"/>
               <a:t>preserves the intent of the queries. </a:t>
             </a:r>
+            <a:endParaRPr lang="en-US" sz="1800" dirty="0" smtClean="0"/>
           </a:p>
           <a:p>
             <a:r>
@@ -25247,6 +25308,7 @@
               <a:rPr lang="en-US" sz="2000" dirty="0" smtClean="0"/>
               <a:t>: learning algorithms are sensitive to the choice of schema. </a:t>
             </a:r>
+            <a:endParaRPr lang="en-US" sz="2000" dirty="0" smtClean="0"/>
           </a:p>
           <a:p>
             <a:pPr lvl="1"/>
@@ -25254,6 +25316,7 @@
               <a:rPr lang="en-US" sz="1800" dirty="0" smtClean="0"/>
               <a:t>they learn the correct query over some schema and the incorrect ones over others.</a:t>
             </a:r>
+            <a:endParaRPr lang="en-US" sz="1800" dirty="0" smtClean="0"/>
           </a:p>
           <a:p>
             <a:pPr lvl="1"/>
@@ -25265,6 +25328,7 @@
               <a:rPr lang="en-US" sz="1800" dirty="0" smtClean="0"/>
               <a:t>: develop learning algorithms that are effective over a large varieties of schemas.</a:t>
             </a:r>
+            <a:endParaRPr lang="en-US" sz="1800" dirty="0" smtClean="0"/>
           </a:p>
           <a:p>
             <a:r>
@@ -25283,6 +25347,7 @@
               <a:rPr lang="en-US" sz="2000" dirty="0" smtClean="0"/>
               <a:t>are slow over large databases.</a:t>
             </a:r>
+            <a:endParaRPr lang="en-US" sz="2000" dirty="0" smtClean="0"/>
           </a:p>
           <a:p>
             <a:pPr lvl="1"/>
@@ -25302,6 +25367,7 @@
               <a:rPr lang="en-US" sz="1800" dirty="0" smtClean="0"/>
               <a:t> using database technologies and new optimization techniques.</a:t>
             </a:r>
+            <a:endParaRPr lang="en-US" sz="1800" dirty="0" smtClean="0"/>
           </a:p>
           <a:p>
             <a:r>
@@ -25312,6 +25378,7 @@
               <a:rPr lang="en-US" sz="2000" dirty="0" smtClean="0"/>
               <a:t>: learning algorithms require manual tuning.</a:t>
             </a:r>
+            <a:endParaRPr lang="en-US" sz="2000" dirty="0" smtClean="0"/>
           </a:p>
           <a:p>
             <a:pPr lvl="1"/>
@@ -25359,19 +25426,12 @@
           <a:p>
             <a:fld id="{0840E6D7-221B-40B7-B50C-C3B5231B0D1A}" type="slidenum">
               <a:rPr lang="en-US" smtClean="0"/>
-              <a:pPr/>
-              <a:t>23</a:t>
             </a:fld>
             <a:endParaRPr lang="en-US"/>
           </a:p>
         </p:txBody>
       </p:sp>
     </p:spTree>
-    <p:extLst>
-      <p:ext uri="{BB962C8B-B14F-4D97-AF65-F5344CB8AC3E}">
-        <p14:creationId xmlns:p14="http://schemas.microsoft.com/office/powerpoint/2010/main" val="1474943141"/>
-      </p:ext>
-    </p:extLst>
   </p:cSld>
   <p:clrMapOvr>
     <a:masterClrMapping/>
@@ -25450,6 +25510,7 @@
               <a:rPr lang="en-US" sz="1600" dirty="0" smtClean="0"/>
               <a:t>Phase 1: develop learning algorithms that are effective over a large variety of schemas</a:t>
             </a:r>
+            <a:endParaRPr lang="en-US" sz="1600" dirty="0" smtClean="0"/>
           </a:p>
           <a:p>
             <a:pPr lvl="1"/>
@@ -25457,6 +25518,7 @@
               <a:rPr lang="en-US" sz="1400" dirty="0" smtClean="0"/>
               <a:t>Formal framework to define and measure the property of schema-independence</a:t>
             </a:r>
+            <a:endParaRPr lang="en-US" sz="1400" dirty="0" smtClean="0"/>
           </a:p>
           <a:p>
             <a:pPr lvl="1"/>
@@ -25464,6 +25526,7 @@
               <a:rPr lang="en-US" sz="1400" dirty="0" smtClean="0"/>
               <a:t>Analyze the schema-independence for current sample-based and query-based learning systems</a:t>
             </a:r>
+            <a:endParaRPr lang="en-US" sz="1400" dirty="0" smtClean="0"/>
           </a:p>
           <a:p>
             <a:pPr lvl="1"/>
@@ -25471,12 +25534,14 @@
               <a:rPr lang="en-US" sz="1400" dirty="0" smtClean="0"/>
               <a:t>Implementing Castor- a novel and schema-independent and effective learning system over a relational database systems</a:t>
             </a:r>
+            <a:endParaRPr lang="en-US" sz="1400" dirty="0" smtClean="0"/>
           </a:p>
           <a:p>
             <a:r>
               <a:rPr lang="en-US" sz="1600" dirty="0" smtClean="0"/>
               <a:t>Phase 2: devise efficient relational learning algorithms using database technologies and new optimization techniques</a:t>
             </a:r>
+            <a:endParaRPr lang="en-US" sz="1600" dirty="0" smtClean="0"/>
           </a:p>
           <a:p>
             <a:pPr lvl="1"/>
@@ -25484,6 +25549,7 @@
               <a:rPr lang="en-US" sz="1400" dirty="0" smtClean="0"/>
               <a:t>Leverage relational database technologies such as stored procedures and indexing to scale Castor for large databases</a:t>
             </a:r>
+            <a:endParaRPr lang="en-US" sz="1400" dirty="0" smtClean="0"/>
           </a:p>
           <a:p>
             <a:pPr lvl="1"/>
@@ -25491,6 +25557,7 @@
               <a:rPr lang="en-US" sz="1400" dirty="0" smtClean="0"/>
               <a:t>Optimize the database query processing for the access queries issued from Castor</a:t>
             </a:r>
+            <a:endParaRPr lang="en-US" sz="1400" dirty="0" smtClean="0"/>
           </a:p>
           <a:p>
             <a:pPr lvl="1"/>
@@ -25498,23 +25565,22 @@
               <a:rPr lang="en-US" sz="1400" dirty="0" smtClean="0"/>
               <a:t>Leverage fast inference engines to scale Castor for complex schemas</a:t>
             </a:r>
+            <a:endParaRPr lang="en-US" sz="1400" dirty="0" smtClean="0"/>
           </a:p>
           <a:p>
             <a:pPr lvl="1"/>
             <a:r>
-              <a:rPr lang="en-US" sz="1400" b="1" dirty="0" smtClean="0">
-                <a:solidFill>
-                  <a:srgbClr val="FF0000"/>
-                </a:solidFill>
-              </a:rPr>
+              <a:rPr lang="en-US" sz="1400" dirty="0" smtClean="0"/>
               <a:t>Apply Castor/related technologies to respond to changes in the schema to represent SA data</a:t>
             </a:r>
+            <a:endParaRPr lang="en-US" sz="1400" dirty="0" smtClean="0"/>
           </a:p>
           <a:p>
             <a:r>
               <a:rPr lang="en-US" sz="1600" dirty="0" smtClean="0"/>
               <a:t>Phase 3: devise self-sustaining learning algorithms that maintain and evolve their own hyper-parameters and settings</a:t>
             </a:r>
+            <a:endParaRPr lang="en-US" sz="1600" dirty="0" smtClean="0"/>
           </a:p>
           <a:p>
             <a:pPr lvl="1"/>
@@ -25522,6 +25588,7 @@
               <a:rPr lang="en-US" sz="1400" dirty="0" smtClean="0"/>
               <a:t>Support automatic generation and maintenance of hyper-parameters in Castor using database constraints and/or query history</a:t>
             </a:r>
+            <a:endParaRPr lang="en-US" sz="1400" dirty="0" smtClean="0"/>
           </a:p>
           <a:p>
             <a:pPr lvl="1"/>
@@ -25577,19 +25644,12 @@
           <a:p>
             <a:fld id="{0840E6D7-221B-40B7-B50C-C3B5231B0D1A}" type="slidenum">
               <a:rPr lang="en-US" smtClean="0"/>
-              <a:pPr/>
-              <a:t>24</a:t>
             </a:fld>
             <a:endParaRPr lang="en-US"/>
           </a:p>
         </p:txBody>
       </p:sp>
     </p:spTree>
-    <p:extLst>
-      <p:ext uri="{BB962C8B-B14F-4D97-AF65-F5344CB8AC3E}">
-        <p14:creationId xmlns:p14="http://schemas.microsoft.com/office/powerpoint/2010/main" val="2987320142"/>
-      </p:ext>
-    </p:extLst>
   </p:cSld>
   <p:clrMapOvr>
     <a:masterClrMapping/>
@@ -25651,9 +25711,6 @@
         </p:style>
         <p:txBody>
           <a:bodyPr rot="0" spcFirstLastPara="0" vertOverflow="overflow" horzOverflow="overflow" vert="horz" wrap="square" lIns="68580" tIns="34290" rIns="68580" bIns="34290" numCol="1" spcCol="0" rtlCol="0" fromWordArt="0" anchor="ctr" anchorCtr="0" forceAA="0" compatLnSpc="1">
-            <a:prstTxWarp prst="textNoShape">
-              <a:avLst/>
-            </a:prstTxWarp>
             <a:noAutofit/>
           </a:bodyPr>
           <a:lstStyle/>
@@ -25714,6 +25771,7 @@
               <a:rPr lang="en-US" dirty="0"/>
               <a:t>Phase1</a:t>
             </a:r>
+            <a:endParaRPr lang="en-US" dirty="0"/>
           </a:p>
           <a:p>
             <a:pPr marL="257175" indent="-257175">
@@ -25727,6 +25785,7 @@
               <a:rPr lang="en-US" sz="1500" dirty="0"/>
               <a:t>Driven by changes in functional and extra functional requirements and constraints</a:t>
             </a:r>
+            <a:endParaRPr lang="en-US" sz="1500" dirty="0"/>
           </a:p>
           <a:p>
             <a:pPr marL="257175" indent="-257175">
@@ -25740,6 +25799,7 @@
               <a:rPr lang="en-US" sz="1500" dirty="0"/>
               <a:t>Evaluation is focused on correctness (i.e.,  it is mostly verification)—no qualitative distinction is made among the possible solutions</a:t>
             </a:r>
+            <a:endParaRPr lang="en-US" sz="1500" dirty="0"/>
           </a:p>
           <a:p>
             <a:pPr marL="257175" indent="-257175">
@@ -25753,6 +25813,7 @@
               <a:rPr lang="en-US" sz="1500" dirty="0"/>
               <a:t>Verification is through tests to show that functional intent is preserved</a:t>
             </a:r>
+            <a:endParaRPr lang="en-US" sz="1500" dirty="0"/>
           </a:p>
           <a:p>
             <a:pPr marL="257175" indent="-257175">
@@ -25766,6 +25827,7 @@
               <a:rPr lang="en-US" sz="1500" dirty="0"/>
               <a:t>Realized by substitution of components that follow the same usage pattern as baseline </a:t>
             </a:r>
+            <a:endParaRPr lang="en-US" sz="1500" dirty="0"/>
           </a:p>
           <a:p>
             <a:pPr marL="600075" lvl="1" indent="-257175">
@@ -25782,6 +25844,10 @@
               </a:rPr>
               <a:t>Substitute(s) that could work exists;  choose &amp; message the code </a:t>
             </a:r>
+            <a:endParaRPr lang="en-US" sz="1400" dirty="0" smtClean="0">
+              <a:latin typeface="Arial" panose="020B0604020202020204" pitchFamily="34" charset="0"/>
+              <a:cs typeface="Arial" panose="020B0604020202020204" pitchFamily="34" charset="0"/>
+            </a:endParaRPr>
           </a:p>
           <a:p>
             <a:pPr marL="600075" lvl="1" indent="-257175">
@@ -25836,6 +25902,7 @@
               <a:rPr lang="en-US" dirty="0"/>
               <a:t>Phase 2</a:t>
             </a:r>
+            <a:endParaRPr lang="en-US" dirty="0"/>
           </a:p>
           <a:p>
             <a:pPr marL="257175" indent="-257175">
@@ -25849,6 +25916,7 @@
               <a:rPr lang="en-US" sz="1500" dirty="0"/>
               <a:t>Driven by changes in 3rd party software (OS, Libraries) or services </a:t>
             </a:r>
+            <a:endParaRPr lang="en-US" sz="1500" dirty="0"/>
           </a:p>
           <a:p>
             <a:pPr marL="257175" indent="-257175">
@@ -25862,6 +25930,7 @@
               <a:rPr lang="en-US" sz="1500" dirty="0"/>
               <a:t>Evaluation will consider qualitative differences among possible solutions and the one that the DAS produces</a:t>
             </a:r>
+            <a:endParaRPr lang="en-US" sz="1500" dirty="0"/>
           </a:p>
           <a:p>
             <a:pPr marL="257175" indent="-257175">
@@ -25879,6 +25948,7 @@
               <a:rPr lang="en-US" sz="1500" dirty="0"/>
               <a:t>as before</a:t>
             </a:r>
+            <a:endParaRPr lang="en-US" sz="1500" dirty="0"/>
           </a:p>
           <a:p>
             <a:pPr marL="257175" indent="-257175">
@@ -25892,6 +25962,7 @@
               <a:rPr lang="en-US" sz="1500" dirty="0"/>
               <a:t>Realized by combination of basic mutations on code: substitute, add (i.e., compose), and  remove </a:t>
             </a:r>
+            <a:endParaRPr lang="en-US" sz="1500" dirty="0"/>
           </a:p>
           <a:p>
             <a:pPr marL="600075" lvl="1" indent="-257175">
@@ -25908,6 +25979,10 @@
               </a:rPr>
               <a:t>Still mostly changes in source code to produce new binaries</a:t>
             </a:r>
+            <a:endParaRPr lang="en-US" sz="1400" dirty="0">
+              <a:latin typeface="Arial" panose="020B0604020202020204" pitchFamily="34" charset="0"/>
+              <a:cs typeface="Arial" panose="020B0604020202020204" pitchFamily="34" charset="0"/>
+            </a:endParaRPr>
           </a:p>
           <a:p>
             <a:pPr marL="600075" lvl="1" indent="-257175">
@@ -25924,6 +25999,10 @@
               </a:rPr>
               <a:t>Will consider composing simple “controller” code enabling simple runtime behavior adaptation </a:t>
             </a:r>
+            <a:endParaRPr lang="en-US" sz="1400" dirty="0">
+              <a:latin typeface="Arial" panose="020B0604020202020204" pitchFamily="34" charset="0"/>
+              <a:cs typeface="Arial" panose="020B0604020202020204" pitchFamily="34" charset="0"/>
+            </a:endParaRPr>
           </a:p>
           <a:p>
             <a:pPr marL="600075" lvl="1" indent="-257175">
@@ -25974,6 +26053,7 @@
               <a:rPr lang="en-US" dirty="0"/>
               <a:t>Phase3</a:t>
             </a:r>
+            <a:endParaRPr lang="en-US" dirty="0"/>
           </a:p>
           <a:p>
             <a:pPr marL="257175" indent="-257175">
@@ -25987,6 +26067,7 @@
               <a:rPr lang="en-US" sz="1500" dirty="0"/>
               <a:t>Focused on handling changes encountered at runtime by runtime adaptation</a:t>
             </a:r>
+            <a:endParaRPr lang="en-US" sz="1500" dirty="0"/>
           </a:p>
           <a:p>
             <a:pPr marL="257175" indent="-257175">
@@ -26022,6 +26103,7 @@
               <a:rPr lang="en-US" sz="1500" dirty="0"/>
               <a:t>same as before</a:t>
             </a:r>
+            <a:endParaRPr lang="en-US" sz="1500" dirty="0"/>
           </a:p>
           <a:p>
             <a:pPr marL="257175" indent="-257175">
@@ -26035,6 +26117,7 @@
               <a:rPr lang="en-US" sz="1500" dirty="0"/>
               <a:t>Realized by pre-installed instrumentation in the application that responds to observed runtime changes </a:t>
             </a:r>
+            <a:endParaRPr lang="en-US" sz="1500" dirty="0"/>
           </a:p>
           <a:p>
             <a:pPr marL="600075" lvl="1" indent="-257175">
@@ -26051,6 +26134,10 @@
               </a:rPr>
               <a:t>Will change the behavior of the application by altering the data and control flow</a:t>
             </a:r>
+            <a:endParaRPr lang="en-US" sz="1400" dirty="0">
+              <a:latin typeface="Arial" panose="020B0604020202020204" pitchFamily="34" charset="0"/>
+              <a:cs typeface="Arial" panose="020B0604020202020204" pitchFamily="34" charset="0"/>
+            </a:endParaRPr>
           </a:p>
           <a:p>
             <a:pPr marL="600075" lvl="1" indent="-257175">
@@ -26067,6 +26154,10 @@
               </a:rPr>
               <a:t>Will modify the application binary (rewriting or downloading bytecodes)</a:t>
             </a:r>
+            <a:endParaRPr lang="en-US" sz="1400" dirty="0">
+              <a:latin typeface="Arial" panose="020B0604020202020204" pitchFamily="34" charset="0"/>
+              <a:cs typeface="Arial" panose="020B0604020202020204" pitchFamily="34" charset="0"/>
+            </a:endParaRPr>
           </a:p>
           <a:p>
             <a:pPr marL="600075" lvl="1" indent="-257175">
@@ -26087,11 +26178,6 @@
         </p:txBody>
       </p:sp>
     </p:spTree>
-    <p:extLst>
-      <p:ext uri="{BB962C8B-B14F-4D97-AF65-F5344CB8AC3E}">
-        <p14:creationId xmlns:p14="http://schemas.microsoft.com/office/powerpoint/2010/main" val="1005557908"/>
-      </p:ext>
-    </p:extLst>
   </p:cSld>
   <p:clrMapOvr>
     <a:masterClrMapping/>
@@ -26174,6 +26260,7 @@
               <a:rPr lang="en-US" sz="2400" dirty="0" smtClean="0"/>
               <a:t>Reasoning and Transformation</a:t>
             </a:r>
+            <a:endParaRPr lang="en-US" sz="2400" dirty="0" smtClean="0"/>
           </a:p>
           <a:p>
             <a:pPr lvl="1"/>
@@ -26181,16 +26268,13 @@
               <a:rPr lang="en-US" sz="2000" dirty="0" smtClean="0"/>
               <a:t>BBN</a:t>
             </a:r>
+            <a:endParaRPr lang="en-US" sz="2000" dirty="0" smtClean="0"/>
           </a:p>
           <a:p>
             <a:pPr lvl="2"/>
             <a:r>
               <a:rPr lang="en-US" sz="1600" i="1" dirty="0" smtClean="0"/>
-              <a:t>DAS and SPARQL workflow, substitute and compose </a:t>
-            </a:r>
-            <a:r>
-              <a:rPr lang="en-US" sz="1600" i="1" dirty="0" smtClean="0"/>
-              <a:t>mutation primitives</a:t>
+              <a:t>DAS and SPARQL workflow, substitute and compose mutation primitives</a:t>
             </a:r>
             <a:endParaRPr lang="en-US" sz="1600" dirty="0" smtClean="0"/>
           </a:p>
@@ -26200,6 +26284,7 @@
               <a:rPr lang="en-US" sz="2000" dirty="0" smtClean="0"/>
               <a:t>OSU-DSL</a:t>
             </a:r>
+            <a:endParaRPr lang="en-US" sz="2000" dirty="0" smtClean="0"/>
           </a:p>
           <a:p>
             <a:pPr lvl="2"/>
@@ -26215,16 +26300,13 @@
               <a:rPr lang="en-US" sz="2000" dirty="0" smtClean="0"/>
               <a:t>OSU-Mutation Testing</a:t>
             </a:r>
+            <a:endParaRPr lang="en-US" sz="2000" dirty="0" smtClean="0"/>
           </a:p>
           <a:p>
             <a:pPr lvl="2"/>
             <a:r>
               <a:rPr lang="en-US" sz="1600" i="1" dirty="0" smtClean="0"/>
-              <a:t>Deletion </a:t>
-            </a:r>
-            <a:r>
-              <a:rPr lang="en-US" sz="1600" i="1" dirty="0" smtClean="0"/>
-              <a:t>mutation primitive</a:t>
+              <a:t>Deletion mutation primitive</a:t>
             </a:r>
             <a:endParaRPr lang="en-US" sz="1600" dirty="0" smtClean="0"/>
           </a:p>
@@ -26234,6 +26316,7 @@
               <a:rPr lang="en-US" sz="2000" dirty="0" smtClean="0"/>
               <a:t>OSU-Schema Evolution</a:t>
             </a:r>
+            <a:endParaRPr lang="en-US" sz="2000" dirty="0" smtClean="0"/>
           </a:p>
           <a:p>
             <a:pPr lvl="2"/>
@@ -26243,15 +26326,7 @@
             </a:r>
             <a:r>
               <a:rPr lang="en-US" sz="1600" i="1" dirty="0" smtClean="0"/>
-              <a:t>dapting to changes in data representation (</a:t>
-            </a:r>
-            <a:r>
-              <a:rPr lang="en-US" sz="1600" i="1" dirty="0" smtClean="0"/>
-              <a:t>database</a:t>
-            </a:r>
-            <a:r>
-              <a:rPr lang="en-US" sz="1600" i="1" dirty="0" smtClean="0"/>
-              <a:t>)</a:t>
+              <a:t>dapting to changes in data representation (database)</a:t>
             </a:r>
             <a:endParaRPr lang="en-US" sz="1600" dirty="0" smtClean="0"/>
           </a:p>
@@ -26261,38 +26336,31 @@
               <a:rPr lang="en-US" sz="2000" dirty="0" smtClean="0"/>
               <a:t>Vanderbilt</a:t>
             </a:r>
+            <a:endParaRPr lang="en-US" sz="2000" dirty="0" smtClean="0"/>
           </a:p>
           <a:p>
             <a:pPr lvl="2"/>
             <a:r>
-              <a:rPr lang="en-US" sz="1600" i="1" dirty="0">
-                <a:solidFill>
-                  <a:srgbClr val="FF0000"/>
-                </a:solidFill>
+              <a:rPr lang="en-US" sz="1600" i="1" dirty="0" smtClean="0"/>
+              <a:t>Model  </a:t>
+            </a:r>
+            <a:r>
+              <a:rPr lang="en-US" sz="1600" i="1" dirty="0" smtClean="0">
+                <a:sym typeface="Wingdings" panose="05000000000000000000" pitchFamily="2" charset="2"/>
               </a:rPr>
-              <a:t>M</a:t>
+              <a:t>  Model { </a:t>
+            </a:r>
+            <a:r>
+              <a:rPr lang="en-US" sz="1600" i="1" dirty="0" smtClean="0"/>
+              <a:t>Model </a:t>
             </a:r>
             <a:r>
               <a:rPr lang="en-US" sz="1600" i="1" dirty="0" smtClean="0">
-                <a:solidFill>
-                  <a:srgbClr val="FF0000"/>
-                </a:solidFill>
+                <a:sym typeface="Wingdings" panose="05000000000000000000" pitchFamily="2" charset="2"/>
               </a:rPr>
-              <a:t>odel based generation of </a:t>
-            </a:r>
-            <a:r>
-              <a:rPr lang="en-US" sz="1600" i="1" dirty="0" smtClean="0">
-                <a:solidFill>
-                  <a:srgbClr val="FF0000"/>
-                </a:solidFill>
-              </a:rPr>
-              <a:t>code [?]</a:t>
-            </a:r>
-            <a:endParaRPr lang="en-US" sz="1600" dirty="0" smtClean="0">
-              <a:solidFill>
-                <a:srgbClr val="FF0000"/>
-              </a:solidFill>
-            </a:endParaRPr>
+              <a:t>   Code, Fact  Model, Facts  Visualization } </a:t>
+            </a:r>
+            <a:endParaRPr lang="en-US" sz="1600" dirty="0" smtClean="0"/>
           </a:p>
           <a:p>
             <a:pPr lvl="1"/>
@@ -26312,6 +26380,7 @@
               <a:rPr lang="en-US" sz="1600" i="1" dirty="0" smtClean="0"/>
               <a:t>ytecode patching and instrumentation</a:t>
             </a:r>
+            <a:endParaRPr lang="en-US" sz="1600" i="1" dirty="0" smtClean="0"/>
           </a:p>
           <a:p>
             <a:endParaRPr lang="en-US" sz="2400" dirty="0"/>
@@ -26335,8 +26404,6 @@
           <a:p>
             <a:fld id="{0840E6D7-221B-40B7-B50C-C3B5231B0D1A}" type="slidenum">
               <a:rPr lang="en-US" smtClean="0"/>
-              <a:pPr/>
-              <a:t>3</a:t>
             </a:fld>
             <a:endParaRPr lang="en-US"/>
           </a:p>
@@ -26350,8 +26417,8 @@
         </p:nvSpPr>
         <p:spPr>
           <a:xfrm>
-            <a:off x="6217557" y="4617136"/>
-            <a:ext cx="2766786" cy="1477328"/>
+            <a:off x="5704113" y="5129654"/>
+            <a:ext cx="3280229" cy="1200329"/>
           </a:xfrm>
           <a:prstGeom prst="rect">
             <a:avLst/>
@@ -26381,11 +26448,6 @@
         </p:txBody>
       </p:sp>
     </p:spTree>
-    <p:extLst>
-      <p:ext uri="{BB962C8B-B14F-4D97-AF65-F5344CB8AC3E}">
-        <p14:creationId xmlns:p14="http://schemas.microsoft.com/office/powerpoint/2010/main" val="1433111056"/>
-      </p:ext>
-    </p:extLst>
   </p:cSld>
   <p:clrMapOvr>
     <a:masterClrMapping/>
@@ -26476,19 +26538,12 @@
           <a:p>
             <a:fld id="{0840E6D7-221B-40B7-B50C-C3B5231B0D1A}" type="slidenum">
               <a:rPr lang="en-US" smtClean="0"/>
-              <a:pPr/>
-              <a:t>4</a:t>
             </a:fld>
             <a:endParaRPr lang="en-US"/>
           </a:p>
         </p:txBody>
       </p:sp>
     </p:spTree>
-    <p:extLst>
-      <p:ext uri="{BB962C8B-B14F-4D97-AF65-F5344CB8AC3E}">
-        <p14:creationId xmlns:p14="http://schemas.microsoft.com/office/powerpoint/2010/main" val="1925901453"/>
-      </p:ext>
-    </p:extLst>
   </p:cSld>
   <p:clrMapOvr>
     <a:masterClrMapping/>
@@ -26537,27 +26592,7 @@
           <a:p>
             <a:r>
               <a:rPr lang="en-US" dirty="0" smtClean="0"/>
-              <a:t>Accomplishments </a:t>
-            </a:r>
-            <a:r>
-              <a:rPr lang="en-US" dirty="0" smtClean="0"/>
-              <a:t>So </a:t>
-            </a:r>
-            <a:r>
-              <a:rPr lang="en-US" dirty="0"/>
-              <a:t>F</a:t>
-            </a:r>
-            <a:r>
-              <a:rPr lang="en-US" dirty="0" smtClean="0"/>
-              <a:t>ar </a:t>
-            </a:r>
-            <a:r>
-              <a:rPr lang="en-US" sz="2400" dirty="0" smtClean="0">
-                <a:solidFill>
-                  <a:srgbClr val="FF0000"/>
-                </a:solidFill>
-              </a:rPr>
-              <a:t>(Jacob to check)</a:t>
+              <a:t>Accomplishments So Far</a:t>
             </a:r>
             <a:endParaRPr lang="en-US" sz="2400" dirty="0">
               <a:solidFill>
@@ -26593,6 +26628,7 @@
               <a:rPr lang="en-US" sz="2000" dirty="0" smtClean="0"/>
               <a:t>We have defined an ontology (descriptive logic) with vocabulary sufficient to express the following concepts relevant to BRASS:</a:t>
             </a:r>
+            <a:endParaRPr lang="en-US" sz="2000" dirty="0" smtClean="0"/>
           </a:p>
           <a:p>
             <a:pPr lvl="1"/>
@@ -26600,35 +26636,21 @@
               <a:rPr lang="en-US" sz="1600" dirty="0" smtClean="0"/>
               <a:t>What software does</a:t>
             </a:r>
+            <a:endParaRPr lang="en-US" sz="1600" dirty="0" smtClean="0"/>
           </a:p>
           <a:p>
             <a:pPr lvl="2"/>
             <a:r>
               <a:rPr lang="en-US" sz="1400" dirty="0" smtClean="0"/>
-              <a:t>Semantic </a:t>
-            </a:r>
+              <a:t>Semantic datatypes, Functional signatures</a:t>
+            </a:r>
+            <a:endParaRPr lang="en-US" sz="1400" dirty="0" smtClean="0"/>
+          </a:p>
+          <a:p>
+            <a:pPr lvl="2"/>
             <a:r>
               <a:rPr lang="en-US" sz="1400" dirty="0" smtClean="0"/>
-              <a:t>datatypes, Functional </a:t>
-            </a:r>
-            <a:r>
-              <a:rPr lang="en-US" sz="1400" dirty="0" smtClean="0"/>
-              <a:t>signatures</a:t>
-            </a:r>
-          </a:p>
-          <a:p>
-            <a:pPr lvl="2"/>
-            <a:r>
-              <a:rPr lang="en-US" sz="1400" dirty="0" smtClean="0"/>
-              <a:t>Properties (for example </a:t>
-            </a:r>
-            <a:r>
-              <a:rPr lang="en-US" sz="1400" dirty="0" smtClean="0"/>
-              <a:t> </a:t>
-            </a:r>
-            <a:r>
-              <a:rPr lang="en-US" sz="1400" dirty="0" smtClean="0"/>
-              <a:t>encrypted(</a:t>
+              <a:t>Properties (for example  encrypted(</a:t>
             </a:r>
             <a:r>
               <a:rPr lang="en-US" sz="1400" dirty="0" err="1" smtClean="0"/>
@@ -26636,11 +26658,7 @@
             </a:r>
             <a:r>
               <a:rPr lang="en-US" sz="1400" dirty="0" smtClean="0"/>
-              <a:t>={aes-256</a:t>
-            </a:r>
-            <a:r>
-              <a:rPr lang="en-US" sz="1400" dirty="0" smtClean="0"/>
-              <a:t>}) can be a property of a datatype)</a:t>
+              <a:t>={aes-256}) can be a property of a datatype)</a:t>
             </a:r>
             <a:endParaRPr lang="en-US" sz="1400" dirty="0" smtClean="0"/>
           </a:p>
@@ -26650,6 +26668,7 @@
               <a:rPr lang="en-US" sz="1600" dirty="0" smtClean="0"/>
               <a:t>The structure of software</a:t>
             </a:r>
+            <a:endParaRPr lang="en-US" sz="1600" dirty="0" smtClean="0"/>
           </a:p>
           <a:p>
             <a:pPr lvl="2"/>
@@ -26673,76 +26692,39 @@
               <a:rPr lang="en-US" sz="1400" dirty="0" smtClean="0"/>
               <a:t>-resource, ...)</a:t>
             </a:r>
+            <a:endParaRPr lang="en-US" sz="1400" dirty="0" smtClean="0"/>
           </a:p>
           <a:p>
             <a:pPr lvl="2"/>
             <a:r>
               <a:rPr lang="en-US" sz="1400" dirty="0" smtClean="0"/>
-              <a:t>Dataflow aspects (the flow of data between </a:t>
-            </a:r>
+              <a:t>Dataflow aspects (the flow of data between components; intra- and inter-process communication)</a:t>
+            </a:r>
+            <a:endParaRPr lang="en-US" sz="1400" dirty="0" smtClean="0"/>
+          </a:p>
+          <a:p>
+            <a:pPr lvl="2"/>
             <a:r>
               <a:rPr lang="en-US" sz="1400" dirty="0" smtClean="0"/>
-              <a:t>components</a:t>
-            </a:r>
+              <a:t>Control flow aspects (basic blocks, call graphs)</a:t>
+            </a:r>
+            <a:endParaRPr lang="en-US" sz="1400" dirty="0" smtClean="0"/>
+          </a:p>
+          <a:p>
+            <a:pPr lvl="1"/>
+            <a:r>
+              <a:rPr lang="en-US" sz="1600" dirty="0" smtClean="0"/>
+              <a:t>Descriptive (as they are) state of software and its ecosystem</a:t>
+            </a:r>
+            <a:endParaRPr lang="en-US" sz="1600" dirty="0" smtClean="0"/>
+          </a:p>
+          <a:p>
+            <a:pPr lvl="2"/>
             <a:r>
               <a:rPr lang="en-US" sz="1400" dirty="0" smtClean="0"/>
-              <a:t>; intra- and </a:t>
-            </a:r>
-            <a:r>
-              <a:rPr lang="en-US" sz="1400" dirty="0" smtClean="0"/>
-              <a:t>inter-process </a:t>
-            </a:r>
-            <a:r>
-              <a:rPr lang="en-US" sz="1400" dirty="0" smtClean="0"/>
-              <a:t>communication)</a:t>
-            </a:r>
-          </a:p>
-          <a:p>
-            <a:pPr lvl="2"/>
-            <a:r>
-              <a:rPr lang="en-US" sz="1400" dirty="0" smtClean="0"/>
-              <a:t>Control flow aspects (basic blocks, call graphs</a:t>
-            </a:r>
-            <a:r>
-              <a:rPr lang="en-US" sz="1400" dirty="0" smtClean="0"/>
-              <a:t>)</a:t>
+              <a:t>Observed 256kbps EWMA on a network link over a 10s sliding window</a:t>
             </a:r>
             <a:endParaRPr lang="en-US" sz="1400" dirty="0" smtClean="0"/>
-          </a:p>
-          <a:p>
-            <a:pPr lvl="1"/>
-            <a:r>
-              <a:rPr lang="en-US" sz="1600" dirty="0" smtClean="0"/>
-              <a:t>Descriptive (as they are) </a:t>
-            </a:r>
-            <a:r>
-              <a:rPr lang="en-US" sz="1600" dirty="0" smtClean="0"/>
-              <a:t>state of software and </a:t>
-            </a:r>
-            <a:r>
-              <a:rPr lang="en-US" sz="1600" dirty="0" smtClean="0"/>
-              <a:t>its ecosystem</a:t>
-            </a:r>
-            <a:endParaRPr lang="en-US" sz="1600" dirty="0" smtClean="0"/>
-          </a:p>
-          <a:p>
-            <a:pPr lvl="2"/>
-            <a:r>
-              <a:rPr lang="en-US" sz="1400" dirty="0" smtClean="0"/>
-              <a:t>O</a:t>
-            </a:r>
-            <a:r>
-              <a:rPr lang="en-US" sz="1400" dirty="0" smtClean="0"/>
-              <a:t>bserved </a:t>
-            </a:r>
-            <a:r>
-              <a:rPr lang="en-US" sz="1400" dirty="0" smtClean="0"/>
-              <a:t>256kbps EWMA on a network link over a 10s sliding </a:t>
-            </a:r>
-            <a:r>
-              <a:rPr lang="en-US" sz="1400" dirty="0" smtClean="0"/>
-              <a:t>window</a:t>
-            </a:r>
           </a:p>
           <a:p>
             <a:pPr lvl="2"/>
@@ -26750,6 +26732,7 @@
               <a:rPr lang="en-US" sz="1400" dirty="0" smtClean="0"/>
               <a:t>The mission will be run in a GPS denied environment</a:t>
             </a:r>
+            <a:endParaRPr lang="en-US" sz="1400" dirty="0" smtClean="0"/>
           </a:p>
           <a:p>
             <a:pPr lvl="1"/>
@@ -26763,15 +26746,7 @@
             <a:pPr lvl="2"/>
             <a:r>
               <a:rPr lang="en-US" sz="1400" dirty="0" smtClean="0"/>
-              <a:t>Proscriptive (as things </a:t>
-            </a:r>
-            <a:r>
-              <a:rPr lang="en-US" sz="1400" dirty="0" smtClean="0"/>
-              <a:t>should </a:t>
-            </a:r>
-            <a:r>
-              <a:rPr lang="en-US" sz="1400" dirty="0" smtClean="0"/>
-              <a:t>be) – constraints embodying problematic conditions</a:t>
+              <a:t>Proscriptive (as things should be) – constraints embodying problematic conditions</a:t>
             </a:r>
             <a:endParaRPr lang="en-US" sz="1400" dirty="0" smtClean="0"/>
           </a:p>
@@ -26781,6 +26756,7 @@
               <a:rPr lang="en-US" sz="1200" dirty="0" smtClean="0"/>
               <a:t>Aggregate bandwidth (or CPU cycles/sec or memory) consumption should be less than available bandwidth (or CPU cycles or memory)</a:t>
             </a:r>
+            <a:endParaRPr lang="en-US" sz="1200" dirty="0" smtClean="0"/>
           </a:p>
           <a:p>
             <a:pPr marL="1371600" lvl="3"/>
@@ -26794,15 +26770,7 @@
             <a:pPr lvl="2"/>
             <a:r>
               <a:rPr lang="en-US" sz="1400" dirty="0" smtClean="0"/>
-              <a:t>Prescriptive (how </a:t>
-            </a:r>
-            <a:r>
-              <a:rPr lang="en-US" sz="1400" dirty="0" smtClean="0"/>
-              <a:t>to correct problematic </a:t>
-            </a:r>
-            <a:r>
-              <a:rPr lang="en-US" sz="1400" dirty="0" smtClean="0"/>
-              <a:t>conditions) – describe/guide potential remedial actions</a:t>
+              <a:t>Prescriptive (how to correct problematic conditions) – describe/guide potential remedial actions</a:t>
             </a:r>
             <a:endParaRPr lang="en-US" sz="1400" dirty="0" smtClean="0"/>
           </a:p>
@@ -26812,34 +26780,18 @@
               <a:rPr lang="en-US" sz="1200" dirty="0" smtClean="0"/>
               <a:t>If a constraint is violated, try substituting the offending component with suitable properties and resource profile</a:t>
             </a:r>
+            <a:endParaRPr lang="en-US" sz="1200" dirty="0" smtClean="0"/>
           </a:p>
           <a:p>
             <a:pPr marL="1371600" lvl="3"/>
             <a:r>
               <a:rPr lang="en-US" sz="1200" dirty="0" smtClean="0"/>
-              <a:t>I</a:t>
-            </a:r>
-            <a:r>
-              <a:rPr lang="en-US" sz="1200" dirty="0" smtClean="0"/>
-              <a:t>f </a:t>
-            </a:r>
-            <a:r>
-              <a:rPr lang="en-US" sz="1200" dirty="0" smtClean="0"/>
-              <a:t>a bandwidth limit is exceeded, try reducing the size of data transmitted across the </a:t>
-            </a:r>
-            <a:r>
-              <a:rPr lang="en-US" sz="1200" dirty="0" smtClean="0"/>
-              <a:t>network</a:t>
+              <a:t>If a bandwidth limit is exceeded, try reducing the size of data transmitted across the network</a:t>
             </a:r>
           </a:p>
         </p:txBody>
       </p:sp>
     </p:spTree>
-    <p:extLst>
-      <p:ext uri="{BB962C8B-B14F-4D97-AF65-F5344CB8AC3E}">
-        <p14:creationId xmlns:p14="http://schemas.microsoft.com/office/powerpoint/2010/main" val="523633913"/>
-      </p:ext>
-    </p:extLst>
   </p:cSld>
   <p:clrMapOvr>
     <a:masterClrMapping/>
@@ -26920,17 +26872,15 @@
               <a:rPr lang="en-US" dirty="0" smtClean="0"/>
               <a:t>Annotation Generator</a:t>
             </a:r>
+            <a:endParaRPr lang="en-US" dirty="0" smtClean="0"/>
           </a:p>
           <a:p>
             <a:pPr lvl="1"/>
             <a:r>
               <a:rPr lang="en-US" dirty="0" smtClean="0"/>
-              <a:t>Synthesize annotation types from an ontology.  The annotations can be used by programmers to indicate the presence of ontology concepts in their </a:t>
-            </a:r>
-            <a:r>
-              <a:rPr lang="en-US" dirty="0" smtClean="0"/>
-              <a:t>code</a:t>
-            </a:r>
+              <a:t>Synthesize annotation types from an ontology.  The annotations can be used by programmers to indicate the presence of ontology concepts in their code</a:t>
+            </a:r>
+            <a:endParaRPr lang="en-US" dirty="0" smtClean="0"/>
           </a:p>
           <a:p>
             <a:pPr lvl="1"/>
@@ -26945,6 +26895,7 @@
               <a:rPr lang="en-US" dirty="0" smtClean="0"/>
               <a:t>Bytecode Analyzer</a:t>
             </a:r>
+            <a:endParaRPr lang="en-US" dirty="0" smtClean="0"/>
           </a:p>
           <a:p>
             <a:pPr lvl="1"/>
@@ -26952,6 +26903,7 @@
               <a:rPr lang="en-US" dirty="0" smtClean="0"/>
               <a:t>Scan compiled bytecode artifacts</a:t>
             </a:r>
+            <a:endParaRPr lang="en-US" dirty="0" smtClean="0"/>
           </a:p>
           <a:p>
             <a:pPr lvl="2"/>
@@ -26961,12 +26913,9 @@
             </a:r>
             <a:r>
               <a:rPr lang="en-US" dirty="0" smtClean="0"/>
-              <a:t>uild </a:t>
-            </a:r>
-            <a:r>
-              <a:rPr lang="en-US" dirty="0" smtClean="0"/>
-              <a:t>graph describing the structure of bytecode</a:t>
-            </a:r>
+              <a:t>uild graph describing the structure of bytecode</a:t>
+            </a:r>
+            <a:endParaRPr lang="en-US" dirty="0" smtClean="0"/>
           </a:p>
           <a:p>
             <a:pPr lvl="2"/>
@@ -26976,15 +26925,7 @@
             </a:r>
             <a:r>
               <a:rPr lang="en-US" dirty="0" smtClean="0"/>
-              <a:t>arse </a:t>
-            </a:r>
-            <a:r>
-              <a:rPr lang="en-US" dirty="0" smtClean="0"/>
-              <a:t>annotations added by programmers from binary, instantiate ontology concepts, link to high-level structural </a:t>
-            </a:r>
-            <a:r>
-              <a:rPr lang="en-US" dirty="0" smtClean="0"/>
-              <a:t>concepts– i.e., extract facts/knowledge about the software that can be represented in machine analyzable form (in triple store)</a:t>
+              <a:t>arse annotations added by programmers from binary, instantiate ontology concepts, link to high-level structural concepts– i.e., extract facts/knowledge about the software that can be represented in machine analyzable form (in triple store)</a:t>
             </a:r>
             <a:endParaRPr lang="en-US" dirty="0" smtClean="0"/>
           </a:p>
@@ -26993,17 +26934,15 @@
               <a:rPr lang="en-US" dirty="0" smtClean="0"/>
               <a:t>Ontology API</a:t>
             </a:r>
+            <a:endParaRPr lang="en-US" dirty="0" smtClean="0"/>
           </a:p>
           <a:p>
             <a:pPr lvl="1"/>
             <a:r>
               <a:rPr lang="en-US" dirty="0" smtClean="0"/>
-              <a:t>Programmatic API for quickly populating ontology concepts directly from Java source </a:t>
-            </a:r>
-            <a:r>
-              <a:rPr lang="en-US" dirty="0" smtClean="0"/>
-              <a:t>code</a:t>
-            </a:r>
+              <a:t>Programmatic API for quickly populating ontology concepts directly from Java source code</a:t>
+            </a:r>
+            <a:endParaRPr lang="en-US" dirty="0" smtClean="0"/>
           </a:p>
           <a:p>
             <a:pPr lvl="1"/>
@@ -27018,16 +26957,13 @@
               <a:rPr lang="en-US" dirty="0" smtClean="0"/>
               <a:t>Knowledge Repository Service</a:t>
             </a:r>
+            <a:endParaRPr lang="en-US" dirty="0" smtClean="0"/>
           </a:p>
           <a:p>
             <a:pPr lvl="1"/>
             <a:r>
               <a:rPr lang="en-US" dirty="0" smtClean="0"/>
-              <a:t>Mechanism by which data enters the triple </a:t>
-            </a:r>
-            <a:r>
-              <a:rPr lang="en-US" dirty="0" smtClean="0"/>
-              <a:t>store. </a:t>
+              <a:t>Mechanism by which data enters the triple store. </a:t>
             </a:r>
             <a:endParaRPr lang="en-US" dirty="0"/>
           </a:p>
@@ -27042,11 +26978,6 @@
         </p:txBody>
       </p:sp>
     </p:spTree>
-    <p:extLst>
-      <p:ext uri="{BB962C8B-B14F-4D97-AF65-F5344CB8AC3E}">
-        <p14:creationId xmlns:p14="http://schemas.microsoft.com/office/powerpoint/2010/main" val="3849420867"/>
-      </p:ext>
-    </p:extLst>
   </p:cSld>
   <p:clrMapOvr>
     <a:masterClrMapping/>
@@ -27095,11 +27026,7 @@
           <a:p>
             <a:r>
               <a:rPr lang="en-US" dirty="0" smtClean="0"/>
-              <a:t>Planned </a:t>
-            </a:r>
-            <a:r>
-              <a:rPr lang="en-US" dirty="0" smtClean="0"/>
-              <a:t>Next Steps (</a:t>
+              <a:t>Planned Next Steps (</a:t>
             </a:r>
             <a:r>
               <a:rPr lang="en-US" dirty="0" smtClean="0">
@@ -27130,7 +27057,7 @@
         <p:spPr>
           <a:xfrm>
             <a:off x="139700" y="1048656"/>
-            <a:ext cx="8714014" cy="5517244"/>
+            <a:ext cx="8895118" cy="5517244"/>
           </a:xfrm>
         </p:spPr>
         <p:txBody>
@@ -27148,6 +27075,7 @@
               <a:rPr lang="en-US" sz="1200" dirty="0" smtClean="0"/>
               <a:t>Ontology</a:t>
             </a:r>
+            <a:endParaRPr lang="en-US" sz="1200" dirty="0" smtClean="0"/>
           </a:p>
           <a:p>
             <a:pPr lvl="1">
@@ -27157,65 +27085,61 @@
             </a:pPr>
             <a:r>
               <a:rPr lang="en-US" sz="1100" dirty="0" smtClean="0"/>
-              <a:t>Generality of </a:t>
-            </a:r>
+              <a:t>Generality of vocabulary: </a:t>
+            </a:r>
+            <a:r>
+              <a:rPr lang="en-US" sz="1050" dirty="0" smtClean="0"/>
+              <a:t>Current state – </a:t>
+            </a:r>
+            <a:r>
+              <a:rPr lang="en-US" sz="1050" dirty="0"/>
+              <a:t> </a:t>
+            </a:r>
+            <a:r>
+              <a:rPr lang="en-US" sz="1050" dirty="0" smtClean="0"/>
+              <a:t>new CPs will necessitate changes to the vocabulary, DAS closely tied to vocabulary </a:t>
+            </a:r>
+            <a:endParaRPr lang="en-US" sz="1050" dirty="0" smtClean="0"/>
+          </a:p>
+          <a:p>
+            <a:pPr lvl="2">
+              <a:spcBef>
+                <a:spcPts val="0"/>
+              </a:spcBef>
+            </a:pPr>
+            <a:r>
+              <a:rPr lang="en-US" sz="1050" dirty="0" smtClean="0"/>
+              <a:t>Near future goal: extend the vocabulary to support additional CPs, and free the DAS from CP specific logic (more domain independent) </a:t>
+            </a:r>
+            <a:endParaRPr lang="en-US" sz="1050" dirty="0" smtClean="0"/>
+          </a:p>
+          <a:p>
+            <a:pPr lvl="2">
+              <a:spcBef>
+                <a:spcPts val="0"/>
+              </a:spcBef>
+            </a:pPr>
+            <a:r>
+              <a:rPr lang="en-US" sz="1050" dirty="0" smtClean="0"/>
+              <a:t>Long-term goal: generalize the vocabulary enough to support emergent CPs, have the DAS workable with other platforms</a:t>
+            </a:r>
+            <a:endParaRPr lang="en-US" sz="1050" dirty="0" smtClean="0"/>
+          </a:p>
+          <a:p>
+            <a:pPr lvl="1">
+              <a:spcBef>
+                <a:spcPts val="0"/>
+              </a:spcBef>
+            </a:pPr>
             <a:r>
               <a:rPr lang="en-US" sz="1100" dirty="0" smtClean="0"/>
-              <a:t>vocabulary: </a:t>
+              <a:t>Utility of domain knowledge: </a:t>
             </a:r>
             <a:r>
               <a:rPr lang="en-US" sz="1050" dirty="0" smtClean="0"/>
-              <a:t>Current state - very </a:t>
-            </a:r>
-            <a:r>
-              <a:rPr lang="en-US" sz="1050" dirty="0" smtClean="0"/>
-              <a:t>domain (and even CP) specific</a:t>
-            </a:r>
-          </a:p>
-          <a:p>
-            <a:pPr lvl="2">
-              <a:spcBef>
-                <a:spcPts val="0"/>
-              </a:spcBef>
-            </a:pPr>
-            <a:r>
-              <a:rPr lang="en-US" sz="1050" dirty="0" smtClean="0"/>
-              <a:t>Near future goal: extend the vocabulary to support additional CPs/domains</a:t>
-            </a:r>
-          </a:p>
-          <a:p>
-            <a:pPr lvl="2">
-              <a:spcBef>
-                <a:spcPts val="0"/>
-              </a:spcBef>
-            </a:pPr>
-            <a:r>
-              <a:rPr lang="en-US" sz="1050" dirty="0" smtClean="0"/>
-              <a:t>Long-term goal: generalize the vocabulary enough to support emergent CPs/domains</a:t>
-            </a:r>
-          </a:p>
-          <a:p>
-            <a:pPr lvl="1">
-              <a:spcBef>
-                <a:spcPts val="0"/>
-              </a:spcBef>
-            </a:pPr>
-            <a:r>
-              <a:rPr lang="en-US" sz="1100" dirty="0" smtClean="0"/>
-              <a:t>Utility of domain </a:t>
-            </a:r>
-            <a:r>
-              <a:rPr lang="en-US" sz="1100" dirty="0" smtClean="0"/>
-              <a:t>knowledge: </a:t>
-            </a:r>
-            <a:r>
-              <a:rPr lang="en-US" sz="1050" dirty="0" smtClean="0"/>
-              <a:t>Current state - the </a:t>
-            </a:r>
-            <a:r>
-              <a:rPr lang="en-US" sz="1050" dirty="0" smtClean="0"/>
-              <a:t>DAS has to do a lot of CP-specific CONSTRUCT statements to make use of what’s in the ontology</a:t>
-            </a:r>
+              <a:t>Current state - the DAS has to do a lot of CP-specific CONSTRUCT statements to make use of what’s in the ontology</a:t>
+            </a:r>
+            <a:endParaRPr lang="en-US" sz="1050" dirty="0" smtClean="0"/>
           </a:p>
           <a:p>
             <a:pPr lvl="2">
@@ -27227,6 +27151,7 @@
               <a:rPr lang="en-US" sz="1050" dirty="0" smtClean="0"/>
               <a:t>Near future goal: greatly reduce the CONSTRUCTs performed by the DAS by embedding the ratiocination process in models.  This embedding can be in the form of SPIN rules or in the creation of models that can be decomposed into such rules, or by embedding rules in the reasoner operating over our models.</a:t>
             </a:r>
+            <a:endParaRPr lang="en-US" sz="1050" dirty="0" smtClean="0"/>
           </a:p>
           <a:p>
             <a:pPr lvl="2">
@@ -27238,6 +27163,7 @@
               <a:rPr lang="en-US" sz="1050" dirty="0" smtClean="0"/>
               <a:t>Long-term goal: eliminate domain and CP-specific CONSTRUCT statements in the DAS.</a:t>
             </a:r>
+            <a:endParaRPr lang="en-US" sz="1050" dirty="0" smtClean="0"/>
           </a:p>
           <a:p>
             <a:pPr>
@@ -27247,11 +27173,7 @@
             </a:pPr>
             <a:r>
               <a:rPr lang="en-US" sz="1200" dirty="0" smtClean="0"/>
-              <a:t>Knowledge </a:t>
-            </a:r>
-            <a:r>
-              <a:rPr lang="en-US" sz="1200" dirty="0" smtClean="0"/>
-              <a:t>repository </a:t>
+              <a:t>Knowledge repository </a:t>
             </a:r>
             <a:endParaRPr lang="en-US" sz="1200" dirty="0" smtClean="0"/>
           </a:p>
@@ -27267,12 +27189,9 @@
             </a:r>
             <a:r>
               <a:rPr lang="en-US" sz="1050" dirty="0" smtClean="0"/>
-              <a:t>Current state -  </a:t>
-            </a:r>
-            <a:r>
-              <a:rPr lang="en-US" sz="1050" dirty="0" smtClean="0"/>
-              <a:t>tens of thousands of triples</a:t>
-            </a:r>
+              <a:t>Current state -  tens of thousands of triples</a:t>
+            </a:r>
+            <a:endParaRPr lang="en-US" sz="1050" dirty="0" smtClean="0"/>
           </a:p>
           <a:p>
             <a:pPr lvl="2">
@@ -27284,6 +27203,7 @@
               <a:rPr lang="en-US" sz="1050" dirty="0" smtClean="0"/>
               <a:t>Near future goal: traverse a production local maven repository and ingest all artifacts found there into a triple store (millions of triples)</a:t>
             </a:r>
+            <a:endParaRPr lang="en-US" sz="1050" dirty="0" smtClean="0"/>
           </a:p>
           <a:p>
             <a:pPr lvl="2">
@@ -27295,6 +27215,7 @@
               <a:rPr lang="en-US" sz="1050" dirty="0" smtClean="0"/>
               <a:t>Long term goal: crawl the Maven-Central repository and ingest all artifacts found there into a triple store (hundreds of millions of triples)</a:t>
             </a:r>
+            <a:endParaRPr lang="en-US" sz="1050" dirty="0" smtClean="0"/>
           </a:p>
           <a:p>
             <a:pPr lvl="1">
@@ -27304,20 +27225,13 @@
             </a:pPr>
             <a:r>
               <a:rPr lang="en-US" sz="1100" dirty="0" smtClean="0"/>
-              <a:t>Repository </a:t>
-            </a:r>
-            <a:r>
-              <a:rPr lang="en-US" sz="1100" dirty="0" smtClean="0"/>
-              <a:t>service: </a:t>
+              <a:t>Repository service: </a:t>
             </a:r>
             <a:r>
               <a:rPr lang="en-US" sz="1050" dirty="0" smtClean="0"/>
-              <a:t>Current state -  </a:t>
-            </a:r>
-            <a:r>
-              <a:rPr lang="en-US" sz="1050" dirty="0" smtClean="0"/>
-              <a:t>minimal functionality</a:t>
-            </a:r>
+              <a:t>Current state -  minimal functionality</a:t>
+            </a:r>
+            <a:endParaRPr lang="en-US" sz="1050" dirty="0" smtClean="0"/>
           </a:p>
           <a:p>
             <a:pPr lvl="2">
@@ -27329,6 +27243,7 @@
               <a:rPr lang="en-US" sz="1050" dirty="0" smtClean="0"/>
               <a:t>Near future goal: all of the artifact ingest stages will be performed via the service API (instead of through the build, which is the way things are now)</a:t>
             </a:r>
+            <a:endParaRPr lang="en-US" sz="1050" dirty="0" smtClean="0"/>
           </a:p>
           <a:p>
             <a:pPr>
@@ -27338,11 +27253,7 @@
             </a:pPr>
             <a:r>
               <a:rPr lang="en-US" sz="1200" dirty="0" smtClean="0"/>
-              <a:t>Bytecode </a:t>
-            </a:r>
-            <a:r>
-              <a:rPr lang="en-US" sz="1200" dirty="0" smtClean="0"/>
-              <a:t>patching and synthesis: Current state- coarse-grained bytecode models are ingested into the repository but not used for adaptation</a:t>
+              <a:t>Bytecode patching and synthesis: Current state- coarse-grained bytecode models are ingested into the repository but not used for adaptation</a:t>
             </a:r>
             <a:endParaRPr lang="en-US" sz="1200" dirty="0" smtClean="0"/>
           </a:p>
@@ -27354,43 +27265,19 @@
             </a:pPr>
             <a:r>
               <a:rPr lang="en-US" sz="1100" dirty="0" smtClean="0"/>
-              <a:t>Near </a:t>
-            </a:r>
+              <a:t>Near future goal: fine-grained bytecode models ingested into the triple store and used for offline patching (e.g., reuse a method from class X to evolve class Y)</a:t>
+            </a:r>
+            <a:endParaRPr lang="en-US" sz="1100" dirty="0" smtClean="0"/>
+          </a:p>
+          <a:p>
+            <a:pPr lvl="1">
+              <a:spcBef>
+                <a:spcPts val="0"/>
+              </a:spcBef>
+            </a:pPr>
             <a:r>
               <a:rPr lang="en-US" sz="1100" dirty="0" smtClean="0"/>
-              <a:t>future goal: </a:t>
-            </a:r>
-            <a:r>
-              <a:rPr lang="en-US" sz="1100" dirty="0" smtClean="0"/>
-              <a:t>fine-grained bytecode models ingested into </a:t>
-            </a:r>
-            <a:r>
-              <a:rPr lang="en-US" sz="1100" dirty="0" smtClean="0"/>
-              <a:t>the triple store and used for </a:t>
-            </a:r>
-            <a:r>
-              <a:rPr lang="en-US" sz="1100" dirty="0" smtClean="0"/>
-              <a:t>offline patching (e.g., reuse a method from class X to evolve class Y)</a:t>
-            </a:r>
-            <a:endParaRPr lang="en-US" sz="1100" dirty="0" smtClean="0"/>
-          </a:p>
-          <a:p>
-            <a:pPr lvl="1">
-              <a:spcBef>
-                <a:spcPts val="0"/>
-              </a:spcBef>
-            </a:pPr>
-            <a:r>
-              <a:rPr lang="en-US" sz="1100" dirty="0" smtClean="0"/>
-              <a:t>Long-term goal: </a:t>
-            </a:r>
-            <a:r>
-              <a:rPr lang="en-US" sz="1100" dirty="0" smtClean="0"/>
-              <a:t>bytecode constructs synthesized from the ground up (i.e., no useful method was found, so synthesize </a:t>
-            </a:r>
-            <a:r>
-              <a:rPr lang="en-US" sz="1100" dirty="0" smtClean="0"/>
-              <a:t>a derivative (by eliminating certain bytecode instructions) or integral (by mixing in certain bytecode instructions) based on rules and knowledge about bytecodes in the triple store (still offline)</a:t>
+              <a:t>Long-term goal: bytecode constructs synthesized from the ground up (i.e., no useful method was found, so synthesize a derivative (by eliminating certain bytecode instructions) or integral (by mixing in certain bytecode instructions) based on rules and knowledge about bytecodes in the triple store (still offline)</a:t>
             </a:r>
             <a:endParaRPr lang="en-US" sz="1100" dirty="0" smtClean="0"/>
           </a:p>
@@ -27404,6 +27291,7 @@
               <a:rPr lang="en-US" sz="1200" dirty="0" smtClean="0"/>
               <a:t>Bytecode instrumentation</a:t>
             </a:r>
+            <a:endParaRPr lang="en-US" sz="1200" dirty="0" smtClean="0"/>
           </a:p>
           <a:p>
             <a:pPr lvl="1">
@@ -27413,38 +27301,19 @@
             </a:pPr>
             <a:r>
               <a:rPr lang="en-US" sz="1100" dirty="0" smtClean="0"/>
-              <a:t>Current </a:t>
-            </a:r>
+              <a:t>Current state: we don’t do any instrumentation</a:t>
+            </a:r>
+            <a:endParaRPr lang="en-US" sz="1100" dirty="0" smtClean="0"/>
+          </a:p>
+          <a:p>
+            <a:pPr lvl="1">
+              <a:spcBef>
+                <a:spcPts val="0"/>
+              </a:spcBef>
+            </a:pPr>
             <a:r>
               <a:rPr lang="en-US" sz="1100" dirty="0" smtClean="0"/>
-              <a:t>state: we don’t do any instrumentation</a:t>
-            </a:r>
-          </a:p>
-          <a:p>
-            <a:pPr lvl="1">
-              <a:spcBef>
-                <a:spcPts val="0"/>
-              </a:spcBef>
-            </a:pPr>
-            <a:r>
-              <a:rPr lang="en-US" sz="1100" dirty="0" smtClean="0"/>
-              <a:t>Long-term </a:t>
-            </a:r>
-            <a:r>
-              <a:rPr lang="en-US" sz="1100" dirty="0" smtClean="0"/>
-              <a:t>goal</a:t>
-            </a:r>
-            <a:r>
-              <a:rPr lang="en-US" sz="1100" dirty="0" smtClean="0"/>
-              <a:t>: perform non functionality-altering instrumentation to track metrics useful for reasoning </a:t>
-            </a:r>
-            <a:r>
-              <a:rPr lang="en-US" sz="1100" dirty="0" smtClean="0"/>
-              <a:t>and adaptation at </a:t>
-            </a:r>
-            <a:r>
-              <a:rPr lang="en-US" sz="1100" dirty="0" smtClean="0"/>
-              <a:t>runtime.  E.g., if we have a constraint on </a:t>
+              <a:t>Long-term goal: perform non functionality-altering instrumentation to track metrics useful for reasoning and adaptation at runtime.  E.g., if we have a constraint on </a:t>
             </a:r>
             <a:r>
               <a:rPr lang="en-US" sz="1100" dirty="0" err="1" smtClean="0"/>
@@ -27460,11 +27329,7 @@
             </a:r>
             <a:r>
               <a:rPr lang="en-US" sz="1100" dirty="0" smtClean="0"/>
-              <a:t> from the running software via </a:t>
-            </a:r>
-            <a:r>
-              <a:rPr lang="en-US" sz="1100" dirty="0" smtClean="0"/>
-              <a:t>instrumentation, and adapt bytecode at runtime without having to restart the application</a:t>
+              <a:t> from the running software via instrumentation, and adapt bytecode at runtime without having to restart the application</a:t>
             </a:r>
             <a:endParaRPr lang="en-US" sz="1100" dirty="0" smtClean="0"/>
           </a:p>
@@ -27479,15 +27344,17 @@
         </p:txBody>
       </p:sp>
     </p:spTree>
-    <p:extLst>
-      <p:ext uri="{BB962C8B-B14F-4D97-AF65-F5344CB8AC3E}">
-        <p14:creationId xmlns:p14="http://schemas.microsoft.com/office/powerpoint/2010/main" val="1058830604"/>
-      </p:ext>
-    </p:extLst>
   </p:cSld>
   <p:clrMapOvr>
     <a:masterClrMapping/>
   </p:clrMapOvr>
+  <p:timing>
+    <p:tnLst>
+      <p:par>
+        <p:cTn id="1" dur="indefinite" restart="never" nodeType="tmRoot"/>
+      </p:par>
+    </p:tnLst>
+  </p:timing>
 </p:sld>
 </file>
 
@@ -27567,23 +27434,23 @@
           <a:p>
             <a:fld id="{0840E6D7-221B-40B7-B50C-C3B5231B0D1A}" type="slidenum">
               <a:rPr lang="en-US" smtClean="0"/>
-              <a:pPr/>
-              <a:t>8</a:t>
             </a:fld>
             <a:endParaRPr lang="en-US"/>
           </a:p>
         </p:txBody>
       </p:sp>
     </p:spTree>
-    <p:extLst>
-      <p:ext uri="{BB962C8B-B14F-4D97-AF65-F5344CB8AC3E}">
-        <p14:creationId xmlns:p14="http://schemas.microsoft.com/office/powerpoint/2010/main" val="1666167168"/>
-      </p:ext>
-    </p:extLst>
   </p:cSld>
   <p:clrMapOvr>
     <a:masterClrMapping/>
   </p:clrMapOvr>
+  <p:timing>
+    <p:tnLst>
+      <p:par>
+        <p:cTn id="1" dur="indefinite" restart="never" nodeType="tmRoot"/>
+      </p:par>
+    </p:tnLst>
+  </p:timing>
 </p:sld>
 </file>
 
@@ -27611,9 +27478,7 @@
           <p:nvPr/>
         </p:nvPicPr>
         <p:blipFill>
-          <a:blip r:embed="rId3">
-            <a:alphaModFix/>
-          </a:blip>
+          <a:blip r:embed="rId1"/>
           <a:stretch>
             <a:fillRect/>
           </a:stretch>
@@ -27639,9 +27504,7 @@
           <p:nvPr/>
         </p:nvPicPr>
         <p:blipFill>
-          <a:blip r:embed="rId4">
-            <a:alphaModFix/>
-          </a:blip>
+          <a:blip r:embed="rId2"/>
           <a:stretch>
             <a:fillRect/>
           </a:stretch>
@@ -27699,7 +27562,7 @@
               </a:spcAft>
             </a:pPr>
             <a:r>
-              <a:rPr lang="en" sz="1400" b="1" kern="0">
+              <a:rPr lang="en-GB" sz="1400" b="1" kern="0">
                 <a:solidFill>
                   <a:srgbClr val="EFEFEF"/>
                 </a:solidFill>
@@ -27709,6 +27572,14 @@
               </a:rPr>
               <a:t>IMMoRTALS : 2016 Technology Review : Phase 1</a:t>
             </a:r>
+            <a:endParaRPr lang="en-GB" sz="1400" b="1" kern="0">
+              <a:solidFill>
+                <a:srgbClr val="EFEFEF"/>
+              </a:solidFill>
+              <a:latin typeface="Arial"/>
+              <a:cs typeface="Arial"/>
+              <a:sym typeface="Arial"/>
+            </a:endParaRPr>
           </a:p>
           <a:p>
             <a:pPr algn="ctr" defTabSz="914400" fontAlgn="auto">
@@ -27723,7 +27594,7 @@
               </a:spcAft>
             </a:pPr>
             <a:r>
-              <a:rPr lang="en" sz="1100" kern="0">
+              <a:rPr lang="en-GB" sz="1100" kern="0">
                 <a:solidFill>
                   <a:srgbClr val="EFEFEF"/>
                 </a:solidFill>
@@ -27733,6 +27604,14 @@
               </a:rPr>
               <a:t>Doug Schmidt, Fred Eisele</a:t>
             </a:r>
+            <a:endParaRPr lang="en-GB" sz="1100" kern="0">
+              <a:solidFill>
+                <a:srgbClr val="EFEFEF"/>
+              </a:solidFill>
+              <a:latin typeface="Arial"/>
+              <a:cs typeface="Arial"/>
+              <a:sym typeface="Arial"/>
+            </a:endParaRPr>
           </a:p>
           <a:p>
             <a:pPr algn="ctr" defTabSz="914400" fontAlgn="auto">
@@ -27747,7 +27626,7 @@
               </a:spcAft>
             </a:pPr>
             <a:r>
-              <a:rPr lang="en" sz="1100" kern="0">
+              <a:rPr lang="en-GB" sz="1100" kern="0">
                 <a:solidFill>
                   <a:srgbClr val="EFEFEF"/>
                 </a:solidFill>
@@ -27799,7 +27678,7 @@
               </a:spcAft>
             </a:pPr>
             <a:r>
-              <a:rPr lang="en" sz="1100" b="1" kern="0">
+              <a:rPr lang="en-GB" sz="1100" b="1" kern="0">
                 <a:solidFill>
                   <a:srgbClr val="EFEFEF"/>
                 </a:solidFill>
@@ -27851,7 +27730,7 @@
               </a:spcAft>
             </a:pPr>
             <a:r>
-              <a:rPr lang="en" sz="1100" b="1" kern="0">
+              <a:rPr lang="en-GB" sz="1100" b="1" kern="0">
                 <a:solidFill>
                   <a:srgbClr val="EFEFEF"/>
                 </a:solidFill>
@@ -27903,7 +27782,7 @@
               </a:spcAft>
             </a:pPr>
             <a:r>
-              <a:rPr lang="en" sz="1100" b="1" kern="0">
+              <a:rPr lang="en-GB" sz="1100" b="1" kern="0">
                 <a:solidFill>
                   <a:srgbClr val="EFEFEF"/>
                 </a:solidFill>
@@ -28007,7 +27886,7 @@
               </a:spcAft>
             </a:pPr>
             <a:r>
-              <a:rPr lang="en" sz="1100" b="1" kern="0">
+              <a:rPr lang="en-GB" sz="1100" b="1" kern="0">
                 <a:solidFill>
                   <a:srgbClr val="EFEFEF"/>
                 </a:solidFill>
@@ -28059,7 +27938,7 @@
               </a:spcAft>
             </a:pPr>
             <a:r>
-              <a:rPr lang="en" sz="1100" b="1" kern="0">
+              <a:rPr lang="en-GB" sz="1100" b="1" kern="0">
                 <a:solidFill>
                   <a:srgbClr val="EFEFEF"/>
                 </a:solidFill>
@@ -28106,7 +27985,7 @@
               </a:spcAft>
             </a:pPr>
             <a:r>
-              <a:rPr lang="en" sz="1000" b="1" kern="0">
+              <a:rPr lang="en-GB" sz="1000" b="1" kern="0">
                 <a:solidFill>
                   <a:srgbClr val="000000"/>
                 </a:solidFill>
@@ -28157,12 +28036,12 @@
               <a:buClr>
                 <a:srgbClr val="000000"/>
               </a:buClr>
-              <a:buSzPct val="137500"/>
+              <a:buSzPct val="138000"/>
               <a:buFont typeface="Arial"/>
               <a:buNone/>
             </a:pPr>
             <a:r>
-              <a:rPr lang="en" sz="800" kern="0">
+              <a:rPr lang="en-GB" sz="800" kern="0">
                 <a:solidFill>
                   <a:srgbClr val="980000"/>
                 </a:solidFill>
@@ -28172,6 +28051,14 @@
               </a:rPr>
               <a:t>DFU model</a:t>
             </a:r>
+            <a:endParaRPr lang="en-GB" sz="800" kern="0">
+              <a:solidFill>
+                <a:srgbClr val="980000"/>
+              </a:solidFill>
+              <a:latin typeface="Arial"/>
+              <a:cs typeface="Arial"/>
+              <a:sym typeface="Arial"/>
+            </a:endParaRPr>
           </a:p>
           <a:p>
             <a:pPr marL="114300" indent="-69850" defTabSz="914400" fontAlgn="auto">
@@ -28187,12 +28074,12 @@
               <a:buClr>
                 <a:srgbClr val="000000"/>
               </a:buClr>
-              <a:buSzPct val="137500"/>
+              <a:buSzPct val="138000"/>
               <a:buFont typeface="Arial"/>
               <a:buNone/>
             </a:pPr>
             <a:r>
-              <a:rPr lang="en" sz="800" kern="0">
+              <a:rPr lang="en-GB" sz="800" kern="0">
                 <a:solidFill>
                   <a:srgbClr val="000000"/>
                 </a:solidFill>
@@ -28202,6 +28089,14 @@
               </a:rPr>
               <a:t>Runtime recording is associated with software graphs?</a:t>
             </a:r>
+            <a:endParaRPr lang="en-GB" sz="800" kern="0">
+              <a:solidFill>
+                <a:srgbClr val="000000"/>
+              </a:solidFill>
+              <a:latin typeface="Arial"/>
+              <a:cs typeface="Arial"/>
+              <a:sym typeface="Arial"/>
+            </a:endParaRPr>
           </a:p>
           <a:p>
             <a:pPr defTabSz="914400" fontAlgn="auto">
@@ -28216,7 +28111,7 @@
               </a:spcAft>
             </a:pPr>
             <a:r>
-              <a:rPr lang="en" sz="800" kern="0">
+              <a:rPr lang="en-GB" sz="800" kern="0">
                 <a:solidFill>
                   <a:srgbClr val="980000"/>
                 </a:solidFill>
@@ -28226,6 +28121,14 @@
               </a:rPr>
               <a:t>Component construction  model</a:t>
             </a:r>
+            <a:endParaRPr lang="en-GB" sz="800" kern="0">
+              <a:solidFill>
+                <a:srgbClr val="980000"/>
+              </a:solidFill>
+              <a:latin typeface="Arial"/>
+              <a:cs typeface="Arial"/>
+              <a:sym typeface="Arial"/>
+            </a:endParaRPr>
           </a:p>
           <a:p>
             <a:pPr marL="114300" defTabSz="914400" fontAlgn="auto">
@@ -28240,7 +28143,7 @@
               </a:spcAft>
             </a:pPr>
             <a:r>
-              <a:rPr lang="en" sz="800" kern="0">
+              <a:rPr lang="en-GB" sz="800" kern="0">
                 <a:solidFill>
                   <a:srgbClr val="000000"/>
                 </a:solidFill>
@@ -28250,6 +28153,14 @@
               </a:rPr>
               <a:t>How are DFU’s composited to form components?</a:t>
             </a:r>
+            <a:endParaRPr lang="en-GB" sz="800" kern="0">
+              <a:solidFill>
+                <a:srgbClr val="000000"/>
+              </a:solidFill>
+              <a:latin typeface="Arial"/>
+              <a:cs typeface="Arial"/>
+              <a:sym typeface="Arial"/>
+            </a:endParaRPr>
           </a:p>
           <a:p>
             <a:pPr defTabSz="914400" fontAlgn="auto">
@@ -28264,7 +28175,7 @@
               </a:spcAft>
             </a:pPr>
             <a:r>
-              <a:rPr lang="en" sz="800" kern="0">
+              <a:rPr lang="en-GB" sz="800" kern="0">
                 <a:solidFill>
                   <a:srgbClr val="980000"/>
                 </a:solidFill>
@@ -28274,6 +28185,14 @@
               </a:rPr>
               <a:t>Deployment model</a:t>
             </a:r>
+            <a:endParaRPr lang="en-GB" sz="800" kern="0">
+              <a:solidFill>
+                <a:srgbClr val="980000"/>
+              </a:solidFill>
+              <a:latin typeface="Arial"/>
+              <a:cs typeface="Arial"/>
+              <a:sym typeface="Arial"/>
+            </a:endParaRPr>
           </a:p>
           <a:p>
             <a:pPr marL="114300" defTabSz="914400" fontAlgn="auto">
@@ -28288,7 +28207,7 @@
               </a:spcAft>
             </a:pPr>
             <a:r>
-              <a:rPr lang="en" sz="800" kern="0">
+              <a:rPr lang="en-GB" sz="800" kern="0">
                 <a:solidFill>
                   <a:srgbClr val="000000"/>
                 </a:solidFill>
@@ -28298,6 +28217,14 @@
               </a:rPr>
               <a:t>How are components are composited to provision devices?</a:t>
             </a:r>
+            <a:endParaRPr lang="en-GB" sz="800" kern="0">
+              <a:solidFill>
+                <a:srgbClr val="000000"/>
+              </a:solidFill>
+              <a:latin typeface="Arial"/>
+              <a:cs typeface="Arial"/>
+              <a:sym typeface="Arial"/>
+            </a:endParaRPr>
           </a:p>
           <a:p>
             <a:pPr defTabSz="914400" fontAlgn="auto">
@@ -28312,7 +28239,7 @@
               </a:spcAft>
             </a:pPr>
             <a:r>
-              <a:rPr lang="en" sz="800" kern="0">
+              <a:rPr lang="en-GB" sz="800" kern="0">
                 <a:solidFill>
                   <a:srgbClr val="980000"/>
                 </a:solidFill>
@@ -28322,6 +28249,14 @@
               </a:rPr>
               <a:t>Network topology model</a:t>
             </a:r>
+            <a:endParaRPr lang="en-GB" sz="800" kern="0">
+              <a:solidFill>
+                <a:srgbClr val="980000"/>
+              </a:solidFill>
+              <a:latin typeface="Arial"/>
+              <a:cs typeface="Arial"/>
+              <a:sym typeface="Arial"/>
+            </a:endParaRPr>
           </a:p>
           <a:p>
             <a:pPr marL="114300" defTabSz="914400" fontAlgn="auto">
@@ -28336,7 +28271,7 @@
               </a:spcAft>
             </a:pPr>
             <a:r>
-              <a:rPr lang="en" sz="800" kern="0">
+              <a:rPr lang="en-GB" sz="800" kern="0">
                 <a:solidFill>
                   <a:srgbClr val="000000"/>
                 </a:solidFill>
@@ -28346,6 +28281,14 @@
               </a:rPr>
               <a:t>Along what paths are devices able to communicate?</a:t>
             </a:r>
+            <a:endParaRPr lang="en-GB" sz="800" kern="0">
+              <a:solidFill>
+                <a:srgbClr val="000000"/>
+              </a:solidFill>
+              <a:latin typeface="Arial"/>
+              <a:cs typeface="Arial"/>
+              <a:sym typeface="Arial"/>
+            </a:endParaRPr>
           </a:p>
           <a:p>
             <a:pPr defTabSz="914400" fontAlgn="auto">
@@ -28360,7 +28303,7 @@
               </a:spcAft>
             </a:pPr>
             <a:r>
-              <a:rPr lang="en" sz="800" kern="0">
+              <a:rPr lang="en-GB" sz="800" kern="0">
                 <a:solidFill>
                   <a:srgbClr val="980000"/>
                 </a:solidFill>
@@ -28370,6 +28313,14 @@
               </a:rPr>
               <a:t>Mission model</a:t>
             </a:r>
+            <a:endParaRPr lang="en-GB" sz="800" kern="0">
+              <a:solidFill>
+                <a:srgbClr val="980000"/>
+              </a:solidFill>
+              <a:latin typeface="Arial"/>
+              <a:cs typeface="Arial"/>
+              <a:sym typeface="Arial"/>
+            </a:endParaRPr>
           </a:p>
           <a:p>
             <a:pPr marL="114300" defTabSz="914400" fontAlgn="auto">
@@ -28384,7 +28335,7 @@
               </a:spcAft>
             </a:pPr>
             <a:r>
-              <a:rPr lang="en" sz="800" kern="0">
+              <a:rPr lang="en-GB" sz="800" kern="0">
                 <a:solidFill>
                   <a:srgbClr val="000000"/>
                 </a:solidFill>
@@ -28439,7 +28390,7 @@
               </a:spcAft>
             </a:pPr>
             <a:r>
-              <a:rPr lang="en" sz="600" kern="0">
+              <a:rPr lang="en-GB" sz="600" kern="0">
                 <a:solidFill>
                   <a:srgbClr val="000000"/>
                 </a:solidFill>
@@ -28494,7 +28445,7 @@
               </a:spcAft>
             </a:pPr>
             <a:r>
-              <a:rPr lang="en" sz="600" kern="0">
+              <a:rPr lang="en-GB" sz="600" kern="0">
                 <a:solidFill>
                   <a:srgbClr val="000000"/>
                 </a:solidFill>
@@ -28570,7 +28521,7 @@
               </a:spcAft>
             </a:pPr>
             <a:r>
-              <a:rPr lang="en" sz="600" kern="0">
+              <a:rPr lang="en-GB" sz="600" kern="0">
                 <a:solidFill>
                   <a:srgbClr val="000000"/>
                 </a:solidFill>
@@ -28625,7 +28576,7 @@
               </a:spcAft>
             </a:pPr>
             <a:r>
-              <a:rPr lang="en" sz="600" kern="0">
+              <a:rPr lang="en-GB" sz="600" kern="0">
                 <a:solidFill>
                   <a:srgbClr val="000000"/>
                 </a:solidFill>
@@ -28680,7 +28631,7 @@
               </a:spcAft>
             </a:pPr>
             <a:r>
-              <a:rPr lang="en" sz="600" kern="0">
+              <a:rPr lang="en-GB" sz="600" kern="0">
                 <a:solidFill>
                   <a:srgbClr val="000000"/>
                 </a:solidFill>
@@ -28756,7 +28707,7 @@
               </a:spcAft>
             </a:pPr>
             <a:r>
-              <a:rPr lang="en" sz="600" kern="0">
+              <a:rPr lang="en-GB" sz="600" kern="0">
                 <a:solidFill>
                   <a:srgbClr val="000000"/>
                 </a:solidFill>
@@ -28811,7 +28762,7 @@
               </a:spcAft>
             </a:pPr>
             <a:r>
-              <a:rPr lang="en" sz="600" kern="0">
+              <a:rPr lang="en-GB" sz="600" kern="0">
                 <a:solidFill>
                   <a:srgbClr val="000000"/>
                 </a:solidFill>
@@ -28866,7 +28817,7 @@
               </a:spcAft>
             </a:pPr>
             <a:r>
-              <a:rPr lang="en" sz="600" kern="0">
+              <a:rPr lang="en-GB" sz="600" kern="0">
                 <a:solidFill>
                   <a:srgbClr val="000000"/>
                 </a:solidFill>
@@ -28942,7 +28893,7 @@
               </a:spcAft>
             </a:pPr>
             <a:r>
-              <a:rPr lang="en" sz="600" kern="0">
+              <a:rPr lang="en-GB" sz="600" kern="0">
                 <a:solidFill>
                   <a:srgbClr val="000000"/>
                 </a:solidFill>
@@ -28997,7 +28948,7 @@
               </a:spcAft>
             </a:pPr>
             <a:r>
-              <a:rPr lang="en" sz="600" kern="0">
+              <a:rPr lang="en-GB" sz="600" kern="0">
                 <a:solidFill>
                   <a:srgbClr val="000000"/>
                 </a:solidFill>
@@ -29052,7 +29003,7 @@
               </a:spcAft>
             </a:pPr>
             <a:r>
-              <a:rPr lang="en" sz="600" kern="0">
+              <a:rPr lang="en-GB" sz="600" kern="0">
                 <a:solidFill>
                   <a:srgbClr val="000000"/>
                 </a:solidFill>
@@ -29128,7 +29079,7 @@
               </a:spcAft>
             </a:pPr>
             <a:r>
-              <a:rPr lang="en" sz="600" kern="0">
+              <a:rPr lang="en-GB" sz="600" kern="0">
                 <a:solidFill>
                   <a:srgbClr val="38761D"/>
                 </a:solidFill>
@@ -29183,7 +29134,7 @@
               </a:spcAft>
             </a:pPr>
             <a:r>
-              <a:rPr lang="en" sz="600" kern="0">
+              <a:rPr lang="en-GB" sz="600" kern="0">
                 <a:solidFill>
                   <a:srgbClr val="000000"/>
                 </a:solidFill>
@@ -29238,7 +29189,7 @@
               </a:spcAft>
             </a:pPr>
             <a:r>
-              <a:rPr lang="en" sz="600" kern="0">
+              <a:rPr lang="en-GB" sz="600" kern="0">
                 <a:solidFill>
                   <a:srgbClr val="000000"/>
                 </a:solidFill>
@@ -29293,7 +29244,7 @@
               </a:spcAft>
             </a:pPr>
             <a:r>
-              <a:rPr lang="en" sz="600" kern="0">
+              <a:rPr lang="en-GB" sz="600" kern="0">
                 <a:solidFill>
                   <a:srgbClr val="000000"/>
                 </a:solidFill>
@@ -29340,7 +29291,7 @@
               </a:spcAft>
             </a:pPr>
             <a:r>
-              <a:rPr lang="en" sz="600" kern="0">
+              <a:rPr lang="en-GB" sz="600" kern="0">
                 <a:solidFill>
                   <a:srgbClr val="38761D"/>
                 </a:solidFill>
@@ -29387,7 +29338,7 @@
               </a:spcAft>
             </a:pPr>
             <a:r>
-              <a:rPr lang="en" sz="600" kern="0">
+              <a:rPr lang="en-GB" sz="600" kern="0">
                 <a:solidFill>
                   <a:srgbClr val="0000FF"/>
                 </a:solidFill>
@@ -29434,7 +29385,7 @@
               </a:spcAft>
             </a:pPr>
             <a:r>
-              <a:rPr lang="en" sz="600" kern="0">
+              <a:rPr lang="en-GB" sz="600" kern="0">
                 <a:solidFill>
                   <a:srgbClr val="0000FF"/>
                 </a:solidFill>
@@ -29657,7 +29608,7 @@
               </a:spcAft>
             </a:pPr>
             <a:r>
-              <a:rPr lang="en" sz="600" kern="0">
+              <a:rPr lang="en-GB" sz="600" kern="0">
                 <a:solidFill>
                   <a:srgbClr val="000000"/>
                 </a:solidFill>
@@ -29712,7 +29663,7 @@
               </a:spcAft>
             </a:pPr>
             <a:r>
-              <a:rPr lang="en" sz="600" kern="0">
+              <a:rPr lang="en-GB" sz="600" kern="0">
                 <a:solidFill>
                   <a:srgbClr val="000000"/>
                 </a:solidFill>
@@ -29767,7 +29718,7 @@
               </a:spcAft>
             </a:pPr>
             <a:r>
-              <a:rPr lang="en" sz="600" kern="0">
+              <a:rPr lang="en-GB" sz="600" kern="0">
                 <a:solidFill>
                   <a:srgbClr val="000000"/>
                 </a:solidFill>
@@ -29822,7 +29773,7 @@
               </a:spcAft>
             </a:pPr>
             <a:r>
-              <a:rPr lang="en" sz="600" kern="0">
+              <a:rPr lang="en-GB" sz="600" kern="0">
                 <a:solidFill>
                   <a:srgbClr val="000000"/>
                 </a:solidFill>
@@ -29877,7 +29828,7 @@
               </a:spcAft>
             </a:pPr>
             <a:r>
-              <a:rPr lang="en" sz="600" kern="0">
+              <a:rPr lang="en-GB" sz="600" kern="0">
                 <a:solidFill>
                   <a:srgbClr val="000000"/>
                 </a:solidFill>
@@ -29924,7 +29875,7 @@
               </a:spcAft>
             </a:pPr>
             <a:r>
-              <a:rPr lang="en" sz="600" kern="0">
+              <a:rPr lang="en-GB" sz="600" kern="0">
                 <a:solidFill>
                   <a:srgbClr val="38761D"/>
                 </a:solidFill>
@@ -29971,7 +29922,7 @@
               </a:spcAft>
             </a:pPr>
             <a:r>
-              <a:rPr lang="en" sz="600" kern="0">
+              <a:rPr lang="en-GB" sz="600" kern="0">
                 <a:solidFill>
                   <a:srgbClr val="0000FF"/>
                 </a:solidFill>
@@ -30157,7 +30108,7 @@
               </a:spcAft>
             </a:pPr>
             <a:r>
-              <a:rPr lang="en" sz="600" kern="0">
+              <a:rPr lang="en-GB" sz="600" kern="0">
                 <a:solidFill>
                   <a:srgbClr val="38761D"/>
                 </a:solidFill>
@@ -30204,7 +30155,7 @@
               </a:spcAft>
             </a:pPr>
             <a:r>
-              <a:rPr lang="en" sz="600" kern="0">
+              <a:rPr lang="en-GB" sz="600" kern="0">
                 <a:solidFill>
                   <a:srgbClr val="0000FF"/>
                 </a:solidFill>
@@ -30393,7 +30344,7 @@
               </a:spcAft>
             </a:pPr>
             <a:r>
-              <a:rPr lang="en" sz="800" kern="0">
+              <a:rPr lang="en-GB" sz="800" kern="0">
                 <a:solidFill>
                   <a:srgbClr val="980000"/>
                 </a:solidFill>
@@ -30403,6 +30354,14 @@
               </a:rPr>
               <a:t>Adapt the System in response to Environmental Changes</a:t>
             </a:r>
+            <a:endParaRPr lang="en-GB" sz="800" kern="0">
+              <a:solidFill>
+                <a:srgbClr val="980000"/>
+              </a:solidFill>
+              <a:latin typeface="Arial"/>
+              <a:cs typeface="Arial"/>
+              <a:sym typeface="Arial"/>
+            </a:endParaRPr>
           </a:p>
           <a:p>
             <a:pPr marL="114300" defTabSz="914400" fontAlgn="auto">
@@ -30417,7 +30376,7 @@
               </a:spcAft>
             </a:pPr>
             <a:r>
-              <a:rPr lang="en" sz="800" kern="0">
+              <a:rPr lang="en-GB" sz="800" kern="0">
                 <a:solidFill>
                   <a:srgbClr val="000000"/>
                 </a:solidFill>
@@ -30427,6 +30386,14 @@
               </a:rPr>
               <a:t>How coordinate software mutation due to changes in hardware resource availability?</a:t>
             </a:r>
+            <a:endParaRPr lang="en-GB" sz="800" kern="0">
+              <a:solidFill>
+                <a:srgbClr val="000000"/>
+              </a:solidFill>
+              <a:latin typeface="Arial"/>
+              <a:cs typeface="Arial"/>
+              <a:sym typeface="Arial"/>
+            </a:endParaRPr>
           </a:p>
           <a:p>
             <a:pPr defTabSz="914400" fontAlgn="auto">
@@ -30441,7 +30408,7 @@
               </a:spcAft>
             </a:pPr>
             <a:r>
-              <a:rPr lang="en" sz="800" kern="0">
+              <a:rPr lang="en-GB" sz="800" kern="0">
                 <a:solidFill>
                   <a:srgbClr val="980000"/>
                 </a:solidFill>
@@ -30451,6 +30418,14 @@
               </a:rPr>
               <a:t>Impact Analysis across Modeled Systems</a:t>
             </a:r>
+            <a:endParaRPr lang="en-GB" sz="800" kern="0">
+              <a:solidFill>
+                <a:srgbClr val="980000"/>
+              </a:solidFill>
+              <a:latin typeface="Arial"/>
+              <a:cs typeface="Arial"/>
+              <a:sym typeface="Arial"/>
+            </a:endParaRPr>
           </a:p>
           <a:p>
             <a:pPr marL="114300" defTabSz="914400" fontAlgn="auto">
@@ -30465,7 +30440,7 @@
               </a:spcAft>
             </a:pPr>
             <a:r>
-              <a:rPr lang="en" sz="800" kern="0">
+              <a:rPr lang="en-GB" sz="800" kern="0">
                 <a:solidFill>
                   <a:srgbClr val="000000"/>
                 </a:solidFill>
@@ -30475,6 +30450,14 @@
               </a:rPr>
               <a:t>When the specified network bandwidth exceeds the actual bandwidth available, how to adapt?</a:t>
             </a:r>
+            <a:endParaRPr lang="en-GB" sz="800" kern="0">
+              <a:solidFill>
+                <a:srgbClr val="000000"/>
+              </a:solidFill>
+              <a:latin typeface="Arial"/>
+              <a:cs typeface="Arial"/>
+              <a:sym typeface="Arial"/>
+            </a:endParaRPr>
           </a:p>
           <a:p>
             <a:pPr marL="114300" defTabSz="914400" fontAlgn="auto">
@@ -30536,7 +30519,7 @@
               </a:spcAft>
             </a:pPr>
             <a:r>
-              <a:rPr lang="en" sz="800" kern="0">
+              <a:rPr lang="en-GB" sz="800" kern="0">
                 <a:solidFill>
                   <a:srgbClr val="980000"/>
                 </a:solidFill>
@@ -30546,6 +30529,14 @@
               </a:rPr>
               <a:t>Specification using Models</a:t>
             </a:r>
+            <a:endParaRPr lang="en-GB" sz="800" kern="0">
+              <a:solidFill>
+                <a:srgbClr val="980000"/>
+              </a:solidFill>
+              <a:latin typeface="Arial"/>
+              <a:cs typeface="Arial"/>
+              <a:sym typeface="Arial"/>
+            </a:endParaRPr>
           </a:p>
           <a:p>
             <a:pPr marL="114300" defTabSz="914400" fontAlgn="auto">
@@ -30560,7 +30551,7 @@
               </a:spcAft>
             </a:pPr>
             <a:r>
-              <a:rPr lang="en" sz="800" kern="0">
+              <a:rPr lang="en-GB" sz="800" kern="0">
                 <a:solidFill>
                   <a:srgbClr val="000000"/>
                 </a:solidFill>
@@ -30570,6 +30561,14 @@
               </a:rPr>
               <a:t>Extensive traceability enabled by cross-cutting relationships.</a:t>
             </a:r>
+            <a:endParaRPr lang="en-GB" sz="800" kern="0">
+              <a:solidFill>
+                <a:srgbClr val="000000"/>
+              </a:solidFill>
+              <a:latin typeface="Arial"/>
+              <a:cs typeface="Arial"/>
+              <a:sym typeface="Arial"/>
+            </a:endParaRPr>
           </a:p>
           <a:p>
             <a:pPr defTabSz="914400" fontAlgn="auto">
@@ -30584,7 +30583,7 @@
               </a:spcAft>
             </a:pPr>
             <a:r>
-              <a:rPr lang="en" sz="800" kern="0">
+              <a:rPr lang="en-GB" sz="800" kern="0">
                 <a:solidFill>
                   <a:srgbClr val="980000"/>
                 </a:solidFill>
@@ -30594,6 +30593,14 @@
               </a:rPr>
               <a:t>Uniform Representation of Artifacts</a:t>
             </a:r>
+            <a:endParaRPr lang="en-GB" sz="800" kern="0">
+              <a:solidFill>
+                <a:srgbClr val="980000"/>
+              </a:solidFill>
+              <a:latin typeface="Arial"/>
+              <a:cs typeface="Arial"/>
+              <a:sym typeface="Arial"/>
+            </a:endParaRPr>
           </a:p>
           <a:p>
             <a:pPr marL="228600" indent="-165100" defTabSz="914400" fontAlgn="auto">
@@ -30614,7 +30621,7 @@
               <a:buChar char="●"/>
             </a:pPr>
             <a:r>
-              <a:rPr lang="en" sz="800" kern="0">
+              <a:rPr lang="en-GB" sz="800" kern="0">
                 <a:solidFill>
                   <a:srgbClr val="000000"/>
                 </a:solidFill>
@@ -30624,6 +30631,14 @@
               </a:rPr>
               <a:t>Repository with artifacts as graphs/trees/triples.</a:t>
             </a:r>
+            <a:endParaRPr lang="en-GB" sz="800" kern="0">
+              <a:solidFill>
+                <a:srgbClr val="000000"/>
+              </a:solidFill>
+              <a:latin typeface="Arial"/>
+              <a:cs typeface="Arial"/>
+              <a:sym typeface="Arial"/>
+            </a:endParaRPr>
           </a:p>
           <a:p>
             <a:pPr marL="228600" indent="-165100" defTabSz="914400" fontAlgn="auto">
@@ -30644,7 +30659,7 @@
               <a:buChar char="●"/>
             </a:pPr>
             <a:r>
-              <a:rPr lang="en" sz="800" kern="0">
+              <a:rPr lang="en-GB" sz="800" kern="0">
                 <a:solidFill>
                   <a:srgbClr val="000000"/>
                 </a:solidFill>
@@ -30654,6 +30669,14 @@
               </a:rPr>
               <a:t>Graph based visualizations.</a:t>
             </a:r>
+            <a:endParaRPr lang="en-GB" sz="800" kern="0">
+              <a:solidFill>
+                <a:srgbClr val="000000"/>
+              </a:solidFill>
+              <a:latin typeface="Arial"/>
+              <a:cs typeface="Arial"/>
+              <a:sym typeface="Arial"/>
+            </a:endParaRPr>
           </a:p>
           <a:p>
             <a:pPr defTabSz="914400" fontAlgn="auto">
@@ -30668,7 +30691,7 @@
               </a:spcAft>
             </a:pPr>
             <a:r>
-              <a:rPr lang="en" sz="800" kern="0">
+              <a:rPr lang="en-GB" sz="800" kern="0">
                 <a:solidFill>
                   <a:srgbClr val="980000"/>
                 </a:solidFill>
@@ -30678,6 +30701,14 @@
               </a:rPr>
               <a:t>Relation of Actual/Specified</a:t>
             </a:r>
+            <a:endParaRPr lang="en-GB" sz="800" kern="0">
+              <a:solidFill>
+                <a:srgbClr val="980000"/>
+              </a:solidFill>
+              <a:latin typeface="Arial"/>
+              <a:cs typeface="Arial"/>
+              <a:sym typeface="Arial"/>
+            </a:endParaRPr>
           </a:p>
           <a:p>
             <a:pPr marL="114300" defTabSz="914400" fontAlgn="auto">
@@ -30692,7 +30723,7 @@
               </a:spcAft>
             </a:pPr>
             <a:r>
-              <a:rPr lang="en" sz="800" kern="0">
+              <a:rPr lang="en-GB" sz="800" kern="0">
                 <a:solidFill>
                   <a:srgbClr val="000000"/>
                 </a:solidFill>
@@ -30702,6 +30733,14 @@
               </a:rPr>
               <a:t>Derived data retained in mega-model-graph for traceability and validation.</a:t>
             </a:r>
+            <a:endParaRPr lang="en-GB" sz="800" kern="0">
+              <a:solidFill>
+                <a:srgbClr val="000000"/>
+              </a:solidFill>
+              <a:latin typeface="Arial"/>
+              <a:cs typeface="Arial"/>
+              <a:sym typeface="Arial"/>
+            </a:endParaRPr>
           </a:p>
           <a:p>
             <a:pPr marL="114300" defTabSz="914400" fontAlgn="auto">
@@ -30791,7 +30830,7 @@
               </a:spcAft>
             </a:pPr>
             <a:r>
-              <a:rPr lang="en" sz="600" kern="0">
+              <a:rPr lang="en-GB" sz="600" kern="0">
                 <a:solidFill>
                   <a:srgbClr val="000000"/>
                 </a:solidFill>
@@ -30848,7 +30887,7 @@
               </a:spcAft>
             </a:pPr>
             <a:r>
-              <a:rPr lang="en" sz="600" kern="0">
+              <a:rPr lang="en-GB" sz="600" kern="0">
                 <a:solidFill>
                   <a:srgbClr val="000000"/>
                 </a:solidFill>
@@ -30905,7 +30944,7 @@
               </a:spcAft>
             </a:pPr>
             <a:r>
-              <a:rPr lang="en" sz="600" kern="0">
+              <a:rPr lang="en-GB" sz="600" kern="0">
                 <a:solidFill>
                   <a:srgbClr val="000000"/>
                 </a:solidFill>
@@ -30962,7 +31001,7 @@
               </a:spcAft>
             </a:pPr>
             <a:r>
-              <a:rPr lang="en" sz="600" kern="0">
+              <a:rPr lang="en-GB" sz="600" kern="0">
                 <a:solidFill>
                   <a:srgbClr val="000000"/>
                 </a:solidFill>
@@ -31143,7 +31182,7 @@
               </a:spcAft>
             </a:pPr>
             <a:r>
-              <a:rPr lang="en" sz="600" kern="0">
+              <a:rPr lang="en-GB" sz="600" kern="0">
                 <a:solidFill>
                   <a:srgbClr val="000000"/>
                 </a:solidFill>
@@ -31231,7 +31270,7 @@
               </a:spcAft>
             </a:pPr>
             <a:r>
-              <a:rPr lang="en" sz="600" kern="0">
+              <a:rPr lang="en-GB" sz="600" kern="0">
                 <a:solidFill>
                   <a:srgbClr val="999999"/>
                 </a:solidFill>
@@ -31319,7 +31358,7 @@
               </a:spcAft>
             </a:pPr>
             <a:r>
-              <a:rPr lang="en" sz="600" kern="0">
+              <a:rPr lang="en-GB" sz="600" kern="0">
                 <a:solidFill>
                   <a:srgbClr val="999999"/>
                 </a:solidFill>
@@ -31376,7 +31415,7 @@
               </a:spcAft>
             </a:pPr>
             <a:r>
-              <a:rPr lang="en" sz="600" kern="0">
+              <a:rPr lang="en-GB" sz="600" kern="0">
                 <a:solidFill>
                   <a:srgbClr val="000000"/>
                 </a:solidFill>
@@ -31433,7 +31472,7 @@
               </a:spcAft>
             </a:pPr>
             <a:r>
-              <a:rPr lang="en" sz="600" kern="0">
+              <a:rPr lang="en-GB" sz="600" kern="0">
                 <a:solidFill>
                   <a:srgbClr val="999999"/>
                 </a:solidFill>
@@ -31490,7 +31529,7 @@
               </a:spcAft>
             </a:pPr>
             <a:r>
-              <a:rPr lang="en" sz="600" kern="0">
+              <a:rPr lang="en-GB" sz="600" kern="0">
                 <a:solidFill>
                   <a:srgbClr val="000000"/>
                 </a:solidFill>
@@ -31547,7 +31586,7 @@
               </a:spcAft>
             </a:pPr>
             <a:r>
-              <a:rPr lang="en" sz="600" kern="0">
+              <a:rPr lang="en-GB" sz="600" kern="0">
                 <a:solidFill>
                   <a:srgbClr val="999999"/>
                 </a:solidFill>
@@ -31604,7 +31643,7 @@
               </a:spcAft>
             </a:pPr>
             <a:r>
-              <a:rPr lang="en" sz="600" kern="0">
+              <a:rPr lang="en-GB" sz="600" kern="0">
                 <a:solidFill>
                   <a:srgbClr val="999999"/>
                 </a:solidFill>
@@ -31777,7 +31816,7 @@
               </a:spcAft>
             </a:pPr>
             <a:r>
-              <a:rPr lang="en" sz="600" kern="0">
+              <a:rPr lang="en-GB" sz="600" kern="0">
                 <a:solidFill>
                   <a:srgbClr val="000000"/>
                 </a:solidFill>
@@ -31834,7 +31873,7 @@
               </a:spcAft>
             </a:pPr>
             <a:r>
-              <a:rPr lang="en" sz="600" kern="0">
+              <a:rPr lang="en-GB" sz="600" kern="0">
                 <a:solidFill>
                   <a:srgbClr val="000000"/>
                 </a:solidFill>
@@ -31891,7 +31930,7 @@
               </a:spcAft>
             </a:pPr>
             <a:r>
-              <a:rPr lang="en" sz="600" kern="0">
+              <a:rPr lang="en-GB" sz="600" kern="0">
                 <a:solidFill>
                   <a:srgbClr val="000000"/>
                 </a:solidFill>
@@ -32010,7 +32049,7 @@
               </a:spcAft>
             </a:pPr>
             <a:r>
-              <a:rPr lang="en" sz="600" kern="0">
+              <a:rPr lang="en-GB" sz="600" kern="0">
                 <a:solidFill>
                   <a:srgbClr val="000000"/>
                 </a:solidFill>
@@ -32096,7 +32135,7 @@
               </a:spcAft>
             </a:pPr>
             <a:r>
-              <a:rPr lang="en" sz="600" kern="0">
+              <a:rPr lang="en-GB" sz="600" kern="0">
                 <a:solidFill>
                   <a:srgbClr val="000000"/>
                 </a:solidFill>
@@ -32153,7 +32192,7 @@
               </a:spcAft>
             </a:pPr>
             <a:r>
-              <a:rPr lang="en" sz="600" kern="0">
+              <a:rPr lang="en-GB" sz="600" kern="0">
                 <a:solidFill>
                   <a:srgbClr val="000000"/>
                 </a:solidFill>
@@ -32291,7 +32330,7 @@
               </a:spcAft>
             </a:pPr>
             <a:r>
-              <a:rPr lang="en" sz="600" kern="0">
+              <a:rPr lang="en-GB" sz="600" kern="0">
                 <a:solidFill>
                   <a:srgbClr val="000000"/>
                 </a:solidFill>
@@ -32338,7 +32377,7 @@
               </a:spcAft>
             </a:pPr>
             <a:r>
-              <a:rPr lang="en" sz="600" kern="0">
+              <a:rPr lang="en-GB" sz="600" kern="0">
                 <a:solidFill>
                   <a:srgbClr val="000000"/>
                 </a:solidFill>
@@ -32388,7 +32427,7 @@
               </a:spcAft>
             </a:pPr>
             <a:r>
-              <a:rPr lang="en" sz="800" kern="0">
+              <a:rPr lang="en-GB" sz="800" kern="0">
                 <a:solidFill>
                   <a:srgbClr val="980000"/>
                 </a:solidFill>
@@ -32398,6 +32437,14 @@
               </a:rPr>
               <a:t>Provide system execution automation</a:t>
             </a:r>
+            <a:endParaRPr lang="en-GB" sz="800" kern="0">
+              <a:solidFill>
+                <a:srgbClr val="980000"/>
+              </a:solidFill>
+              <a:latin typeface="Arial"/>
+              <a:cs typeface="Arial"/>
+              <a:sym typeface="Arial"/>
+            </a:endParaRPr>
           </a:p>
           <a:p>
             <a:pPr marL="114300" defTabSz="914400" fontAlgn="auto">
@@ -32412,7 +32459,7 @@
               </a:spcAft>
             </a:pPr>
             <a:r>
-              <a:rPr lang="en" sz="800" kern="0">
+              <a:rPr lang="en-GB" sz="800" kern="0">
                 <a:solidFill>
                   <a:srgbClr val="000000"/>
                 </a:solidFill>
@@ -32462,7 +32509,7 @@
               </a:spcAft>
             </a:pPr>
             <a:r>
-              <a:rPr lang="en" sz="800" kern="0">
+              <a:rPr lang="en-GB" sz="800" kern="0">
                 <a:solidFill>
                   <a:srgbClr val="980000"/>
                 </a:solidFill>
@@ -32472,6 +32519,14 @@
               </a:rPr>
               <a:t>Visualization</a:t>
             </a:r>
+            <a:endParaRPr lang="en-GB" sz="800" kern="0">
+              <a:solidFill>
+                <a:srgbClr val="980000"/>
+              </a:solidFill>
+              <a:latin typeface="Arial"/>
+              <a:cs typeface="Arial"/>
+              <a:sym typeface="Arial"/>
+            </a:endParaRPr>
           </a:p>
           <a:p>
             <a:pPr marL="228600" indent="-165100" defTabSz="914400" fontAlgn="auto">
@@ -32492,7 +32547,7 @@
               <a:buChar char="●"/>
             </a:pPr>
             <a:r>
-              <a:rPr lang="en" sz="800" kern="0">
+              <a:rPr lang="en-GB" sz="800" kern="0">
                 <a:solidFill>
                   <a:srgbClr val="000000"/>
                 </a:solidFill>
@@ -32502,6 +32557,14 @@
               </a:rPr>
               <a:t>Subgraph based visualization of sub-models..</a:t>
             </a:r>
+            <a:endParaRPr lang="en-GB" sz="800" kern="0">
+              <a:solidFill>
+                <a:srgbClr val="000000"/>
+              </a:solidFill>
+              <a:latin typeface="Arial"/>
+              <a:cs typeface="Arial"/>
+              <a:sym typeface="Arial"/>
+            </a:endParaRPr>
           </a:p>
           <a:p>
             <a:pPr marL="228600" indent="-165100" defTabSz="914400" fontAlgn="auto">
@@ -32522,7 +32585,7 @@
               <a:buChar char="●"/>
             </a:pPr>
             <a:r>
-              <a:rPr lang="en" sz="800" kern="0">
+              <a:rPr lang="en-GB" sz="800" kern="0">
                 <a:solidFill>
                   <a:srgbClr val="000000"/>
                 </a:solidFill>
@@ -32532,6 +32595,14 @@
               </a:rPr>
               <a:t>Produced Typescript specification for the webGME visualizer API.</a:t>
             </a:r>
+            <a:endParaRPr lang="en-GB" sz="800" kern="0">
+              <a:solidFill>
+                <a:srgbClr val="000000"/>
+              </a:solidFill>
+              <a:latin typeface="Arial"/>
+              <a:cs typeface="Arial"/>
+              <a:sym typeface="Arial"/>
+            </a:endParaRPr>
           </a:p>
           <a:p>
             <a:pPr marL="228600" indent="-165100" defTabSz="914400" fontAlgn="auto">
@@ -32552,7 +32623,7 @@
               <a:buChar char="●"/>
             </a:pPr>
             <a:r>
-              <a:rPr lang="en" sz="800" kern="0">
+              <a:rPr lang="en-GB" sz="800" kern="0">
                 <a:solidFill>
                   <a:srgbClr val="000000"/>
                 </a:solidFill>
@@ -32562,6 +32633,14 @@
               </a:rPr>
               <a:t>Created a CytoscapeJS visualizer for webGME.</a:t>
             </a:r>
+            <a:endParaRPr lang="en-GB" sz="800" kern="0">
+              <a:solidFill>
+                <a:srgbClr val="000000"/>
+              </a:solidFill>
+              <a:latin typeface="Arial"/>
+              <a:cs typeface="Arial"/>
+              <a:sym typeface="Arial"/>
+            </a:endParaRPr>
           </a:p>
           <a:p>
             <a:pPr marL="114300" defTabSz="914400" fontAlgn="auto">
@@ -32628,7 +32707,7 @@
               </a:spcAft>
             </a:pPr>
             <a:r>
-              <a:rPr lang="en" sz="600" kern="0">
+              <a:rPr lang="en-GB" sz="600" kern="0">
                 <a:solidFill>
                   <a:srgbClr val="000000"/>
                 </a:solidFill>
@@ -32683,7 +32762,7 @@
               </a:spcAft>
             </a:pPr>
             <a:r>
-              <a:rPr lang="en" sz="600" kern="0">
+              <a:rPr lang="en-GB" sz="600" kern="0">
                 <a:solidFill>
                   <a:srgbClr val="000000"/>
                 </a:solidFill>
@@ -32738,7 +32817,7 @@
               </a:spcAft>
             </a:pPr>
             <a:r>
-              <a:rPr lang="en" sz="600" kern="0">
+              <a:rPr lang="en-GB" sz="600" kern="0">
                 <a:solidFill>
                   <a:srgbClr val="000000"/>
                 </a:solidFill>
@@ -32758,9 +32837,7 @@
           <p:nvPr/>
         </p:nvPicPr>
         <p:blipFill>
-          <a:blip r:embed="rId5">
-            <a:alphaModFix/>
-          </a:blip>
+          <a:blip r:embed="rId3"/>
           <a:stretch>
             <a:fillRect/>
           </a:stretch>
@@ -32821,7 +32898,7 @@
               </a:spcAft>
             </a:pPr>
             <a:r>
-              <a:rPr lang="en" sz="600" kern="0">
+              <a:rPr lang="en-GB" sz="600" kern="0">
                 <a:solidFill>
                   <a:srgbClr val="000000"/>
                 </a:solidFill>
@@ -32956,7 +33033,7 @@
               </a:spcAft>
             </a:pPr>
             <a:r>
-              <a:rPr lang="en" sz="800" kern="0">
+              <a:rPr lang="en-GB" sz="800" kern="0">
                 <a:solidFill>
                   <a:srgbClr val="980000"/>
                 </a:solidFill>
@@ -32966,6 +33043,14 @@
               </a:rPr>
               <a:t>GME Model Export Plugin</a:t>
             </a:r>
+            <a:endParaRPr lang="en-GB" sz="800" kern="0">
+              <a:solidFill>
+                <a:srgbClr val="980000"/>
+              </a:solidFill>
+              <a:latin typeface="Arial"/>
+              <a:cs typeface="Arial"/>
+              <a:sym typeface="Arial"/>
+            </a:endParaRPr>
           </a:p>
           <a:p>
             <a:pPr marL="228600" indent="-165100" defTabSz="914400" fontAlgn="auto">
@@ -32986,7 +33071,7 @@
               <a:buChar char="●"/>
             </a:pPr>
             <a:r>
-              <a:rPr lang="en" sz="800" kern="0">
+              <a:rPr lang="en-GB" sz="800" kern="0">
                 <a:solidFill>
                   <a:srgbClr val="000000"/>
                 </a:solidFill>
@@ -32996,6 +33081,14 @@
               </a:rPr>
               <a:t>Export the GME resident models as RDF TTL: archival and REST.</a:t>
             </a:r>
+            <a:endParaRPr lang="en-GB" sz="800" kern="0">
+              <a:solidFill>
+                <a:srgbClr val="000000"/>
+              </a:solidFill>
+              <a:latin typeface="Arial"/>
+              <a:cs typeface="Arial"/>
+              <a:sym typeface="Arial"/>
+            </a:endParaRPr>
           </a:p>
           <a:p>
             <a:pPr marL="228600" indent="-165100" defTabSz="914400" fontAlgn="auto">
@@ -33016,7 +33109,7 @@
               <a:buChar char="●"/>
             </a:pPr>
             <a:r>
-              <a:rPr lang="en" sz="800" kern="0">
+              <a:rPr lang="en-GB" sz="800" kern="0">
                 <a:solidFill>
                   <a:srgbClr val="000000"/>
                 </a:solidFill>
@@ -33026,6 +33119,14 @@
               </a:rPr>
               <a:t>Produced Typescript specification for the webGME plugin API..</a:t>
             </a:r>
+            <a:endParaRPr lang="en-GB" sz="800" kern="0">
+              <a:solidFill>
+                <a:srgbClr val="000000"/>
+              </a:solidFill>
+              <a:latin typeface="Arial"/>
+              <a:cs typeface="Arial"/>
+              <a:sym typeface="Arial"/>
+            </a:endParaRPr>
           </a:p>
           <a:p>
             <a:pPr marL="114300" defTabSz="914400" fontAlgn="auto">
@@ -33051,15 +33152,17 @@
         </p:txBody>
       </p:sp>
     </p:spTree>
-    <p:extLst>
-      <p:ext uri="{BB962C8B-B14F-4D97-AF65-F5344CB8AC3E}">
-        <p14:creationId xmlns:p14="http://schemas.microsoft.com/office/powerpoint/2010/main" val="446043219"/>
-      </p:ext>
-    </p:extLst>
   </p:cSld>
   <p:clrMapOvr>
     <a:masterClrMapping/>
   </p:clrMapOvr>
+  <p:timing>
+    <p:tnLst>
+      <p:par>
+        <p:cTn id="1" dur="indefinite" restart="never" nodeType="tmRoot"/>
+      </p:par>
+    </p:tnLst>
+  </p:timing>
 </p:sld>
 </file>
 
@@ -33378,6 +33481,11 @@
     </a:lnDef>
   </a:objectDefaults>
   <a:extraClrSchemeLst/>
+  <a:extLst>
+    <a:ext uri="{05A4C25C-085E-4340-85A3-A5531E510DB2}">
+      <thm15:themeFamily xmlns:thm15="http://schemas.microsoft.com/office/thememl/2012/main" name="Office Theme" id="{62F939B6-93AF-4DB8-9C6B-D6C7DFDC589F}" vid="{4A3C46E8-61CC-4603-A589-7422A47A8E4A}"/>
+    </a:ext>
+  </a:extLst>
 </a:theme>
 </file>
 
@@ -33659,6 +33767,11 @@
   </a:themeElements>
   <a:objectDefaults/>
   <a:extraClrSchemeLst/>
+  <a:extLst>
+    <a:ext uri="{05A4C25C-085E-4340-85A3-A5531E510DB2}">
+      <thm15:themeFamily xmlns:thm15="http://schemas.microsoft.com/office/thememl/2012/main" name="Office Theme" id="{62F939B6-93AF-4DB8-9C6B-D6C7DFDC589F}" vid="{4A3C46E8-61CC-4603-A589-7422A47A8E4A}"/>
+    </a:ext>
+  </a:extLst>
 </a:theme>
 </file>
 
@@ -33977,6 +34090,11 @@
     </a:lnDef>
   </a:objectDefaults>
   <a:extraClrSchemeLst/>
+  <a:extLst>
+    <a:ext uri="{05A4C25C-085E-4340-85A3-A5531E510DB2}">
+      <thm15:themeFamily xmlns:thm15="http://schemas.microsoft.com/office/thememl/2012/main" name="Office Theme" id="{62F939B6-93AF-4DB8-9C6B-D6C7DFDC589F}" vid="{4A3C46E8-61CC-4603-A589-7422A47A8E4A}"/>
+    </a:ext>
+  </a:extLst>
 </a:theme>
 </file>
 
@@ -34260,5 +34378,10 @@
   </a:themeElements>
   <a:objectDefaults/>
   <a:extraClrSchemeLst/>
+  <a:extLst>
+    <a:ext uri="{05A4C25C-085E-4340-85A3-A5531E510DB2}">
+      <thm15:themeFamily xmlns:thm15="http://schemas.microsoft.com/office/thememl/2012/main" name="Office Theme" id="{62F939B6-93AF-4DB8-9C6B-D6C7DFDC589F}" vid="{4A3C46E8-61CC-4603-A589-7422A47A8E4A}"/>
+    </a:ext>
+  </a:extLst>
 </a:theme>
 </file>